--- a/trunk/lectures/0. Course Introduction.pptx
+++ b/trunk/lectures/0. Course Introduction.pptx
@@ -5,14 +5,36 @@
     <p:sldMasterId id="2147483672" r:id="rId1"/>
   </p:sldMasterIdLst>
   <p:notesMasterIdLst>
-    <p:notesMasterId r:id="rId4"/>
+    <p:notesMasterId r:id="rId26"/>
   </p:notesMasterIdLst>
   <p:handoutMasterIdLst>
-    <p:handoutMasterId r:id="rId5"/>
+    <p:handoutMasterId r:id="rId27"/>
   </p:handoutMasterIdLst>
   <p:sldIdLst>
     <p:sldId id="320" r:id="rId2"/>
-    <p:sldId id="321" r:id="rId3"/>
+    <p:sldId id="322" r:id="rId3"/>
+    <p:sldId id="323" r:id="rId4"/>
+    <p:sldId id="351" r:id="rId5"/>
+    <p:sldId id="324" r:id="rId6"/>
+    <p:sldId id="325" r:id="rId7"/>
+    <p:sldId id="347" r:id="rId8"/>
+    <p:sldId id="348" r:id="rId9"/>
+    <p:sldId id="349" r:id="rId10"/>
+    <p:sldId id="328" r:id="rId11"/>
+    <p:sldId id="329" r:id="rId12"/>
+    <p:sldId id="330" r:id="rId13"/>
+    <p:sldId id="331" r:id="rId14"/>
+    <p:sldId id="332" r:id="rId15"/>
+    <p:sldId id="333" r:id="rId16"/>
+    <p:sldId id="334" r:id="rId17"/>
+    <p:sldId id="335" r:id="rId18"/>
+    <p:sldId id="339" r:id="rId19"/>
+    <p:sldId id="340" r:id="rId20"/>
+    <p:sldId id="350" r:id="rId21"/>
+    <p:sldId id="343" r:id="rId22"/>
+    <p:sldId id="344" r:id="rId23"/>
+    <p:sldId id="345" r:id="rId24"/>
+    <p:sldId id="346" r:id="rId25"/>
   </p:sldIdLst>
   <p:sldSz cx="9144000" cy="6858000" type="screen4x3"/>
   <p:notesSz cx="6881813" cy="9296400"/>
@@ -259,7 +281,7 @@
             <a:fld id="{3BF7C7B5-275F-4D1F-9AB4-9255447DBC73}" type="datetimeFigureOut">
               <a:rPr lang="en-US"/>
               <a:pPr/>
-              <a:t>1/14/2010</a:t>
+              <a:t>2/3/2010</a:t>
             </a:fld>
             <a:endParaRPr lang="en-US" dirty="0"/>
           </a:p>
@@ -485,7 +507,7 @@
             <a:fld id="{9B46F231-FB2B-4655-A644-E2477325E686}" type="datetimeFigureOut">
               <a:rPr lang="en-US"/>
               <a:pPr/>
-              <a:t>1/14/2010</a:t>
+              <a:t>2/3/2010</a:t>
             </a:fld>
             <a:endParaRPr lang="en-US" dirty="0"/>
           </a:p>
@@ -3607,8 +3629,8 @@
         </p:nvSpPr>
         <p:spPr>
           <a:xfrm>
-            <a:off x="381000" y="1600200"/>
-            <a:ext cx="8305800" cy="1524000"/>
+            <a:off x="381000" y="914400"/>
+            <a:ext cx="8305800" cy="2209800"/>
           </a:xfrm>
         </p:spPr>
         <p:txBody>
@@ -3743,14 +3765,14 @@
       </p:sp>
       <p:pic>
         <p:nvPicPr>
-          <p:cNvPr id="180226" name="Picture 2" descr="http://degreedirectory.org/cimages/multimages/2/technology.jpg"/>
+          <p:cNvPr id="8" name="Picture 2" descr="http://www.nextgenpe.com/media/focus-area-images/NGPE/issue-6/Technology_solutions_SM_FOC.png"/>
           <p:cNvPicPr>
             <a:picLocks noChangeAspect="1" noChangeArrowheads="1"/>
           </p:cNvPicPr>
           <p:nvPr/>
         </p:nvPicPr>
         <p:blipFill>
-          <a:blip r:embed="rId3" cstate="screen"/>
+          <a:blip r:embed="rId3" cstate="print"/>
           <a:srcRect/>
           <a:stretch>
             <a:fillRect/>
@@ -3758,18 +3780,3424 @@
         </p:blipFill>
         <p:spPr bwMode="auto">
           <a:xfrm>
-            <a:off x="3114675" y="4533900"/>
-            <a:ext cx="5572125" cy="1866900"/>
+            <a:off x="3886200" y="4612192"/>
+            <a:ext cx="4686300" cy="1707152"/>
+          </a:xfrm>
+          <a:prstGeom prst="roundRect">
+            <a:avLst>
+              <a:gd name="adj" fmla="val 8298"/>
+            </a:avLst>
+          </a:prstGeom>
+          <a:noFill/>
+        </p:spPr>
+      </p:pic>
+    </p:spTree>
+  </p:cSld>
+  <p:clrMapOvr>
+    <a:masterClrMapping/>
+  </p:clrMapOvr>
+  <p:timing>
+    <p:tnLst>
+      <p:par>
+        <p:cTn id="1" dur="indefinite" restart="never" nodeType="tmRoot"/>
+      </p:par>
+    </p:tnLst>
+  </p:timing>
+</p:sld>
+</file>
+
+<file path=ppt/slides/slide10.xml><?xml version="1.0" encoding="utf-8"?>
+<p:sld xmlns:a="http://schemas.openxmlformats.org/drawingml/2006/main" xmlns:r="http://schemas.openxmlformats.org/officeDocument/2006/relationships" xmlns:p="http://schemas.openxmlformats.org/presentationml/2006/main">
+  <p:cSld>
+    <p:spTree>
+      <p:nvGrpSpPr>
+        <p:cNvPr id="1" name=""/>
+        <p:cNvGrpSpPr/>
+        <p:nvPr/>
+      </p:nvGrpSpPr>
+      <p:grpSpPr>
+        <a:xfrm>
+          <a:off x="0" y="0"/>
+          <a:ext cx="0" cy="0"/>
+          <a:chOff x="0" y="0"/>
+          <a:chExt cx="0" cy="0"/>
+        </a:xfrm>
+      </p:grpSpPr>
+      <p:sp>
+        <p:nvSpPr>
+          <p:cNvPr id="5" name="Title 4"/>
+          <p:cNvSpPr>
+            <a:spLocks noGrp="1"/>
+          </p:cNvSpPr>
+          <p:nvPr>
+            <p:ph type="ctrTitle"/>
+          </p:nvPr>
+        </p:nvSpPr>
+        <p:spPr>
+          <a:xfrm>
+            <a:off x="438150" y="1447800"/>
+            <a:ext cx="8229600" cy="685800"/>
+          </a:xfrm>
+        </p:spPr>
+        <p:txBody>
+          <a:bodyPr/>
+          <a:lstStyle/>
+          <a:p>
+            <a:r>
+              <a:rPr lang="en-US" smtClean="0"/>
+              <a:t>The Trainers </a:t>
+            </a:r>
+            <a:r>
+              <a:rPr lang="en-US" dirty="0" smtClean="0"/>
+              <a:t>Team</a:t>
+            </a:r>
+            <a:endParaRPr lang="en-US" dirty="0"/>
+          </a:p>
+        </p:txBody>
+      </p:sp>
+      <p:pic>
+        <p:nvPicPr>
+          <p:cNvPr id="19458" name="Picture 2" descr="http://www.studentsfirst.us/content/img/f146234/teacher_in_classroom.jpg"/>
+          <p:cNvPicPr>
+            <a:picLocks noChangeAspect="1" noChangeArrowheads="1"/>
+          </p:cNvPicPr>
+          <p:nvPr/>
+        </p:nvPicPr>
+        <p:blipFill>
+          <a:blip r:embed="rId2" cstate="print">
+            <a:lum bright="10000" contrast="20000"/>
+          </a:blip>
+          <a:srcRect r="2250" b="3019"/>
+          <a:stretch>
+            <a:fillRect/>
+          </a:stretch>
+        </p:blipFill>
+        <p:spPr bwMode="auto">
+          <a:xfrm>
+            <a:off x="1885950" y="2590800"/>
+            <a:ext cx="5334000" cy="3505980"/>
+          </a:xfrm>
+          <a:prstGeom prst="roundRect">
+            <a:avLst>
+              <a:gd name="adj" fmla="val 5800"/>
+            </a:avLst>
+          </a:prstGeom>
+          <a:noFill/>
+          <a:ln w="3175">
+            <a:solidFill>
+              <a:schemeClr val="accent5">
+                <a:lumMod val="60000"/>
+                <a:lumOff val="40000"/>
+                <a:alpha val="50000"/>
+              </a:schemeClr>
+            </a:solidFill>
+          </a:ln>
+        </p:spPr>
+      </p:pic>
+    </p:spTree>
+  </p:cSld>
+  <p:clrMapOvr>
+    <a:masterClrMapping/>
+  </p:clrMapOvr>
+  <p:timing>
+    <p:tnLst>
+      <p:par>
+        <p:cTn id="1" dur="indefinite" restart="never" nodeType="tmRoot"/>
+      </p:par>
+    </p:tnLst>
+  </p:timing>
+</p:sld>
+</file>
+
+<file path=ppt/slides/slide11.xml><?xml version="1.0" encoding="utf-8"?>
+<p:sld xmlns:a="http://schemas.openxmlformats.org/drawingml/2006/main" xmlns:r="http://schemas.openxmlformats.org/officeDocument/2006/relationships" xmlns:p="http://schemas.openxmlformats.org/presentationml/2006/main">
+  <p:cSld>
+    <p:spTree>
+      <p:nvGrpSpPr>
+        <p:cNvPr id="1" name=""/>
+        <p:cNvGrpSpPr/>
+        <p:nvPr/>
+      </p:nvGrpSpPr>
+      <p:grpSpPr>
+        <a:xfrm>
+          <a:off x="0" y="0"/>
+          <a:ext cx="0" cy="0"/>
+          <a:chOff x="0" y="0"/>
+          <a:chExt cx="0" cy="0"/>
+        </a:xfrm>
+      </p:grpSpPr>
+      <p:sp>
+        <p:nvSpPr>
+          <p:cNvPr id="4" name="Title 3"/>
+          <p:cNvSpPr>
+            <a:spLocks noGrp="1"/>
+          </p:cNvSpPr>
+          <p:nvPr>
+            <p:ph type="title"/>
+          </p:nvPr>
+        </p:nvSpPr>
+        <p:spPr/>
+        <p:txBody>
+          <a:bodyPr/>
+          <a:lstStyle/>
+          <a:p>
+            <a:r>
+              <a:rPr lang="en-US" dirty="0" smtClean="0"/>
+              <a:t>Trainers Team</a:t>
+            </a:r>
+            <a:endParaRPr lang="en-US" dirty="0"/>
+          </a:p>
+        </p:txBody>
+      </p:sp>
+      <p:sp>
+        <p:nvSpPr>
+          <p:cNvPr id="5" name="Content Placeholder 4"/>
+          <p:cNvSpPr>
+            <a:spLocks noGrp="1"/>
+          </p:cNvSpPr>
+          <p:nvPr>
+            <p:ph idx="1"/>
+          </p:nvPr>
+        </p:nvSpPr>
+        <p:spPr>
+          <a:xfrm>
+            <a:off x="228600" y="1066800"/>
+            <a:ext cx="6477000" cy="3505200"/>
+          </a:xfrm>
+        </p:spPr>
+        <p:txBody>
+          <a:bodyPr/>
+          <a:lstStyle/>
+          <a:p>
+            <a:pPr>
+              <a:lnSpc>
+                <a:spcPts val="4000"/>
+              </a:lnSpc>
+            </a:pPr>
+            <a:r>
+              <a:rPr lang="en-US" dirty="0" smtClean="0"/>
+              <a:t>Svetlin Nakov</a:t>
+            </a:r>
+          </a:p>
+          <a:p>
+            <a:pPr lvl="1">
+              <a:lnSpc>
+                <a:spcPts val="4000"/>
+              </a:lnSpc>
+            </a:pPr>
+            <a:r>
+              <a:rPr lang="en-US" dirty="0" smtClean="0"/>
+              <a:t>Manager Technical Training,	 Telerik Corporation,		 Telerik Academy</a:t>
+            </a:r>
+          </a:p>
+          <a:p>
+            <a:pPr lvl="1" eaLnBrk="1" hangingPunct="1">
+              <a:lnSpc>
+                <a:spcPts val="4000"/>
+              </a:lnSpc>
+            </a:pPr>
+            <a:r>
+              <a:rPr lang="en-US" dirty="0" smtClean="0"/>
+              <a:t>15 years software development experience</a:t>
+            </a:r>
+          </a:p>
+        </p:txBody>
+      </p:sp>
+      <p:pic>
+        <p:nvPicPr>
+          <p:cNvPr id="6" name="Picture 6" descr="Svetlin-Nakov-face-small"/>
+          <p:cNvPicPr>
+            <a:picLocks noChangeAspect="1" noChangeArrowheads="1"/>
+          </p:cNvPicPr>
+          <p:nvPr/>
+        </p:nvPicPr>
+        <p:blipFill>
+          <a:blip r:embed="rId2" cstate="print"/>
+          <a:srcRect/>
+          <a:stretch>
+            <a:fillRect/>
+          </a:stretch>
+        </p:blipFill>
+        <p:spPr bwMode="auto">
+          <a:xfrm>
+            <a:off x="6858000" y="1219200"/>
+            <a:ext cx="1622425" cy="1981200"/>
           </a:xfrm>
           <a:prstGeom prst="rect">
             <a:avLst/>
           </a:prstGeom>
+          <a:noFill/>
+          <a:ln w="3175">
+            <a:solidFill>
+              <a:schemeClr val="accent5">
+                <a:lumMod val="75000"/>
+              </a:schemeClr>
+            </a:solidFill>
+            <a:miter lim="800000"/>
+            <a:headEnd/>
+            <a:tailEnd/>
+          </a:ln>
+        </p:spPr>
+      </p:pic>
+      <p:sp>
+        <p:nvSpPr>
+          <p:cNvPr id="8" name="Rectangle 7"/>
+          <p:cNvSpPr/>
+          <p:nvPr/>
+        </p:nvSpPr>
+        <p:spPr>
+          <a:xfrm>
+            <a:off x="228600" y="4572000"/>
+            <a:ext cx="8610600" cy="1938992"/>
+          </a:xfrm>
+          <a:prstGeom prst="rect">
+            <a:avLst/>
+          </a:prstGeom>
+        </p:spPr>
+        <p:txBody>
+          <a:bodyPr wrap="square">
+            <a:spAutoFit/>
+          </a:bodyPr>
+          <a:lstStyle/>
+          <a:p>
+            <a:pPr marL="630238" lvl="1" indent="-273050">
+              <a:lnSpc>
+                <a:spcPts val="4000"/>
+              </a:lnSpc>
+              <a:spcBef>
+                <a:spcPts val="600"/>
+              </a:spcBef>
+              <a:spcAft>
+                <a:spcPts val="600"/>
+              </a:spcAft>
+              <a:buClr>
+                <a:srgbClr val="8FD600"/>
+              </a:buClr>
+              <a:buFont typeface="Wingdings 2" pitchFamily="18" charset="2"/>
+              <a:buChar char=""/>
+            </a:pPr>
+            <a:r>
+              <a:rPr lang="en-US" sz="3000" b="1" dirty="0" smtClean="0">
+                <a:solidFill>
+                  <a:srgbClr val="CCFF66">
+                    <a:lumMod val="40000"/>
+                    <a:lumOff val="60000"/>
+                  </a:srgbClr>
+                </a:solidFill>
+                <a:effectLst>
+                  <a:outerShdw blurRad="38100" dist="38100" dir="2700000" algn="tl">
+                    <a:srgbClr val="000000">
+                      <a:alpha val="43137"/>
+                    </a:srgbClr>
+                  </a:outerShdw>
+                </a:effectLst>
+                <a:latin typeface="Corbel"/>
+              </a:rPr>
+              <a:t>E-mail: </a:t>
+            </a:r>
+            <a:r>
+              <a:rPr lang="en-US" sz="3000" b="1" noProof="1" smtClean="0">
+                <a:solidFill>
+                  <a:srgbClr val="CCFF66">
+                    <a:lumMod val="40000"/>
+                    <a:lumOff val="60000"/>
+                  </a:srgbClr>
+                </a:solidFill>
+                <a:effectLst>
+                  <a:outerShdw blurRad="38100" dist="38100" dir="2700000" algn="tl">
+                    <a:srgbClr val="000000">
+                      <a:alpha val="43137"/>
+                    </a:srgbClr>
+                  </a:outerShdw>
+                </a:effectLst>
+                <a:latin typeface="Corbel"/>
+              </a:rPr>
+              <a:t>svetlin.nakov</a:t>
+            </a:r>
+            <a:r>
+              <a:rPr lang="en-US" sz="3000" b="1" dirty="0" smtClean="0">
+                <a:solidFill>
+                  <a:srgbClr val="CCFF66">
+                    <a:lumMod val="40000"/>
+                    <a:lumOff val="60000"/>
+                  </a:srgbClr>
+                </a:solidFill>
+                <a:effectLst>
+                  <a:outerShdw blurRad="38100" dist="38100" dir="2700000" algn="tl">
+                    <a:srgbClr val="000000">
+                      <a:alpha val="43137"/>
+                    </a:srgbClr>
+                  </a:outerShdw>
+                </a:effectLst>
+                <a:latin typeface="Corbel"/>
+              </a:rPr>
+              <a:t> [at] telerik.com</a:t>
+            </a:r>
+          </a:p>
+          <a:p>
+            <a:pPr marL="630238" lvl="1" indent="-273050">
+              <a:lnSpc>
+                <a:spcPts val="4000"/>
+              </a:lnSpc>
+              <a:spcBef>
+                <a:spcPts val="600"/>
+              </a:spcBef>
+              <a:spcAft>
+                <a:spcPts val="600"/>
+              </a:spcAft>
+              <a:buClr>
+                <a:srgbClr val="8FD600"/>
+              </a:buClr>
+              <a:buFont typeface="Wingdings 2" pitchFamily="18" charset="2"/>
+              <a:buChar char=""/>
+            </a:pPr>
+            <a:r>
+              <a:rPr lang="en-US" sz="3000" b="1" dirty="0" smtClean="0">
+                <a:solidFill>
+                  <a:srgbClr val="CCFF66">
+                    <a:lumMod val="40000"/>
+                    <a:lumOff val="60000"/>
+                  </a:srgbClr>
+                </a:solidFill>
+                <a:effectLst>
+                  <a:outerShdw blurRad="38100" dist="38100" dir="2700000" algn="tl">
+                    <a:srgbClr val="000000">
+                      <a:alpha val="43137"/>
+                    </a:srgbClr>
+                  </a:outerShdw>
+                </a:effectLst>
+                <a:latin typeface="Corbel"/>
+              </a:rPr>
+              <a:t>Web site</a:t>
+            </a:r>
+            <a:r>
+              <a:rPr lang="ru-RU" sz="3000" b="1" dirty="0" smtClean="0">
+                <a:solidFill>
+                  <a:srgbClr val="CCFF66">
+                    <a:lumMod val="40000"/>
+                    <a:lumOff val="60000"/>
+                  </a:srgbClr>
+                </a:solidFill>
+                <a:effectLst>
+                  <a:outerShdw blurRad="38100" dist="38100" dir="2700000" algn="tl">
+                    <a:srgbClr val="000000">
+                      <a:alpha val="43137"/>
+                    </a:srgbClr>
+                  </a:outerShdw>
+                </a:effectLst>
+                <a:latin typeface="Corbel"/>
+              </a:rPr>
+              <a:t>: </a:t>
+            </a:r>
+            <a:r>
+              <a:rPr lang="ru-RU" sz="3000" b="1" dirty="0" smtClean="0">
+                <a:solidFill>
+                  <a:srgbClr val="CCFF66">
+                    <a:lumMod val="40000"/>
+                    <a:lumOff val="60000"/>
+                  </a:srgbClr>
+                </a:solidFill>
+                <a:effectLst>
+                  <a:outerShdw blurRad="38100" dist="38100" dir="2700000" algn="tl">
+                    <a:srgbClr val="000000">
+                      <a:alpha val="43137"/>
+                    </a:srgbClr>
+                  </a:outerShdw>
+                </a:effectLst>
+                <a:latin typeface="Corbel"/>
+                <a:hlinkClick r:id="rId3"/>
+              </a:rPr>
+              <a:t>www.nakov.com</a:t>
+            </a:r>
+            <a:endParaRPr lang="en-US" sz="3000" b="1" dirty="0" smtClean="0">
+              <a:solidFill>
+                <a:srgbClr val="CCFF66">
+                  <a:lumMod val="40000"/>
+                  <a:lumOff val="60000"/>
+                </a:srgbClr>
+              </a:solidFill>
+              <a:effectLst>
+                <a:outerShdw blurRad="38100" dist="38100" dir="2700000" algn="tl">
+                  <a:srgbClr val="000000">
+                    <a:alpha val="43137"/>
+                  </a:srgbClr>
+                </a:outerShdw>
+              </a:effectLst>
+              <a:latin typeface="Corbel"/>
+            </a:endParaRPr>
+          </a:p>
+          <a:p>
+            <a:pPr marL="630238" lvl="1" indent="-273050">
+              <a:lnSpc>
+                <a:spcPts val="4000"/>
+              </a:lnSpc>
+              <a:spcBef>
+                <a:spcPts val="600"/>
+              </a:spcBef>
+              <a:spcAft>
+                <a:spcPts val="600"/>
+              </a:spcAft>
+              <a:buClr>
+                <a:srgbClr val="8FD600"/>
+              </a:buClr>
+              <a:buFont typeface="Wingdings 2" pitchFamily="18" charset="2"/>
+              <a:buChar char=""/>
+            </a:pPr>
+            <a:r>
+              <a:rPr lang="en-US" sz="3000" b="1" noProof="1" smtClean="0">
+                <a:solidFill>
+                  <a:srgbClr val="CCFF66">
+                    <a:lumMod val="40000"/>
+                    <a:lumOff val="60000"/>
+                  </a:srgbClr>
+                </a:solidFill>
+                <a:effectLst>
+                  <a:outerShdw blurRad="38100" dist="38100" dir="2700000" algn="tl">
+                    <a:srgbClr val="000000">
+                      <a:alpha val="43137"/>
+                    </a:srgbClr>
+                  </a:outerShdw>
+                </a:effectLst>
+                <a:latin typeface="Corbel"/>
+              </a:rPr>
+              <a:t>Blog: </a:t>
+            </a:r>
+            <a:r>
+              <a:rPr lang="en-US" sz="3000" b="1" noProof="1" smtClean="0">
+                <a:solidFill>
+                  <a:srgbClr val="CCFF66">
+                    <a:lumMod val="40000"/>
+                    <a:lumOff val="60000"/>
+                  </a:srgbClr>
+                </a:solidFill>
+                <a:effectLst>
+                  <a:outerShdw blurRad="38100" dist="38100" dir="2700000" algn="tl">
+                    <a:srgbClr val="000000">
+                      <a:alpha val="43137"/>
+                    </a:srgbClr>
+                  </a:outerShdw>
+                </a:effectLst>
+                <a:latin typeface="Corbel"/>
+                <a:hlinkClick r:id="rId4"/>
+              </a:rPr>
+              <a:t>http://</a:t>
+            </a:r>
+            <a:r>
+              <a:rPr lang="en-US" sz="3000" b="1" noProof="1" smtClean="0">
+                <a:solidFill>
+                  <a:srgbClr val="CCFF66">
+                    <a:lumMod val="40000"/>
+                    <a:lumOff val="60000"/>
+                  </a:srgbClr>
+                </a:solidFill>
+                <a:effectLst>
+                  <a:outerShdw blurRad="38100" dist="38100" dir="2700000" algn="tl">
+                    <a:srgbClr val="000000">
+                      <a:alpha val="43137"/>
+                    </a:srgbClr>
+                  </a:outerShdw>
+                </a:effectLst>
+                <a:latin typeface="Corbel"/>
+                <a:hlinkClick r:id="rId4"/>
+              </a:rPr>
+              <a:t>nakov.com/blog/</a:t>
+            </a:r>
+            <a:endParaRPr lang="en-US" sz="3000" b="1" dirty="0">
+              <a:solidFill>
+                <a:srgbClr val="CCFF66">
+                  <a:lumMod val="40000"/>
+                  <a:lumOff val="60000"/>
+                </a:srgbClr>
+              </a:solidFill>
+              <a:effectLst>
+                <a:outerShdw blurRad="38100" dist="38100" dir="2700000" algn="tl">
+                  <a:srgbClr val="000000">
+                    <a:alpha val="43137"/>
+                  </a:srgbClr>
+                </a:outerShdw>
+              </a:effectLst>
+              <a:latin typeface="Corbel"/>
+            </a:endParaRPr>
+          </a:p>
+        </p:txBody>
+      </p:sp>
+      <p:sp>
+        <p:nvSpPr>
+          <p:cNvPr id="7" name="Slide Number Placeholder 3"/>
+          <p:cNvSpPr>
+            <a:spLocks noGrp="1"/>
+          </p:cNvSpPr>
+          <p:nvPr>
+            <p:ph type="sldNum" sz="quarter" idx="10"/>
+          </p:nvPr>
+        </p:nvSpPr>
+        <p:spPr>
+          <a:xfrm>
+            <a:off x="8610600" y="6553200"/>
+            <a:ext cx="457200" cy="228600"/>
+          </a:xfrm>
+        </p:spPr>
+        <p:txBody>
+          <a:bodyPr/>
+          <a:lstStyle/>
+          <a:p>
+            <a:pPr>
+              <a:defRPr/>
+            </a:pPr>
+            <a:fld id="{58452FF4-89E3-4D1B-9927-2DBDC00E58D7}" type="slidenum">
+              <a:rPr lang="en-US" smtClean="0"/>
+              <a:pPr>
+                <a:defRPr/>
+              </a:pPr>
+              <a:t>11</a:t>
+            </a:fld>
+            <a:endParaRPr lang="en-US" dirty="0"/>
+          </a:p>
+        </p:txBody>
+      </p:sp>
+    </p:spTree>
+  </p:cSld>
+  <p:clrMapOvr>
+    <a:masterClrMapping/>
+  </p:clrMapOvr>
+  <p:timing>
+    <p:tnLst>
+      <p:par>
+        <p:cTn id="1" dur="indefinite" restart="never" nodeType="tmRoot"/>
+      </p:par>
+    </p:tnLst>
+  </p:timing>
+</p:sld>
+</file>
+
+<file path=ppt/slides/slide12.xml><?xml version="1.0" encoding="utf-8"?>
+<p:sld xmlns:a="http://schemas.openxmlformats.org/drawingml/2006/main" xmlns:r="http://schemas.openxmlformats.org/officeDocument/2006/relationships" xmlns:p="http://schemas.openxmlformats.org/presentationml/2006/main">
+  <p:cSld>
+    <p:spTree>
+      <p:nvGrpSpPr>
+        <p:cNvPr id="1" name=""/>
+        <p:cNvGrpSpPr/>
+        <p:nvPr/>
+      </p:nvGrpSpPr>
+      <p:grpSpPr>
+        <a:xfrm>
+          <a:off x="0" y="0"/>
+          <a:ext cx="0" cy="0"/>
+          <a:chOff x="0" y="0"/>
+          <a:chExt cx="0" cy="0"/>
+        </a:xfrm>
+      </p:grpSpPr>
+      <p:sp>
+        <p:nvSpPr>
+          <p:cNvPr id="4" name="Title 3"/>
+          <p:cNvSpPr>
+            <a:spLocks noGrp="1"/>
+          </p:cNvSpPr>
+          <p:nvPr>
+            <p:ph type="title"/>
+          </p:nvPr>
+        </p:nvSpPr>
+        <p:spPr/>
+        <p:txBody>
+          <a:bodyPr/>
+          <a:lstStyle/>
+          <a:p>
+            <a:r>
+              <a:rPr lang="en-US" dirty="0" smtClean="0"/>
+              <a:t>Trainers Team (2)</a:t>
+            </a:r>
+            <a:endParaRPr lang="en-US" dirty="0"/>
+          </a:p>
+        </p:txBody>
+      </p:sp>
+      <p:sp>
+        <p:nvSpPr>
+          <p:cNvPr id="5" name="Content Placeholder 4"/>
+          <p:cNvSpPr>
+            <a:spLocks noGrp="1"/>
+          </p:cNvSpPr>
+          <p:nvPr>
+            <p:ph idx="1"/>
+          </p:nvPr>
+        </p:nvSpPr>
+        <p:spPr>
+          <a:xfrm>
+            <a:off x="228600" y="1066800"/>
+            <a:ext cx="6477000" cy="2438400"/>
+          </a:xfrm>
+        </p:spPr>
+        <p:txBody>
+          <a:bodyPr/>
+          <a:lstStyle/>
+          <a:p>
+            <a:pPr>
+              <a:lnSpc>
+                <a:spcPts val="4000"/>
+              </a:lnSpc>
+            </a:pPr>
+            <a:r>
+              <a:rPr lang="en-US" dirty="0" smtClean="0"/>
+              <a:t>Mihail Stoynov</a:t>
+            </a:r>
+            <a:endParaRPr lang="en-US" dirty="0" smtClean="0"/>
+          </a:p>
+          <a:p>
+            <a:pPr lvl="1">
+              <a:lnSpc>
+                <a:spcPts val="4000"/>
+              </a:lnSpc>
+            </a:pPr>
+            <a:r>
+              <a:rPr lang="en-US" dirty="0" smtClean="0"/>
+              <a:t>Technical Lead</a:t>
+            </a:r>
+            <a:r>
+              <a:rPr lang="en-US" dirty="0" smtClean="0"/>
+              <a:t>,	 </a:t>
+            </a:r>
+            <a:r>
+              <a:rPr lang="en-US" dirty="0" smtClean="0"/>
+              <a:t>	         </a:t>
+            </a:r>
+            <a:r>
+              <a:rPr lang="en-US" dirty="0" smtClean="0"/>
+              <a:t>Materna Bulgaria</a:t>
+            </a:r>
+            <a:r>
+              <a:rPr lang="en-US" dirty="0" smtClean="0"/>
+              <a:t>, </a:t>
+            </a:r>
+            <a:r>
+              <a:rPr lang="en-US" dirty="0" smtClean="0">
+                <a:hlinkClick r:id="rId2"/>
+              </a:rPr>
+              <a:t>www.materna.com</a:t>
+            </a:r>
+            <a:endParaRPr lang="en-US" dirty="0" smtClean="0"/>
+          </a:p>
+        </p:txBody>
+      </p:sp>
+      <p:sp>
+        <p:nvSpPr>
+          <p:cNvPr id="8" name="Rectangle 7"/>
+          <p:cNvSpPr/>
+          <p:nvPr/>
+        </p:nvSpPr>
+        <p:spPr>
+          <a:xfrm>
+            <a:off x="228600" y="3429000"/>
+            <a:ext cx="8610600" cy="1272143"/>
+          </a:xfrm>
+          <a:prstGeom prst="rect">
+            <a:avLst/>
+          </a:prstGeom>
+        </p:spPr>
+        <p:txBody>
+          <a:bodyPr wrap="square">
+            <a:spAutoFit/>
+          </a:bodyPr>
+          <a:lstStyle/>
+          <a:p>
+            <a:pPr marL="630238" lvl="1" indent="-273050">
+              <a:lnSpc>
+                <a:spcPts val="4000"/>
+              </a:lnSpc>
+              <a:spcBef>
+                <a:spcPts val="600"/>
+              </a:spcBef>
+              <a:spcAft>
+                <a:spcPts val="600"/>
+              </a:spcAft>
+              <a:buClr>
+                <a:srgbClr val="8FD600"/>
+              </a:buClr>
+              <a:buFont typeface="Wingdings 2" pitchFamily="18" charset="2"/>
+              <a:buChar char=""/>
+            </a:pPr>
+            <a:r>
+              <a:rPr lang="en-US" sz="3000" b="1" dirty="0" smtClean="0">
+                <a:solidFill>
+                  <a:srgbClr val="CCFF66">
+                    <a:lumMod val="40000"/>
+                    <a:lumOff val="60000"/>
+                  </a:srgbClr>
+                </a:solidFill>
+                <a:effectLst>
+                  <a:outerShdw blurRad="38100" dist="38100" dir="2700000" algn="tl">
+                    <a:srgbClr val="000000">
+                      <a:alpha val="43137"/>
+                    </a:srgbClr>
+                  </a:outerShdw>
+                </a:effectLst>
+                <a:latin typeface="Corbel"/>
+              </a:rPr>
+              <a:t>E-mail: </a:t>
+            </a:r>
+            <a:r>
+              <a:rPr lang="en-US" sz="3000" b="1" noProof="1" smtClean="0">
+                <a:solidFill>
+                  <a:srgbClr val="CCFF66">
+                    <a:lumMod val="40000"/>
+                    <a:lumOff val="60000"/>
+                  </a:srgbClr>
+                </a:solidFill>
+                <a:effectLst>
+                  <a:outerShdw blurRad="38100" dist="38100" dir="2700000" algn="tl">
+                    <a:srgbClr val="000000">
+                      <a:alpha val="43137"/>
+                    </a:srgbClr>
+                  </a:outerShdw>
+                </a:effectLst>
+                <a:latin typeface="Corbel"/>
+              </a:rPr>
+              <a:t>mihail </a:t>
+            </a:r>
+            <a:r>
+              <a:rPr lang="en-US" sz="3000" b="1" dirty="0" smtClean="0">
+                <a:solidFill>
+                  <a:srgbClr val="CCFF66">
+                    <a:lumMod val="40000"/>
+                    <a:lumOff val="60000"/>
+                  </a:srgbClr>
+                </a:solidFill>
+                <a:effectLst>
+                  <a:outerShdw blurRad="38100" dist="38100" dir="2700000" algn="tl">
+                    <a:srgbClr val="000000">
+                      <a:alpha val="43137"/>
+                    </a:srgbClr>
+                  </a:outerShdw>
+                </a:effectLst>
+                <a:latin typeface="Corbel"/>
+              </a:rPr>
+              <a:t>[at] </a:t>
+            </a:r>
+            <a:r>
+              <a:rPr lang="en-US" sz="3000" b="1" dirty="0" smtClean="0">
+                <a:solidFill>
+                  <a:srgbClr val="CCFF66">
+                    <a:lumMod val="40000"/>
+                    <a:lumOff val="60000"/>
+                  </a:srgbClr>
+                </a:solidFill>
+                <a:effectLst>
+                  <a:outerShdw blurRad="38100" dist="38100" dir="2700000" algn="tl">
+                    <a:srgbClr val="000000">
+                      <a:alpha val="43137"/>
+                    </a:srgbClr>
+                  </a:outerShdw>
+                </a:effectLst>
+                <a:latin typeface="Corbel"/>
+              </a:rPr>
+              <a:t>stoynov.com</a:t>
+            </a:r>
+            <a:endParaRPr lang="en-US" sz="3000" b="1" dirty="0" smtClean="0">
+              <a:solidFill>
+                <a:srgbClr val="CCFF66">
+                  <a:lumMod val="40000"/>
+                  <a:lumOff val="60000"/>
+                </a:srgbClr>
+              </a:solidFill>
+              <a:effectLst>
+                <a:outerShdw blurRad="38100" dist="38100" dir="2700000" algn="tl">
+                  <a:srgbClr val="000000">
+                    <a:alpha val="43137"/>
+                  </a:srgbClr>
+                </a:outerShdw>
+              </a:effectLst>
+              <a:latin typeface="Corbel"/>
+            </a:endParaRPr>
+          </a:p>
+          <a:p>
+            <a:pPr marL="630238" lvl="1" indent="-273050">
+              <a:lnSpc>
+                <a:spcPts val="4000"/>
+              </a:lnSpc>
+              <a:spcBef>
+                <a:spcPts val="600"/>
+              </a:spcBef>
+              <a:spcAft>
+                <a:spcPts val="600"/>
+              </a:spcAft>
+              <a:buClr>
+                <a:srgbClr val="8FD600"/>
+              </a:buClr>
+              <a:buFont typeface="Wingdings 2" pitchFamily="18" charset="2"/>
+              <a:buChar char=""/>
+            </a:pPr>
+            <a:r>
+              <a:rPr lang="en-US" sz="3000" b="1" noProof="1" smtClean="0">
+                <a:solidFill>
+                  <a:srgbClr val="CCFF66">
+                    <a:lumMod val="40000"/>
+                    <a:lumOff val="60000"/>
+                  </a:srgbClr>
+                </a:solidFill>
+                <a:effectLst>
+                  <a:outerShdw blurRad="38100" dist="38100" dir="2700000" algn="tl">
+                    <a:srgbClr val="000000">
+                      <a:alpha val="43137"/>
+                    </a:srgbClr>
+                  </a:outerShdw>
+                </a:effectLst>
+                <a:latin typeface="Corbel"/>
+              </a:rPr>
+              <a:t>Blog</a:t>
+            </a:r>
+            <a:r>
+              <a:rPr lang="en-US" sz="3000" b="1" noProof="1" smtClean="0">
+                <a:solidFill>
+                  <a:srgbClr val="CCFF66">
+                    <a:lumMod val="40000"/>
+                    <a:lumOff val="60000"/>
+                  </a:srgbClr>
+                </a:solidFill>
+                <a:effectLst>
+                  <a:outerShdw blurRad="38100" dist="38100" dir="2700000" algn="tl">
+                    <a:srgbClr val="000000">
+                      <a:alpha val="43137"/>
+                    </a:srgbClr>
+                  </a:outerShdw>
+                </a:effectLst>
+                <a:latin typeface="Corbel"/>
+              </a:rPr>
+              <a:t>: </a:t>
+            </a:r>
+            <a:r>
+              <a:rPr lang="en-US" sz="3000" b="1" noProof="1" smtClean="0">
+                <a:solidFill>
+                  <a:srgbClr val="CCFF66">
+                    <a:lumMod val="40000"/>
+                    <a:lumOff val="60000"/>
+                  </a:srgbClr>
+                </a:solidFill>
+                <a:effectLst>
+                  <a:outerShdw blurRad="38100" dist="38100" dir="2700000" algn="tl">
+                    <a:srgbClr val="000000">
+                      <a:alpha val="43137"/>
+                    </a:srgbClr>
+                  </a:outerShdw>
+                </a:effectLst>
+                <a:latin typeface="Corbel"/>
+                <a:hlinkClick r:id="rId3"/>
+              </a:rPr>
+              <a:t>http://</a:t>
+            </a:r>
+            <a:r>
+              <a:rPr lang="en-US" sz="3000" b="1" noProof="1" smtClean="0">
+                <a:solidFill>
+                  <a:srgbClr val="CCFF66">
+                    <a:lumMod val="40000"/>
+                    <a:lumOff val="60000"/>
+                  </a:srgbClr>
+                </a:solidFill>
+                <a:effectLst>
+                  <a:outerShdw blurRad="38100" dist="38100" dir="2700000" algn="tl">
+                    <a:srgbClr val="000000">
+                      <a:alpha val="43137"/>
+                    </a:srgbClr>
+                  </a:outerShdw>
+                </a:effectLst>
+                <a:latin typeface="Corbel"/>
+                <a:hlinkClick r:id="rId3"/>
+              </a:rPr>
+              <a:t>mihail.stoynov.com/blog</a:t>
+            </a:r>
+            <a:r>
+              <a:rPr lang="en-US" sz="3000" b="1" noProof="1" smtClean="0">
+                <a:solidFill>
+                  <a:srgbClr val="CCFF66">
+                    <a:lumMod val="40000"/>
+                    <a:lumOff val="60000"/>
+                  </a:srgbClr>
+                </a:solidFill>
+                <a:effectLst>
+                  <a:outerShdw blurRad="38100" dist="38100" dir="2700000" algn="tl">
+                    <a:srgbClr val="000000">
+                      <a:alpha val="43137"/>
+                    </a:srgbClr>
+                  </a:outerShdw>
+                </a:effectLst>
+                <a:latin typeface="Corbel"/>
+                <a:hlinkClick r:id="rId3"/>
+              </a:rPr>
+              <a:t>/</a:t>
+            </a:r>
+            <a:endParaRPr lang="en-US" sz="3000" b="1" dirty="0">
+              <a:solidFill>
+                <a:srgbClr val="CCFF66">
+                  <a:lumMod val="40000"/>
+                  <a:lumOff val="60000"/>
+                </a:srgbClr>
+              </a:solidFill>
+              <a:effectLst>
+                <a:outerShdw blurRad="38100" dist="38100" dir="2700000" algn="tl">
+                  <a:srgbClr val="000000">
+                    <a:alpha val="43137"/>
+                  </a:srgbClr>
+                </a:outerShdw>
+              </a:effectLst>
+              <a:latin typeface="Corbel"/>
+            </a:endParaRPr>
+          </a:p>
+        </p:txBody>
+      </p:sp>
+      <p:pic>
+        <p:nvPicPr>
+          <p:cNvPr id="6" name="Picture 4" descr="Mihail-Stoynov"/>
+          <p:cNvPicPr>
+            <a:picLocks noChangeAspect="1" noChangeArrowheads="1"/>
+          </p:cNvPicPr>
+          <p:nvPr/>
+        </p:nvPicPr>
+        <p:blipFill>
+          <a:blip r:embed="rId4" cstate="print">
+            <a:lum/>
+          </a:blip>
+          <a:srcRect/>
+          <a:stretch>
+            <a:fillRect/>
+          </a:stretch>
+        </p:blipFill>
+        <p:spPr bwMode="auto">
+          <a:xfrm>
+            <a:off x="6829426" y="1219199"/>
+            <a:ext cx="1476374" cy="1970981"/>
+          </a:xfrm>
+          <a:prstGeom prst="rect">
+            <a:avLst/>
+          </a:prstGeom>
+          <a:noFill/>
+          <a:ln w="3175">
+            <a:solidFill>
+              <a:schemeClr val="accent5">
+                <a:lumMod val="75000"/>
+              </a:schemeClr>
+            </a:solidFill>
+            <a:miter lim="800000"/>
+            <a:headEnd/>
+            <a:tailEnd/>
+          </a:ln>
+        </p:spPr>
+      </p:pic>
+      <p:sp>
+        <p:nvSpPr>
+          <p:cNvPr id="7" name="Slide Number Placeholder 3"/>
+          <p:cNvSpPr>
+            <a:spLocks noGrp="1"/>
+          </p:cNvSpPr>
+          <p:nvPr>
+            <p:ph type="sldNum" sz="quarter" idx="10"/>
+          </p:nvPr>
+        </p:nvSpPr>
+        <p:spPr>
+          <a:xfrm>
+            <a:off x="8610600" y="6553200"/>
+            <a:ext cx="457200" cy="228600"/>
+          </a:xfrm>
+        </p:spPr>
+        <p:txBody>
+          <a:bodyPr/>
+          <a:lstStyle/>
+          <a:p>
+            <a:pPr>
+              <a:defRPr/>
+            </a:pPr>
+            <a:fld id="{58452FF4-89E3-4D1B-9927-2DBDC00E58D7}" type="slidenum">
+              <a:rPr lang="en-US" smtClean="0"/>
+              <a:pPr>
+                <a:defRPr/>
+              </a:pPr>
+              <a:t>12</a:t>
+            </a:fld>
+            <a:endParaRPr lang="en-US" dirty="0"/>
+          </a:p>
+        </p:txBody>
+      </p:sp>
+    </p:spTree>
+  </p:cSld>
+  <p:clrMapOvr>
+    <a:masterClrMapping/>
+  </p:clrMapOvr>
+  <p:timing>
+    <p:tnLst>
+      <p:par>
+        <p:cTn id="1" dur="indefinite" restart="never" nodeType="tmRoot"/>
+      </p:par>
+    </p:tnLst>
+  </p:timing>
+</p:sld>
+</file>
+
+<file path=ppt/slides/slide13.xml><?xml version="1.0" encoding="utf-8"?>
+<p:sld xmlns:a="http://schemas.openxmlformats.org/drawingml/2006/main" xmlns:r="http://schemas.openxmlformats.org/officeDocument/2006/relationships" xmlns:p="http://schemas.openxmlformats.org/presentationml/2006/main">
+  <p:cSld>
+    <p:spTree>
+      <p:nvGrpSpPr>
+        <p:cNvPr id="1" name=""/>
+        <p:cNvGrpSpPr/>
+        <p:nvPr/>
+      </p:nvGrpSpPr>
+      <p:grpSpPr>
+        <a:xfrm>
+          <a:off x="0" y="0"/>
+          <a:ext cx="0" cy="0"/>
+          <a:chOff x="0" y="0"/>
+          <a:chExt cx="0" cy="0"/>
+        </a:xfrm>
+      </p:grpSpPr>
+      <p:sp>
+        <p:nvSpPr>
+          <p:cNvPr id="4" name="Title 3"/>
+          <p:cNvSpPr>
+            <a:spLocks noGrp="1"/>
+          </p:cNvSpPr>
+          <p:nvPr>
+            <p:ph type="title"/>
+          </p:nvPr>
+        </p:nvSpPr>
+        <p:spPr/>
+        <p:txBody>
+          <a:bodyPr/>
+          <a:lstStyle/>
+          <a:p>
+            <a:r>
+              <a:rPr lang="en-US" dirty="0" smtClean="0"/>
+              <a:t>Trainers Team (3)</a:t>
+            </a:r>
+            <a:endParaRPr lang="en-US" dirty="0"/>
+          </a:p>
+        </p:txBody>
+      </p:sp>
+      <p:sp>
+        <p:nvSpPr>
+          <p:cNvPr id="5" name="Content Placeholder 4"/>
+          <p:cNvSpPr>
+            <a:spLocks noGrp="1"/>
+          </p:cNvSpPr>
+          <p:nvPr>
+            <p:ph idx="1"/>
+          </p:nvPr>
+        </p:nvSpPr>
+        <p:spPr>
+          <a:xfrm>
+            <a:off x="228600" y="1066800"/>
+            <a:ext cx="6477000" cy="2438400"/>
+          </a:xfrm>
+        </p:spPr>
+        <p:txBody>
+          <a:bodyPr/>
+          <a:lstStyle/>
+          <a:p>
+            <a:pPr>
+              <a:lnSpc>
+                <a:spcPts val="4000"/>
+              </a:lnSpc>
+            </a:pPr>
+            <a:r>
+              <a:rPr lang="en-US" dirty="0" smtClean="0"/>
+              <a:t>Branislav Abadjimarinov</a:t>
+            </a:r>
+            <a:endParaRPr lang="en-US" dirty="0" smtClean="0"/>
+          </a:p>
+          <a:p>
+            <a:pPr lvl="1">
+              <a:lnSpc>
+                <a:spcPts val="4000"/>
+              </a:lnSpc>
+            </a:pPr>
+            <a:r>
+              <a:rPr lang="en-US" dirty="0" smtClean="0"/>
+              <a:t>Senior .NET Developer</a:t>
+            </a:r>
+            <a:r>
+              <a:rPr lang="en-US" dirty="0" smtClean="0"/>
+              <a:t>, </a:t>
+            </a:r>
+            <a:r>
+              <a:rPr lang="en-US" dirty="0" smtClean="0"/>
+              <a:t>	         </a:t>
+            </a:r>
+            <a:r>
+              <a:rPr lang="en-US" dirty="0" smtClean="0"/>
+              <a:t>ProPeople, </a:t>
+            </a:r>
+            <a:r>
+              <a:rPr lang="en-US" dirty="0" smtClean="0">
+                <a:hlinkClick r:id="rId2"/>
+              </a:rPr>
+              <a:t>www.propeople.dk</a:t>
+            </a:r>
+            <a:endParaRPr lang="en-US" dirty="0" smtClean="0"/>
+          </a:p>
+        </p:txBody>
+      </p:sp>
+      <p:sp>
+        <p:nvSpPr>
+          <p:cNvPr id="8" name="Rectangle 7"/>
+          <p:cNvSpPr/>
+          <p:nvPr/>
+        </p:nvSpPr>
+        <p:spPr>
+          <a:xfrm>
+            <a:off x="228600" y="3429000"/>
+            <a:ext cx="8610600" cy="1272143"/>
+          </a:xfrm>
+          <a:prstGeom prst="rect">
+            <a:avLst/>
+          </a:prstGeom>
+        </p:spPr>
+        <p:txBody>
+          <a:bodyPr wrap="square">
+            <a:spAutoFit/>
+          </a:bodyPr>
+          <a:lstStyle/>
+          <a:p>
+            <a:pPr marL="630238" lvl="1" indent="-273050">
+              <a:lnSpc>
+                <a:spcPts val="4000"/>
+              </a:lnSpc>
+              <a:spcBef>
+                <a:spcPts val="600"/>
+              </a:spcBef>
+              <a:spcAft>
+                <a:spcPts val="600"/>
+              </a:spcAft>
+              <a:buClr>
+                <a:srgbClr val="8FD600"/>
+              </a:buClr>
+              <a:buFont typeface="Wingdings 2" pitchFamily="18" charset="2"/>
+              <a:buChar char=""/>
+            </a:pPr>
+            <a:r>
+              <a:rPr lang="en-US" sz="3000" b="1" dirty="0" smtClean="0">
+                <a:solidFill>
+                  <a:srgbClr val="CCFF66">
+                    <a:lumMod val="40000"/>
+                    <a:lumOff val="60000"/>
+                  </a:srgbClr>
+                </a:solidFill>
+                <a:effectLst>
+                  <a:outerShdw blurRad="38100" dist="38100" dir="2700000" algn="tl">
+                    <a:srgbClr val="000000">
+                      <a:alpha val="43137"/>
+                    </a:srgbClr>
+                  </a:outerShdw>
+                </a:effectLst>
+                <a:latin typeface="Corbel"/>
+              </a:rPr>
+              <a:t>E-mail: </a:t>
+            </a:r>
+            <a:r>
+              <a:rPr lang="en-US" sz="3000" b="1" noProof="1" smtClean="0">
+                <a:solidFill>
+                  <a:srgbClr val="CCFF66">
+                    <a:lumMod val="40000"/>
+                    <a:lumOff val="60000"/>
+                  </a:srgbClr>
+                </a:solidFill>
+                <a:effectLst>
+                  <a:outerShdw blurRad="38100" dist="38100" dir="2700000" algn="tl">
+                    <a:srgbClr val="000000">
+                      <a:alpha val="43137"/>
+                    </a:srgbClr>
+                  </a:outerShdw>
+                </a:effectLst>
+                <a:latin typeface="Corbel"/>
+              </a:rPr>
+              <a:t>brannislav </a:t>
+            </a:r>
+            <a:r>
+              <a:rPr lang="en-US" sz="3000" b="1" dirty="0" smtClean="0">
+                <a:solidFill>
+                  <a:srgbClr val="CCFF66">
+                    <a:lumMod val="40000"/>
+                    <a:lumOff val="60000"/>
+                  </a:srgbClr>
+                </a:solidFill>
+                <a:effectLst>
+                  <a:outerShdw blurRad="38100" dist="38100" dir="2700000" algn="tl">
+                    <a:srgbClr val="000000">
+                      <a:alpha val="43137"/>
+                    </a:srgbClr>
+                  </a:outerShdw>
+                </a:effectLst>
+                <a:latin typeface="Corbel"/>
+              </a:rPr>
+              <a:t>[at] </a:t>
+            </a:r>
+            <a:r>
+              <a:rPr lang="en-US" sz="3000" b="1" dirty="0" smtClean="0">
+                <a:solidFill>
+                  <a:srgbClr val="CCFF66">
+                    <a:lumMod val="40000"/>
+                    <a:lumOff val="60000"/>
+                  </a:srgbClr>
+                </a:solidFill>
+                <a:effectLst>
+                  <a:outerShdw blurRad="38100" dist="38100" dir="2700000" algn="tl">
+                    <a:srgbClr val="000000">
+                      <a:alpha val="43137"/>
+                    </a:srgbClr>
+                  </a:outerShdw>
+                </a:effectLst>
+                <a:latin typeface="Corbel"/>
+              </a:rPr>
+              <a:t>gmail.com</a:t>
+            </a:r>
+            <a:endParaRPr lang="en-US" sz="3000" b="1" dirty="0" smtClean="0">
+              <a:solidFill>
+                <a:srgbClr val="CCFF66">
+                  <a:lumMod val="40000"/>
+                  <a:lumOff val="60000"/>
+                </a:srgbClr>
+              </a:solidFill>
+              <a:effectLst>
+                <a:outerShdw blurRad="38100" dist="38100" dir="2700000" algn="tl">
+                  <a:srgbClr val="000000">
+                    <a:alpha val="43137"/>
+                  </a:srgbClr>
+                </a:outerShdw>
+              </a:effectLst>
+              <a:latin typeface="Corbel"/>
+            </a:endParaRPr>
+          </a:p>
+          <a:p>
+            <a:pPr marL="630238" lvl="1" indent="-273050">
+              <a:lnSpc>
+                <a:spcPts val="4000"/>
+              </a:lnSpc>
+              <a:spcBef>
+                <a:spcPts val="600"/>
+              </a:spcBef>
+              <a:spcAft>
+                <a:spcPts val="600"/>
+              </a:spcAft>
+              <a:buClr>
+                <a:srgbClr val="8FD600"/>
+              </a:buClr>
+              <a:buFont typeface="Wingdings 2" pitchFamily="18" charset="2"/>
+              <a:buChar char=""/>
+            </a:pPr>
+            <a:r>
+              <a:rPr lang="en-US" sz="3000" b="1" noProof="1" smtClean="0">
+                <a:solidFill>
+                  <a:srgbClr val="CCFF66">
+                    <a:lumMod val="40000"/>
+                    <a:lumOff val="60000"/>
+                  </a:srgbClr>
+                </a:solidFill>
+                <a:effectLst>
+                  <a:outerShdw blurRad="38100" dist="38100" dir="2700000" algn="tl">
+                    <a:srgbClr val="000000">
+                      <a:alpha val="43137"/>
+                    </a:srgbClr>
+                  </a:outerShdw>
+                </a:effectLst>
+                <a:latin typeface="Corbel"/>
+              </a:rPr>
+              <a:t>Blog: </a:t>
+            </a:r>
+            <a:r>
+              <a:rPr lang="en-US" sz="3000" b="1" noProof="1" smtClean="0">
+                <a:solidFill>
+                  <a:srgbClr val="CCFF66">
+                    <a:lumMod val="40000"/>
+                    <a:lumOff val="60000"/>
+                  </a:srgbClr>
+                </a:solidFill>
+                <a:effectLst>
+                  <a:outerShdw blurRad="38100" dist="38100" dir="2700000" algn="tl">
+                    <a:srgbClr val="000000">
+                      <a:alpha val="43137"/>
+                    </a:srgbClr>
+                  </a:outerShdw>
+                </a:effectLst>
+                <a:latin typeface="Corbel"/>
+                <a:hlinkClick r:id="rId3"/>
+              </a:rPr>
+              <a:t>http</a:t>
+            </a:r>
+            <a:r>
+              <a:rPr lang="en-US" sz="3000" b="1" noProof="1" smtClean="0">
+                <a:solidFill>
+                  <a:srgbClr val="CCFF66">
+                    <a:lumMod val="40000"/>
+                    <a:lumOff val="60000"/>
+                  </a:srgbClr>
+                </a:solidFill>
+                <a:effectLst>
+                  <a:outerShdw blurRad="38100" dist="38100" dir="2700000" algn="tl">
+                    <a:srgbClr val="000000">
+                      <a:alpha val="43137"/>
+                    </a:srgbClr>
+                  </a:outerShdw>
+                </a:effectLst>
+                <a:latin typeface="Corbel"/>
+                <a:hlinkClick r:id="rId3"/>
+              </a:rPr>
+              <a:t>://</a:t>
+            </a:r>
+            <a:r>
+              <a:rPr lang="en-US" sz="3000" b="1" noProof="1" smtClean="0">
+                <a:solidFill>
+                  <a:srgbClr val="CCFF66">
+                    <a:lumMod val="40000"/>
+                    <a:lumOff val="60000"/>
+                  </a:srgbClr>
+                </a:solidFill>
+                <a:effectLst>
+                  <a:outerShdw blurRad="38100" dist="38100" dir="2700000" algn="tl">
+                    <a:srgbClr val="000000">
+                      <a:alpha val="43137"/>
+                    </a:srgbClr>
+                  </a:outerShdw>
+                </a:effectLst>
+                <a:latin typeface="Corbel"/>
+                <a:hlinkClick r:id="rId3"/>
+              </a:rPr>
+              <a:t>abadjimarinov.net</a:t>
+            </a:r>
+            <a:endParaRPr lang="en-US" sz="3000" b="1" dirty="0">
+              <a:solidFill>
+                <a:srgbClr val="CCFF66">
+                  <a:lumMod val="40000"/>
+                  <a:lumOff val="60000"/>
+                </a:srgbClr>
+              </a:solidFill>
+              <a:effectLst>
+                <a:outerShdw blurRad="38100" dist="38100" dir="2700000" algn="tl">
+                  <a:srgbClr val="000000">
+                    <a:alpha val="43137"/>
+                  </a:srgbClr>
+                </a:outerShdw>
+              </a:effectLst>
+              <a:latin typeface="Corbel"/>
+            </a:endParaRPr>
+          </a:p>
+        </p:txBody>
+      </p:sp>
+      <p:pic>
+        <p:nvPicPr>
+          <p:cNvPr id="16385" name="Picture 1"/>
+          <p:cNvPicPr>
+            <a:picLocks noChangeAspect="1" noChangeArrowheads="1"/>
+          </p:cNvPicPr>
+          <p:nvPr/>
+        </p:nvPicPr>
+        <p:blipFill>
+          <a:blip r:embed="rId4" cstate="print">
+            <a:lum/>
+          </a:blip>
+          <a:srcRect/>
+          <a:stretch>
+            <a:fillRect/>
+          </a:stretch>
+        </p:blipFill>
+        <p:spPr bwMode="auto">
+          <a:xfrm>
+            <a:off x="6818041" y="1219200"/>
+            <a:ext cx="1597292" cy="1966913"/>
+          </a:xfrm>
+          <a:prstGeom prst="rect">
+            <a:avLst/>
+          </a:prstGeom>
+          <a:noFill/>
+          <a:ln w="3175">
+            <a:solidFill>
+              <a:schemeClr val="accent5">
+                <a:lumMod val="75000"/>
+              </a:schemeClr>
+            </a:solidFill>
+            <a:miter lim="800000"/>
+            <a:headEnd/>
+            <a:tailEnd/>
+          </a:ln>
+        </p:spPr>
+      </p:pic>
+      <p:sp>
+        <p:nvSpPr>
+          <p:cNvPr id="9" name="Slide Number Placeholder 3"/>
+          <p:cNvSpPr>
+            <a:spLocks noGrp="1"/>
+          </p:cNvSpPr>
+          <p:nvPr>
+            <p:ph type="sldNum" sz="quarter" idx="10"/>
+          </p:nvPr>
+        </p:nvSpPr>
+        <p:spPr>
+          <a:xfrm>
+            <a:off x="8610600" y="6553200"/>
+            <a:ext cx="457200" cy="228600"/>
+          </a:xfrm>
+        </p:spPr>
+        <p:txBody>
+          <a:bodyPr/>
+          <a:lstStyle/>
+          <a:p>
+            <a:pPr>
+              <a:defRPr/>
+            </a:pPr>
+            <a:fld id="{58452FF4-89E3-4D1B-9927-2DBDC00E58D7}" type="slidenum">
+              <a:rPr lang="en-US" smtClean="0"/>
+              <a:pPr>
+                <a:defRPr/>
+              </a:pPr>
+              <a:t>13</a:t>
+            </a:fld>
+            <a:endParaRPr lang="en-US" dirty="0"/>
+          </a:p>
+        </p:txBody>
+      </p:sp>
+    </p:spTree>
+  </p:cSld>
+  <p:clrMapOvr>
+    <a:masterClrMapping/>
+  </p:clrMapOvr>
+  <p:timing>
+    <p:tnLst>
+      <p:par>
+        <p:cTn id="1" dur="indefinite" restart="never" nodeType="tmRoot"/>
+      </p:par>
+    </p:tnLst>
+  </p:timing>
+</p:sld>
+</file>
+
+<file path=ppt/slides/slide14.xml><?xml version="1.0" encoding="utf-8"?>
+<p:sld xmlns:a="http://schemas.openxmlformats.org/drawingml/2006/main" xmlns:r="http://schemas.openxmlformats.org/officeDocument/2006/relationships" xmlns:p="http://schemas.openxmlformats.org/presentationml/2006/main">
+  <p:cSld>
+    <p:spTree>
+      <p:nvGrpSpPr>
+        <p:cNvPr id="1" name=""/>
+        <p:cNvGrpSpPr/>
+        <p:nvPr/>
+      </p:nvGrpSpPr>
+      <p:grpSpPr>
+        <a:xfrm>
+          <a:off x="0" y="0"/>
+          <a:ext cx="0" cy="0"/>
+          <a:chOff x="0" y="0"/>
+          <a:chExt cx="0" cy="0"/>
+        </a:xfrm>
+      </p:grpSpPr>
+      <p:sp>
+        <p:nvSpPr>
+          <p:cNvPr id="4" name="Title 3"/>
+          <p:cNvSpPr>
+            <a:spLocks noGrp="1"/>
+          </p:cNvSpPr>
+          <p:nvPr>
+            <p:ph type="title"/>
+          </p:nvPr>
+        </p:nvSpPr>
+        <p:spPr/>
+        <p:txBody>
+          <a:bodyPr/>
+          <a:lstStyle/>
+          <a:p>
+            <a:r>
+              <a:rPr lang="en-US" dirty="0" smtClean="0"/>
+              <a:t>Trainers Team (4)</a:t>
+            </a:r>
+            <a:endParaRPr lang="en-US" dirty="0"/>
+          </a:p>
+        </p:txBody>
+      </p:sp>
+      <p:sp>
+        <p:nvSpPr>
+          <p:cNvPr id="5" name="Content Placeholder 4"/>
+          <p:cNvSpPr>
+            <a:spLocks noGrp="1"/>
+          </p:cNvSpPr>
+          <p:nvPr>
+            <p:ph idx="1"/>
+          </p:nvPr>
+        </p:nvSpPr>
+        <p:spPr>
+          <a:xfrm>
+            <a:off x="228600" y="1066800"/>
+            <a:ext cx="6477000" cy="2438400"/>
+          </a:xfrm>
+        </p:spPr>
+        <p:txBody>
+          <a:bodyPr/>
+          <a:lstStyle/>
+          <a:p>
+            <a:pPr>
+              <a:lnSpc>
+                <a:spcPts val="4000"/>
+              </a:lnSpc>
+            </a:pPr>
+            <a:r>
+              <a:rPr lang="en-US" dirty="0" smtClean="0"/>
+              <a:t>Ventsislav Popov</a:t>
+            </a:r>
+            <a:endParaRPr lang="en-US" dirty="0" smtClean="0"/>
+          </a:p>
+          <a:p>
+            <a:pPr lvl="1">
+              <a:lnSpc>
+                <a:spcPts val="4000"/>
+              </a:lnSpc>
+            </a:pPr>
+            <a:r>
+              <a:rPr lang="en-US" dirty="0" smtClean="0"/>
+              <a:t>Developer,		 </a:t>
+            </a:r>
+            <a:r>
+              <a:rPr lang="en-US" dirty="0" smtClean="0"/>
+              <a:t>	         </a:t>
+            </a:r>
+            <a:r>
+              <a:rPr lang="en-US" dirty="0" smtClean="0"/>
+              <a:t>Crossroad,		 </a:t>
+            </a:r>
+            <a:r>
+              <a:rPr lang="en-US" dirty="0" smtClean="0">
+                <a:hlinkClick r:id="rId2"/>
+              </a:rPr>
+              <a:t>www.crossroad.bg</a:t>
+            </a:r>
+            <a:endParaRPr lang="en-US" dirty="0" smtClean="0"/>
+          </a:p>
+        </p:txBody>
+      </p:sp>
+      <p:sp>
+        <p:nvSpPr>
+          <p:cNvPr id="8" name="Rectangle 7"/>
+          <p:cNvSpPr/>
+          <p:nvPr/>
+        </p:nvSpPr>
+        <p:spPr>
+          <a:xfrm>
+            <a:off x="228600" y="3429000"/>
+            <a:ext cx="8610600" cy="578620"/>
+          </a:xfrm>
+          <a:prstGeom prst="rect">
+            <a:avLst/>
+          </a:prstGeom>
+        </p:spPr>
+        <p:txBody>
+          <a:bodyPr wrap="square">
+            <a:spAutoFit/>
+          </a:bodyPr>
+          <a:lstStyle/>
+          <a:p>
+            <a:pPr marL="630238" lvl="1" indent="-273050">
+              <a:lnSpc>
+                <a:spcPts val="4000"/>
+              </a:lnSpc>
+              <a:spcBef>
+                <a:spcPts val="600"/>
+              </a:spcBef>
+              <a:spcAft>
+                <a:spcPts val="600"/>
+              </a:spcAft>
+              <a:buClr>
+                <a:srgbClr val="8FD600"/>
+              </a:buClr>
+              <a:buFont typeface="Wingdings 2" pitchFamily="18" charset="2"/>
+              <a:buChar char=""/>
+            </a:pPr>
+            <a:r>
+              <a:rPr lang="en-US" sz="3000" b="1" dirty="0" smtClean="0">
+                <a:solidFill>
+                  <a:srgbClr val="CCFF66">
+                    <a:lumMod val="40000"/>
+                    <a:lumOff val="60000"/>
+                  </a:srgbClr>
+                </a:solidFill>
+                <a:effectLst>
+                  <a:outerShdw blurRad="38100" dist="38100" dir="2700000" algn="tl">
+                    <a:srgbClr val="000000">
+                      <a:alpha val="43137"/>
+                    </a:srgbClr>
+                  </a:outerShdw>
+                </a:effectLst>
+                <a:latin typeface="Corbel"/>
+              </a:rPr>
+              <a:t>E-mail: </a:t>
+            </a:r>
+            <a:r>
+              <a:rPr lang="en-US" sz="3000" b="1" noProof="1" smtClean="0">
+                <a:solidFill>
+                  <a:srgbClr val="CCFF66">
+                    <a:lumMod val="40000"/>
+                    <a:lumOff val="60000"/>
+                  </a:srgbClr>
+                </a:solidFill>
+                <a:effectLst>
+                  <a:outerShdw blurRad="38100" dist="38100" dir="2700000" algn="tl">
+                    <a:srgbClr val="000000">
+                      <a:alpha val="43137"/>
+                    </a:srgbClr>
+                  </a:outerShdw>
+                </a:effectLst>
+                <a:latin typeface="Corbel"/>
+              </a:rPr>
+              <a:t>ventsy.popov </a:t>
+            </a:r>
+            <a:r>
+              <a:rPr lang="en-US" sz="3000" b="1" dirty="0" smtClean="0">
+                <a:solidFill>
+                  <a:srgbClr val="CCFF66">
+                    <a:lumMod val="40000"/>
+                    <a:lumOff val="60000"/>
+                  </a:srgbClr>
+                </a:solidFill>
+                <a:effectLst>
+                  <a:outerShdw blurRad="38100" dist="38100" dir="2700000" algn="tl">
+                    <a:srgbClr val="000000">
+                      <a:alpha val="43137"/>
+                    </a:srgbClr>
+                  </a:outerShdw>
+                </a:effectLst>
+                <a:latin typeface="Corbel"/>
+              </a:rPr>
+              <a:t>[at] </a:t>
+            </a:r>
+            <a:r>
+              <a:rPr lang="en-US" sz="3000" b="1" dirty="0" smtClean="0">
+                <a:solidFill>
+                  <a:srgbClr val="CCFF66">
+                    <a:lumMod val="40000"/>
+                    <a:lumOff val="60000"/>
+                  </a:srgbClr>
+                </a:solidFill>
+                <a:effectLst>
+                  <a:outerShdw blurRad="38100" dist="38100" dir="2700000" algn="tl">
+                    <a:srgbClr val="000000">
+                      <a:alpha val="43137"/>
+                    </a:srgbClr>
+                  </a:outerShdw>
+                </a:effectLst>
+                <a:latin typeface="Corbel"/>
+              </a:rPr>
+              <a:t>gmail.com</a:t>
+            </a:r>
+            <a:endParaRPr lang="en-US" sz="3000" b="1" dirty="0" smtClean="0">
+              <a:solidFill>
+                <a:srgbClr val="CCFF66">
+                  <a:lumMod val="40000"/>
+                  <a:lumOff val="60000"/>
+                </a:srgbClr>
+              </a:solidFill>
+              <a:effectLst>
+                <a:outerShdw blurRad="38100" dist="38100" dir="2700000" algn="tl">
+                  <a:srgbClr val="000000">
+                    <a:alpha val="43137"/>
+                  </a:srgbClr>
+                </a:outerShdw>
+              </a:effectLst>
+              <a:latin typeface="Corbel"/>
+            </a:endParaRPr>
+          </a:p>
+        </p:txBody>
+      </p:sp>
+      <p:pic>
+        <p:nvPicPr>
+          <p:cNvPr id="6" name="Picture 5" descr="C:\Users\9680\Desktop\VentsislavPopov.jpg"/>
+          <p:cNvPicPr>
+            <a:picLocks noChangeAspect="1" noChangeArrowheads="1"/>
+          </p:cNvPicPr>
+          <p:nvPr/>
+        </p:nvPicPr>
+        <p:blipFill>
+          <a:blip r:embed="rId3" cstate="print">
+            <a:lum/>
+          </a:blip>
+          <a:srcRect l="10588" t="1272" r="14643" b="17346"/>
+          <a:stretch>
+            <a:fillRect/>
+          </a:stretch>
+        </p:blipFill>
+        <p:spPr bwMode="auto">
+          <a:xfrm>
+            <a:off x="6827520" y="1219200"/>
+            <a:ext cx="1554480" cy="1950720"/>
+          </a:xfrm>
+          <a:prstGeom prst="rect">
+            <a:avLst/>
+          </a:prstGeom>
+          <a:noFill/>
+          <a:ln w="3175">
+            <a:solidFill>
+              <a:schemeClr val="accent5">
+                <a:lumMod val="75000"/>
+              </a:schemeClr>
+            </a:solidFill>
+            <a:miter lim="800000"/>
+            <a:headEnd/>
+            <a:tailEnd/>
+          </a:ln>
+        </p:spPr>
+      </p:pic>
+      <p:sp>
+        <p:nvSpPr>
+          <p:cNvPr id="7" name="Slide Number Placeholder 3"/>
+          <p:cNvSpPr>
+            <a:spLocks noGrp="1"/>
+          </p:cNvSpPr>
+          <p:nvPr>
+            <p:ph type="sldNum" sz="quarter" idx="10"/>
+          </p:nvPr>
+        </p:nvSpPr>
+        <p:spPr>
+          <a:xfrm>
+            <a:off x="8610600" y="6553200"/>
+            <a:ext cx="457200" cy="228600"/>
+          </a:xfrm>
+        </p:spPr>
+        <p:txBody>
+          <a:bodyPr/>
+          <a:lstStyle/>
+          <a:p>
+            <a:pPr>
+              <a:defRPr/>
+            </a:pPr>
+            <a:fld id="{58452FF4-89E3-4D1B-9927-2DBDC00E58D7}" type="slidenum">
+              <a:rPr lang="en-US" smtClean="0"/>
+              <a:pPr>
+                <a:defRPr/>
+              </a:pPr>
+              <a:t>14</a:t>
+            </a:fld>
+            <a:endParaRPr lang="en-US" dirty="0"/>
+          </a:p>
+        </p:txBody>
+      </p:sp>
+    </p:spTree>
+  </p:cSld>
+  <p:clrMapOvr>
+    <a:masterClrMapping/>
+  </p:clrMapOvr>
+  <p:timing>
+    <p:tnLst>
+      <p:par>
+        <p:cTn id="1" dur="indefinite" restart="never" nodeType="tmRoot"/>
+      </p:par>
+    </p:tnLst>
+  </p:timing>
+</p:sld>
+</file>
+
+<file path=ppt/slides/slide15.xml><?xml version="1.0" encoding="utf-8"?>
+<p:sld xmlns:a="http://schemas.openxmlformats.org/drawingml/2006/main" xmlns:r="http://schemas.openxmlformats.org/officeDocument/2006/relationships" xmlns:p="http://schemas.openxmlformats.org/presentationml/2006/main">
+  <p:cSld>
+    <p:spTree>
+      <p:nvGrpSpPr>
+        <p:cNvPr id="1" name=""/>
+        <p:cNvGrpSpPr/>
+        <p:nvPr/>
+      </p:nvGrpSpPr>
+      <p:grpSpPr>
+        <a:xfrm>
+          <a:off x="0" y="0"/>
+          <a:ext cx="0" cy="0"/>
+          <a:chOff x="0" y="0"/>
+          <a:chExt cx="0" cy="0"/>
+        </a:xfrm>
+      </p:grpSpPr>
+      <p:sp>
+        <p:nvSpPr>
+          <p:cNvPr id="4" name="Title 3"/>
+          <p:cNvSpPr>
+            <a:spLocks noGrp="1"/>
+          </p:cNvSpPr>
+          <p:nvPr>
+            <p:ph type="title"/>
+          </p:nvPr>
+        </p:nvSpPr>
+        <p:spPr/>
+        <p:txBody>
+          <a:bodyPr/>
+          <a:lstStyle/>
+          <a:p>
+            <a:r>
+              <a:rPr lang="en-US" dirty="0" smtClean="0"/>
+              <a:t>Trainers Team (5)</a:t>
+            </a:r>
+            <a:endParaRPr lang="en-US" dirty="0"/>
+          </a:p>
+        </p:txBody>
+      </p:sp>
+      <p:sp>
+        <p:nvSpPr>
+          <p:cNvPr id="5" name="Content Placeholder 4"/>
+          <p:cNvSpPr>
+            <a:spLocks noGrp="1"/>
+          </p:cNvSpPr>
+          <p:nvPr>
+            <p:ph idx="1"/>
+          </p:nvPr>
+        </p:nvSpPr>
+        <p:spPr>
+          <a:xfrm>
+            <a:off x="228600" y="1066800"/>
+            <a:ext cx="6477000" cy="2438400"/>
+          </a:xfrm>
+        </p:spPr>
+        <p:txBody>
+          <a:bodyPr/>
+          <a:lstStyle/>
+          <a:p>
+            <a:pPr>
+              <a:lnSpc>
+                <a:spcPts val="4000"/>
+              </a:lnSpc>
+            </a:pPr>
+            <a:r>
+              <a:rPr lang="en-US" dirty="0" smtClean="0"/>
+              <a:t>Ivaylo Bratoev</a:t>
+            </a:r>
+          </a:p>
+          <a:p>
+            <a:pPr lvl="1">
+              <a:lnSpc>
+                <a:spcPts val="4000"/>
+              </a:lnSpc>
+            </a:pPr>
+            <a:r>
+              <a:rPr lang="en-US" dirty="0" smtClean="0"/>
+              <a:t>Software engineer, 	         Telerik Corporation, </a:t>
+            </a:r>
+            <a:r>
+              <a:rPr lang="en-US" dirty="0" smtClean="0">
+                <a:hlinkClick r:id="rId2"/>
+              </a:rPr>
+              <a:t>www.telerik.com</a:t>
+            </a:r>
+            <a:endParaRPr lang="en-US" dirty="0" smtClean="0"/>
+          </a:p>
+        </p:txBody>
+      </p:sp>
+      <p:sp>
+        <p:nvSpPr>
+          <p:cNvPr id="8" name="Rectangle 7"/>
+          <p:cNvSpPr/>
+          <p:nvPr/>
+        </p:nvSpPr>
+        <p:spPr>
+          <a:xfrm>
+            <a:off x="228600" y="3429000"/>
+            <a:ext cx="8610600" cy="1272143"/>
+          </a:xfrm>
+          <a:prstGeom prst="rect">
+            <a:avLst/>
+          </a:prstGeom>
+        </p:spPr>
+        <p:txBody>
+          <a:bodyPr wrap="square">
+            <a:spAutoFit/>
+          </a:bodyPr>
+          <a:lstStyle/>
+          <a:p>
+            <a:pPr marL="630238" lvl="1" indent="-273050">
+              <a:lnSpc>
+                <a:spcPts val="4000"/>
+              </a:lnSpc>
+              <a:spcBef>
+                <a:spcPts val="600"/>
+              </a:spcBef>
+              <a:spcAft>
+                <a:spcPts val="600"/>
+              </a:spcAft>
+              <a:buClr>
+                <a:srgbClr val="8FD600"/>
+              </a:buClr>
+              <a:buFont typeface="Wingdings 2" pitchFamily="18" charset="2"/>
+              <a:buChar char=""/>
+            </a:pPr>
+            <a:r>
+              <a:rPr lang="en-US" sz="3000" b="1" dirty="0" smtClean="0">
+                <a:solidFill>
+                  <a:srgbClr val="CCFF66">
+                    <a:lumMod val="40000"/>
+                    <a:lumOff val="60000"/>
+                  </a:srgbClr>
+                </a:solidFill>
+                <a:effectLst>
+                  <a:outerShdw blurRad="38100" dist="38100" dir="2700000" algn="tl">
+                    <a:srgbClr val="000000">
+                      <a:alpha val="43137"/>
+                    </a:srgbClr>
+                  </a:outerShdw>
+                </a:effectLst>
+                <a:latin typeface="Corbel"/>
+              </a:rPr>
+              <a:t>E-mail: </a:t>
+            </a:r>
+            <a:r>
+              <a:rPr lang="en-US" sz="3000" b="1" noProof="1" smtClean="0">
+                <a:solidFill>
+                  <a:srgbClr val="CCFF66">
+                    <a:lumMod val="40000"/>
+                    <a:lumOff val="60000"/>
+                  </a:srgbClr>
+                </a:solidFill>
+                <a:effectLst>
+                  <a:outerShdw blurRad="38100" dist="38100" dir="2700000" algn="tl">
+                    <a:srgbClr val="000000">
+                      <a:alpha val="43137"/>
+                    </a:srgbClr>
+                  </a:outerShdw>
+                </a:effectLst>
+                <a:latin typeface="Corbel"/>
+              </a:rPr>
+              <a:t>ivaylo.bratoev </a:t>
+            </a:r>
+            <a:r>
+              <a:rPr lang="en-US" sz="3000" b="1" dirty="0" smtClean="0">
+                <a:solidFill>
+                  <a:srgbClr val="CCFF66">
+                    <a:lumMod val="40000"/>
+                    <a:lumOff val="60000"/>
+                  </a:srgbClr>
+                </a:solidFill>
+                <a:effectLst>
+                  <a:outerShdw blurRad="38100" dist="38100" dir="2700000" algn="tl">
+                    <a:srgbClr val="000000">
+                      <a:alpha val="43137"/>
+                    </a:srgbClr>
+                  </a:outerShdw>
+                </a:effectLst>
+                <a:latin typeface="Corbel"/>
+              </a:rPr>
+              <a:t>[at] telerik.com</a:t>
+            </a:r>
+          </a:p>
+          <a:p>
+            <a:pPr marL="630238" lvl="1" indent="-273050">
+              <a:lnSpc>
+                <a:spcPts val="4000"/>
+              </a:lnSpc>
+              <a:spcBef>
+                <a:spcPts val="600"/>
+              </a:spcBef>
+              <a:spcAft>
+                <a:spcPts val="600"/>
+              </a:spcAft>
+              <a:buClr>
+                <a:srgbClr val="8FD600"/>
+              </a:buClr>
+              <a:buFont typeface="Wingdings 2" pitchFamily="18" charset="2"/>
+              <a:buChar char=""/>
+            </a:pPr>
+            <a:r>
+              <a:rPr lang="en-US" sz="3000" b="1" noProof="1" smtClean="0">
+                <a:solidFill>
+                  <a:srgbClr val="CCFF66">
+                    <a:lumMod val="40000"/>
+                    <a:lumOff val="60000"/>
+                  </a:srgbClr>
+                </a:solidFill>
+                <a:effectLst>
+                  <a:outerShdw blurRad="38100" dist="38100" dir="2700000" algn="tl">
+                    <a:srgbClr val="000000">
+                      <a:alpha val="43137"/>
+                    </a:srgbClr>
+                  </a:outerShdw>
+                </a:effectLst>
+                <a:latin typeface="Corbel"/>
+              </a:rPr>
+              <a:t>Blog: </a:t>
+            </a:r>
+            <a:r>
+              <a:rPr lang="en-US" sz="3000" b="1" noProof="1" smtClean="0">
+                <a:solidFill>
+                  <a:srgbClr val="CCFF66">
+                    <a:lumMod val="40000"/>
+                    <a:lumOff val="60000"/>
+                  </a:srgbClr>
+                </a:solidFill>
+                <a:effectLst>
+                  <a:outerShdw blurRad="38100" dist="38100" dir="2700000" algn="tl">
+                    <a:srgbClr val="000000">
+                      <a:alpha val="43137"/>
+                    </a:srgbClr>
+                  </a:outerShdw>
+                </a:effectLst>
+                <a:latin typeface="Corbel"/>
+                <a:hlinkClick r:id="rId3"/>
+              </a:rPr>
+              <a:t>http://blogs.telerik.com/ivaylobratoev/</a:t>
+            </a:r>
+            <a:r>
+              <a:rPr lang="en-US" sz="3000" b="1" noProof="1" smtClean="0">
+                <a:solidFill>
+                  <a:srgbClr val="CCFF66">
+                    <a:lumMod val="40000"/>
+                    <a:lumOff val="60000"/>
+                  </a:srgbClr>
+                </a:solidFill>
+                <a:effectLst>
+                  <a:outerShdw blurRad="38100" dist="38100" dir="2700000" algn="tl">
+                    <a:srgbClr val="000000">
+                      <a:alpha val="43137"/>
+                    </a:srgbClr>
+                  </a:outerShdw>
+                </a:effectLst>
+                <a:latin typeface="Corbel"/>
+              </a:rPr>
+              <a:t> </a:t>
+            </a:r>
+            <a:endParaRPr lang="en-US" sz="3000" b="1" dirty="0">
+              <a:solidFill>
+                <a:srgbClr val="CCFF66">
+                  <a:lumMod val="40000"/>
+                  <a:lumOff val="60000"/>
+                </a:srgbClr>
+              </a:solidFill>
+              <a:effectLst>
+                <a:outerShdw blurRad="38100" dist="38100" dir="2700000" algn="tl">
+                  <a:srgbClr val="000000">
+                    <a:alpha val="43137"/>
+                  </a:srgbClr>
+                </a:outerShdw>
+              </a:effectLst>
+              <a:latin typeface="Corbel"/>
+            </a:endParaRPr>
+          </a:p>
+        </p:txBody>
+      </p:sp>
+      <p:pic>
+        <p:nvPicPr>
+          <p:cNvPr id="26626" name="Picture 2" descr="http://corporate.telerik.com/Images/CorporateDirectory/Ivaylo%20Bratoev.JPG"/>
+          <p:cNvPicPr>
+            <a:picLocks noChangeAspect="1" noChangeArrowheads="1"/>
+          </p:cNvPicPr>
+          <p:nvPr/>
+        </p:nvPicPr>
+        <p:blipFill>
+          <a:blip r:embed="rId4" cstate="print">
+            <a:lum contrast="10000"/>
+          </a:blip>
+          <a:srcRect r="1923" b="962"/>
+          <a:stretch>
+            <a:fillRect/>
+          </a:stretch>
+        </p:blipFill>
+        <p:spPr bwMode="auto">
+          <a:xfrm>
+            <a:off x="6819900" y="1219200"/>
+            <a:ext cx="1485900" cy="2000624"/>
+          </a:xfrm>
+          <a:prstGeom prst="rect">
+            <a:avLst/>
+          </a:prstGeom>
+          <a:noFill/>
+          <a:ln w="3175">
+            <a:solidFill>
+              <a:schemeClr val="accent5">
+                <a:lumMod val="75000"/>
+              </a:schemeClr>
+            </a:solidFill>
+            <a:miter lim="800000"/>
+            <a:headEnd/>
+            <a:tailEnd/>
+          </a:ln>
+        </p:spPr>
+      </p:pic>
+      <p:sp>
+        <p:nvSpPr>
+          <p:cNvPr id="6" name="Slide Number Placeholder 3"/>
+          <p:cNvSpPr>
+            <a:spLocks noGrp="1"/>
+          </p:cNvSpPr>
+          <p:nvPr>
+            <p:ph type="sldNum" sz="quarter" idx="10"/>
+          </p:nvPr>
+        </p:nvSpPr>
+        <p:spPr>
+          <a:xfrm>
+            <a:off x="8610600" y="6553200"/>
+            <a:ext cx="457200" cy="228600"/>
+          </a:xfrm>
+        </p:spPr>
+        <p:txBody>
+          <a:bodyPr/>
+          <a:lstStyle/>
+          <a:p>
+            <a:pPr>
+              <a:defRPr/>
+            </a:pPr>
+            <a:fld id="{58452FF4-89E3-4D1B-9927-2DBDC00E58D7}" type="slidenum">
+              <a:rPr lang="en-US" smtClean="0"/>
+              <a:pPr>
+                <a:defRPr/>
+              </a:pPr>
+              <a:t>15</a:t>
+            </a:fld>
+            <a:endParaRPr lang="en-US" dirty="0"/>
+          </a:p>
+        </p:txBody>
+      </p:sp>
+    </p:spTree>
+  </p:cSld>
+  <p:clrMapOvr>
+    <a:masterClrMapping/>
+  </p:clrMapOvr>
+  <p:timing>
+    <p:tnLst>
+      <p:par>
+        <p:cTn id="1" dur="indefinite" restart="never" nodeType="tmRoot"/>
+      </p:par>
+    </p:tnLst>
+  </p:timing>
+</p:sld>
+</file>
+
+<file path=ppt/slides/slide16.xml><?xml version="1.0" encoding="utf-8"?>
+<p:sld xmlns:a="http://schemas.openxmlformats.org/drawingml/2006/main" xmlns:r="http://schemas.openxmlformats.org/officeDocument/2006/relationships" xmlns:p="http://schemas.openxmlformats.org/presentationml/2006/main">
+  <p:cSld>
+    <p:spTree>
+      <p:nvGrpSpPr>
+        <p:cNvPr id="1" name=""/>
+        <p:cNvGrpSpPr/>
+        <p:nvPr/>
+      </p:nvGrpSpPr>
+      <p:grpSpPr>
+        <a:xfrm>
+          <a:off x="0" y="0"/>
+          <a:ext cx="0" cy="0"/>
+          <a:chOff x="0" y="0"/>
+          <a:chExt cx="0" cy="0"/>
+        </a:xfrm>
+      </p:grpSpPr>
+      <p:sp>
+        <p:nvSpPr>
+          <p:cNvPr id="4" name="Title 3"/>
+          <p:cNvSpPr>
+            <a:spLocks noGrp="1"/>
+          </p:cNvSpPr>
+          <p:nvPr>
+            <p:ph type="title"/>
+          </p:nvPr>
+        </p:nvSpPr>
+        <p:spPr/>
+        <p:txBody>
+          <a:bodyPr/>
+          <a:lstStyle/>
+          <a:p>
+            <a:r>
+              <a:rPr lang="en-US" dirty="0" smtClean="0"/>
+              <a:t>Trainers Team (6)</a:t>
+            </a:r>
+            <a:endParaRPr lang="en-US" dirty="0"/>
+          </a:p>
+        </p:txBody>
+      </p:sp>
+      <p:sp>
+        <p:nvSpPr>
+          <p:cNvPr id="5" name="Content Placeholder 4"/>
+          <p:cNvSpPr>
+            <a:spLocks noGrp="1"/>
+          </p:cNvSpPr>
+          <p:nvPr>
+            <p:ph idx="1"/>
+          </p:nvPr>
+        </p:nvSpPr>
+        <p:spPr>
+          <a:xfrm>
+            <a:off x="228600" y="1066800"/>
+            <a:ext cx="6477000" cy="2438400"/>
+          </a:xfrm>
+        </p:spPr>
+        <p:txBody>
+          <a:bodyPr/>
+          <a:lstStyle/>
+          <a:p>
+            <a:pPr>
+              <a:lnSpc>
+                <a:spcPts val="4000"/>
+              </a:lnSpc>
+            </a:pPr>
+            <a:r>
+              <a:rPr lang="en-US" dirty="0" smtClean="0"/>
+              <a:t>Svetlin Ralchev</a:t>
+            </a:r>
+            <a:endParaRPr lang="en-US" dirty="0" smtClean="0"/>
+          </a:p>
+          <a:p>
+            <a:pPr lvl="1">
+              <a:lnSpc>
+                <a:spcPts val="4000"/>
+              </a:lnSpc>
+            </a:pPr>
+            <a:r>
+              <a:rPr lang="en-US" dirty="0" smtClean="0"/>
+              <a:t>Software engineer, 	         Telerik Corporation, </a:t>
+            </a:r>
+            <a:r>
+              <a:rPr lang="en-US" dirty="0" smtClean="0">
+                <a:hlinkClick r:id="rId2"/>
+              </a:rPr>
+              <a:t>www.telerik.com</a:t>
+            </a:r>
+            <a:endParaRPr lang="en-US" dirty="0" smtClean="0"/>
+          </a:p>
+        </p:txBody>
+      </p:sp>
+      <p:sp>
+        <p:nvSpPr>
+          <p:cNvPr id="8" name="Rectangle 7"/>
+          <p:cNvSpPr/>
+          <p:nvPr/>
+        </p:nvSpPr>
+        <p:spPr>
+          <a:xfrm>
+            <a:off x="228600" y="3429000"/>
+            <a:ext cx="8610600" cy="1272143"/>
+          </a:xfrm>
+          <a:prstGeom prst="rect">
+            <a:avLst/>
+          </a:prstGeom>
+        </p:spPr>
+        <p:txBody>
+          <a:bodyPr wrap="square">
+            <a:spAutoFit/>
+          </a:bodyPr>
+          <a:lstStyle/>
+          <a:p>
+            <a:pPr marL="630238" lvl="1" indent="-273050">
+              <a:lnSpc>
+                <a:spcPts val="4000"/>
+              </a:lnSpc>
+              <a:spcBef>
+                <a:spcPts val="600"/>
+              </a:spcBef>
+              <a:spcAft>
+                <a:spcPts val="600"/>
+              </a:spcAft>
+              <a:buClr>
+                <a:srgbClr val="8FD600"/>
+              </a:buClr>
+              <a:buFont typeface="Wingdings 2" pitchFamily="18" charset="2"/>
+              <a:buChar char=""/>
+            </a:pPr>
+            <a:r>
+              <a:rPr lang="en-US" sz="3000" b="1" dirty="0" smtClean="0">
+                <a:solidFill>
+                  <a:srgbClr val="CCFF66">
+                    <a:lumMod val="40000"/>
+                    <a:lumOff val="60000"/>
+                  </a:srgbClr>
+                </a:solidFill>
+                <a:effectLst>
+                  <a:outerShdw blurRad="38100" dist="38100" dir="2700000" algn="tl">
+                    <a:srgbClr val="000000">
+                      <a:alpha val="43137"/>
+                    </a:srgbClr>
+                  </a:outerShdw>
+                </a:effectLst>
+                <a:latin typeface="Corbel"/>
+              </a:rPr>
+              <a:t>E-mail: </a:t>
+            </a:r>
+            <a:r>
+              <a:rPr lang="en-US" sz="3000" b="1" noProof="1" smtClean="0">
+                <a:solidFill>
+                  <a:srgbClr val="CCFF66">
+                    <a:lumMod val="40000"/>
+                    <a:lumOff val="60000"/>
+                  </a:srgbClr>
+                </a:solidFill>
+                <a:effectLst>
+                  <a:outerShdw blurRad="38100" dist="38100" dir="2700000" algn="tl">
+                    <a:srgbClr val="000000">
+                      <a:alpha val="43137"/>
+                    </a:srgbClr>
+                  </a:outerShdw>
+                </a:effectLst>
+                <a:latin typeface="Corbel"/>
+              </a:rPr>
+              <a:t>svetlin.ralchev </a:t>
+            </a:r>
+            <a:r>
+              <a:rPr lang="en-US" sz="3000" b="1" dirty="0" smtClean="0">
+                <a:solidFill>
+                  <a:srgbClr val="CCFF66">
+                    <a:lumMod val="40000"/>
+                    <a:lumOff val="60000"/>
+                  </a:srgbClr>
+                </a:solidFill>
+                <a:effectLst>
+                  <a:outerShdw blurRad="38100" dist="38100" dir="2700000" algn="tl">
+                    <a:srgbClr val="000000">
+                      <a:alpha val="43137"/>
+                    </a:srgbClr>
+                  </a:outerShdw>
+                </a:effectLst>
+                <a:latin typeface="Corbel"/>
+              </a:rPr>
+              <a:t>[at</a:t>
+            </a:r>
+            <a:r>
+              <a:rPr lang="en-US" sz="3000" b="1" dirty="0" smtClean="0">
+                <a:solidFill>
+                  <a:srgbClr val="CCFF66">
+                    <a:lumMod val="40000"/>
+                    <a:lumOff val="60000"/>
+                  </a:srgbClr>
+                </a:solidFill>
+                <a:effectLst>
+                  <a:outerShdw blurRad="38100" dist="38100" dir="2700000" algn="tl">
+                    <a:srgbClr val="000000">
+                      <a:alpha val="43137"/>
+                    </a:srgbClr>
+                  </a:outerShdw>
+                </a:effectLst>
+                <a:latin typeface="Corbel"/>
+              </a:rPr>
+              <a:t>] telerik.com</a:t>
+            </a:r>
+          </a:p>
+          <a:p>
+            <a:pPr marL="630238" lvl="1" indent="-273050">
+              <a:lnSpc>
+                <a:spcPts val="4000"/>
+              </a:lnSpc>
+              <a:spcBef>
+                <a:spcPts val="600"/>
+              </a:spcBef>
+              <a:spcAft>
+                <a:spcPts val="600"/>
+              </a:spcAft>
+              <a:buClr>
+                <a:srgbClr val="8FD600"/>
+              </a:buClr>
+              <a:buFont typeface="Wingdings 2" pitchFamily="18" charset="2"/>
+              <a:buChar char=""/>
+            </a:pPr>
+            <a:r>
+              <a:rPr lang="en-US" sz="3000" b="1" noProof="1" smtClean="0">
+                <a:solidFill>
+                  <a:srgbClr val="CCFF66">
+                    <a:lumMod val="40000"/>
+                    <a:lumOff val="60000"/>
+                  </a:srgbClr>
+                </a:solidFill>
+                <a:effectLst>
+                  <a:outerShdw blurRad="38100" dist="38100" dir="2700000" algn="tl">
+                    <a:srgbClr val="000000">
+                      <a:alpha val="43137"/>
+                    </a:srgbClr>
+                  </a:outerShdw>
+                </a:effectLst>
+                <a:latin typeface="Corbel"/>
+              </a:rPr>
+              <a:t>Blog</a:t>
+            </a:r>
+            <a:r>
+              <a:rPr lang="en-US" sz="3000" b="1" noProof="1" smtClean="0">
+                <a:solidFill>
+                  <a:srgbClr val="CCFF66">
+                    <a:lumMod val="40000"/>
+                    <a:lumOff val="60000"/>
+                  </a:srgbClr>
+                </a:solidFill>
+                <a:effectLst>
+                  <a:outerShdw blurRad="38100" dist="38100" dir="2700000" algn="tl">
+                    <a:srgbClr val="000000">
+                      <a:alpha val="43137"/>
+                    </a:srgbClr>
+                  </a:outerShdw>
+                </a:effectLst>
+                <a:latin typeface="Corbel"/>
+              </a:rPr>
+              <a:t>: </a:t>
+            </a:r>
+            <a:r>
+              <a:rPr lang="en-US" sz="3000" b="1" noProof="1" smtClean="0">
+                <a:solidFill>
+                  <a:srgbClr val="CCFF66">
+                    <a:lumMod val="40000"/>
+                    <a:lumOff val="60000"/>
+                  </a:srgbClr>
+                </a:solidFill>
+                <a:effectLst>
+                  <a:outerShdw blurRad="38100" dist="38100" dir="2700000" algn="tl">
+                    <a:srgbClr val="000000">
+                      <a:alpha val="43137"/>
+                    </a:srgbClr>
+                  </a:outerShdw>
+                </a:effectLst>
+                <a:latin typeface="Corbel"/>
+                <a:hlinkClick r:id="rId3"/>
+              </a:rPr>
+              <a:t>http</a:t>
+            </a:r>
+            <a:r>
+              <a:rPr lang="en-US" sz="3000" b="1" noProof="1" smtClean="0">
+                <a:solidFill>
+                  <a:srgbClr val="CCFF66">
+                    <a:lumMod val="40000"/>
+                    <a:lumOff val="60000"/>
+                  </a:srgbClr>
+                </a:solidFill>
+                <a:effectLst>
+                  <a:outerShdw blurRad="38100" dist="38100" dir="2700000" algn="tl">
+                    <a:srgbClr val="000000">
+                      <a:alpha val="43137"/>
+                    </a:srgbClr>
+                  </a:outerShdw>
+                </a:effectLst>
+                <a:latin typeface="Corbel"/>
+                <a:hlinkClick r:id="rId3"/>
+              </a:rPr>
+              <a:t>://</a:t>
+            </a:r>
+            <a:r>
+              <a:rPr lang="en-US" sz="3000" b="1" noProof="1" smtClean="0">
+                <a:solidFill>
+                  <a:srgbClr val="CCFF66">
+                    <a:lumMod val="40000"/>
+                    <a:lumOff val="60000"/>
+                  </a:srgbClr>
+                </a:solidFill>
+                <a:effectLst>
+                  <a:outerShdw blurRad="38100" dist="38100" dir="2700000" algn="tl">
+                    <a:srgbClr val="000000">
+                      <a:alpha val="43137"/>
+                    </a:srgbClr>
+                  </a:outerShdw>
+                </a:effectLst>
+                <a:latin typeface="Corbel"/>
+                <a:hlinkClick r:id="rId3"/>
+              </a:rPr>
+              <a:t>blog.ralch.com</a:t>
+            </a:r>
+            <a:endParaRPr lang="en-US" sz="3000" b="1" dirty="0">
+              <a:solidFill>
+                <a:srgbClr val="CCFF66">
+                  <a:lumMod val="40000"/>
+                  <a:lumOff val="60000"/>
+                </a:srgbClr>
+              </a:solidFill>
+              <a:effectLst>
+                <a:outerShdw blurRad="38100" dist="38100" dir="2700000" algn="tl">
+                  <a:srgbClr val="000000">
+                    <a:alpha val="43137"/>
+                  </a:srgbClr>
+                </a:outerShdw>
+              </a:effectLst>
+              <a:latin typeface="Corbel"/>
+            </a:endParaRPr>
+          </a:p>
+        </p:txBody>
+      </p:sp>
+      <p:pic>
+        <p:nvPicPr>
+          <p:cNvPr id="6" name="Picture 4" descr="C:\Users\9680\Desktop\SvetlinRalchev.jpg"/>
+          <p:cNvPicPr>
+            <a:picLocks noChangeAspect="1" noChangeArrowheads="1"/>
+          </p:cNvPicPr>
+          <p:nvPr/>
+        </p:nvPicPr>
+        <p:blipFill>
+          <a:blip r:embed="rId4" cstate="print">
+            <a:lum bright="20000" contrast="30000"/>
+          </a:blip>
+          <a:srcRect/>
+          <a:stretch>
+            <a:fillRect/>
+          </a:stretch>
+        </p:blipFill>
+        <p:spPr bwMode="auto">
+          <a:xfrm>
+            <a:off x="6826100" y="1219199"/>
+            <a:ext cx="1499193" cy="2007073"/>
+          </a:xfrm>
+          <a:prstGeom prst="rect">
+            <a:avLst/>
+          </a:prstGeom>
+          <a:noFill/>
+          <a:ln w="3175">
+            <a:solidFill>
+              <a:schemeClr val="accent5">
+                <a:lumMod val="75000"/>
+              </a:schemeClr>
+            </a:solidFill>
+            <a:miter lim="800000"/>
+            <a:headEnd/>
+            <a:tailEnd/>
+          </a:ln>
+        </p:spPr>
+      </p:pic>
+      <p:sp>
+        <p:nvSpPr>
+          <p:cNvPr id="7" name="Slide Number Placeholder 3"/>
+          <p:cNvSpPr>
+            <a:spLocks noGrp="1"/>
+          </p:cNvSpPr>
+          <p:nvPr>
+            <p:ph type="sldNum" sz="quarter" idx="10"/>
+          </p:nvPr>
+        </p:nvSpPr>
+        <p:spPr>
+          <a:xfrm>
+            <a:off x="8610600" y="6553200"/>
+            <a:ext cx="457200" cy="228600"/>
+          </a:xfrm>
+        </p:spPr>
+        <p:txBody>
+          <a:bodyPr/>
+          <a:lstStyle/>
+          <a:p>
+            <a:pPr>
+              <a:defRPr/>
+            </a:pPr>
+            <a:fld id="{58452FF4-89E3-4D1B-9927-2DBDC00E58D7}" type="slidenum">
+              <a:rPr lang="en-US" smtClean="0"/>
+              <a:pPr>
+                <a:defRPr/>
+              </a:pPr>
+              <a:t>16</a:t>
+            </a:fld>
+            <a:endParaRPr lang="en-US" dirty="0"/>
+          </a:p>
+        </p:txBody>
+      </p:sp>
+    </p:spTree>
+  </p:cSld>
+  <p:clrMapOvr>
+    <a:masterClrMapping/>
+  </p:clrMapOvr>
+  <p:timing>
+    <p:tnLst>
+      <p:par>
+        <p:cTn id="1" dur="indefinite" restart="never" nodeType="tmRoot"/>
+      </p:par>
+    </p:tnLst>
+  </p:timing>
+</p:sld>
+</file>
+
+<file path=ppt/slides/slide17.xml><?xml version="1.0" encoding="utf-8"?>
+<p:sld xmlns:a="http://schemas.openxmlformats.org/drawingml/2006/main" xmlns:r="http://schemas.openxmlformats.org/officeDocument/2006/relationships" xmlns:p="http://schemas.openxmlformats.org/presentationml/2006/main">
+  <p:cSld>
+    <p:spTree>
+      <p:nvGrpSpPr>
+        <p:cNvPr id="1" name=""/>
+        <p:cNvGrpSpPr/>
+        <p:nvPr/>
+      </p:nvGrpSpPr>
+      <p:grpSpPr>
+        <a:xfrm>
+          <a:off x="0" y="0"/>
+          <a:ext cx="0" cy="0"/>
+          <a:chOff x="0" y="0"/>
+          <a:chExt cx="0" cy="0"/>
+        </a:xfrm>
+      </p:grpSpPr>
+      <p:sp>
+        <p:nvSpPr>
+          <p:cNvPr id="4" name="Title 3"/>
+          <p:cNvSpPr>
+            <a:spLocks noGrp="1"/>
+          </p:cNvSpPr>
+          <p:nvPr>
+            <p:ph type="title"/>
+          </p:nvPr>
+        </p:nvSpPr>
+        <p:spPr/>
+        <p:txBody>
+          <a:bodyPr/>
+          <a:lstStyle/>
+          <a:p>
+            <a:r>
+              <a:rPr lang="en-US" dirty="0" smtClean="0"/>
+              <a:t>Trainers Team (7)</a:t>
+            </a:r>
+            <a:endParaRPr lang="en-US" dirty="0"/>
+          </a:p>
+        </p:txBody>
+      </p:sp>
+      <p:sp>
+        <p:nvSpPr>
+          <p:cNvPr id="5" name="Content Placeholder 4"/>
+          <p:cNvSpPr>
+            <a:spLocks noGrp="1"/>
+          </p:cNvSpPr>
+          <p:nvPr>
+            <p:ph idx="1"/>
+          </p:nvPr>
+        </p:nvSpPr>
+        <p:spPr>
+          <a:xfrm>
+            <a:off x="228600" y="1066800"/>
+            <a:ext cx="6477000" cy="2438400"/>
+          </a:xfrm>
+        </p:spPr>
+        <p:txBody>
+          <a:bodyPr/>
+          <a:lstStyle/>
+          <a:p>
+            <a:pPr>
+              <a:lnSpc>
+                <a:spcPts val="4000"/>
+              </a:lnSpc>
+            </a:pPr>
+            <a:r>
+              <a:rPr lang="en-US" dirty="0" smtClean="0"/>
+              <a:t>Ivaylo Hristov</a:t>
+            </a:r>
+            <a:endParaRPr lang="en-US" dirty="0" smtClean="0"/>
+          </a:p>
+          <a:p>
+            <a:pPr lvl="1">
+              <a:lnSpc>
+                <a:spcPts val="4000"/>
+              </a:lnSpc>
+            </a:pPr>
+            <a:r>
+              <a:rPr lang="en-US" dirty="0" smtClean="0"/>
+              <a:t>Managing partner, </a:t>
+            </a:r>
+            <a:r>
+              <a:rPr lang="en-US" dirty="0" smtClean="0"/>
+              <a:t>	</a:t>
+            </a:r>
+            <a:r>
+              <a:rPr lang="en-US" dirty="0" smtClean="0"/>
+              <a:t>	 </a:t>
+            </a:r>
+            <a:r>
+              <a:rPr lang="en-US" dirty="0" smtClean="0"/>
+              <a:t>Komfo Bulgaria</a:t>
+            </a:r>
+            <a:r>
+              <a:rPr lang="en-US" dirty="0" smtClean="0"/>
+              <a:t>,		 </a:t>
+            </a:r>
+            <a:r>
+              <a:rPr lang="en-US" dirty="0" smtClean="0">
+                <a:hlinkClick r:id="rId2"/>
+              </a:rPr>
+              <a:t>www.komfo.bg</a:t>
+            </a:r>
+            <a:endParaRPr lang="en-US" dirty="0" smtClean="0"/>
+          </a:p>
+        </p:txBody>
+      </p:sp>
+      <p:sp>
+        <p:nvSpPr>
+          <p:cNvPr id="8" name="Rectangle 7"/>
+          <p:cNvSpPr/>
+          <p:nvPr/>
+        </p:nvSpPr>
+        <p:spPr>
+          <a:xfrm>
+            <a:off x="228600" y="3429000"/>
+            <a:ext cx="8610600" cy="1272143"/>
+          </a:xfrm>
+          <a:prstGeom prst="rect">
+            <a:avLst/>
+          </a:prstGeom>
+        </p:spPr>
+        <p:txBody>
+          <a:bodyPr wrap="square">
+            <a:spAutoFit/>
+          </a:bodyPr>
+          <a:lstStyle/>
+          <a:p>
+            <a:pPr marL="630238" lvl="1" indent="-273050">
+              <a:lnSpc>
+                <a:spcPts val="4000"/>
+              </a:lnSpc>
+              <a:spcBef>
+                <a:spcPts val="600"/>
+              </a:spcBef>
+              <a:spcAft>
+                <a:spcPts val="600"/>
+              </a:spcAft>
+              <a:buClr>
+                <a:srgbClr val="8FD600"/>
+              </a:buClr>
+              <a:buFont typeface="Wingdings 2" pitchFamily="18" charset="2"/>
+              <a:buChar char=""/>
+            </a:pPr>
+            <a:r>
+              <a:rPr lang="en-US" sz="3000" b="1" dirty="0" smtClean="0">
+                <a:solidFill>
+                  <a:srgbClr val="CCFF66">
+                    <a:lumMod val="40000"/>
+                    <a:lumOff val="60000"/>
+                  </a:srgbClr>
+                </a:solidFill>
+                <a:effectLst>
+                  <a:outerShdw blurRad="38100" dist="38100" dir="2700000" algn="tl">
+                    <a:srgbClr val="000000">
+                      <a:alpha val="43137"/>
+                    </a:srgbClr>
+                  </a:outerShdw>
+                </a:effectLst>
+                <a:latin typeface="Corbel"/>
+              </a:rPr>
+              <a:t>E-mail: </a:t>
+            </a:r>
+            <a:r>
+              <a:rPr lang="en-US" sz="3000" b="1" noProof="1" smtClean="0">
+                <a:solidFill>
+                  <a:srgbClr val="CCFF66">
+                    <a:lumMod val="40000"/>
+                    <a:lumOff val="60000"/>
+                  </a:srgbClr>
+                </a:solidFill>
+                <a:effectLst>
+                  <a:outerShdw blurRad="38100" dist="38100" dir="2700000" algn="tl">
+                    <a:srgbClr val="000000">
+                      <a:alpha val="43137"/>
+                    </a:srgbClr>
+                  </a:outerShdw>
+                </a:effectLst>
+                <a:latin typeface="Corbel"/>
+              </a:rPr>
+              <a:t>mail </a:t>
+            </a:r>
+            <a:r>
+              <a:rPr lang="en-US" sz="3000" b="1" dirty="0" smtClean="0">
+                <a:solidFill>
+                  <a:srgbClr val="CCFF66">
+                    <a:lumMod val="40000"/>
+                    <a:lumOff val="60000"/>
+                  </a:srgbClr>
+                </a:solidFill>
+                <a:effectLst>
+                  <a:outerShdw blurRad="38100" dist="38100" dir="2700000" algn="tl">
+                    <a:srgbClr val="000000">
+                      <a:alpha val="43137"/>
+                    </a:srgbClr>
+                  </a:outerShdw>
+                </a:effectLst>
+                <a:latin typeface="Corbel"/>
+              </a:rPr>
+              <a:t>[at] </a:t>
+            </a:r>
+            <a:r>
+              <a:rPr lang="en-US" sz="3000" b="1" dirty="0" smtClean="0">
+                <a:solidFill>
+                  <a:srgbClr val="CCFF66">
+                    <a:lumMod val="40000"/>
+                    <a:lumOff val="60000"/>
+                  </a:srgbClr>
+                </a:solidFill>
+                <a:effectLst>
+                  <a:outerShdw blurRad="38100" dist="38100" dir="2700000" algn="tl">
+                    <a:srgbClr val="000000">
+                      <a:alpha val="43137"/>
+                    </a:srgbClr>
+                  </a:outerShdw>
+                </a:effectLst>
+                <a:latin typeface="Corbel"/>
+              </a:rPr>
+              <a:t>ivaylo-hristov.net</a:t>
+            </a:r>
+            <a:endParaRPr lang="en-US" sz="3000" b="1" dirty="0" smtClean="0">
+              <a:solidFill>
+                <a:srgbClr val="CCFF66">
+                  <a:lumMod val="40000"/>
+                  <a:lumOff val="60000"/>
+                </a:srgbClr>
+              </a:solidFill>
+              <a:effectLst>
+                <a:outerShdw blurRad="38100" dist="38100" dir="2700000" algn="tl">
+                  <a:srgbClr val="000000">
+                    <a:alpha val="43137"/>
+                  </a:srgbClr>
+                </a:outerShdw>
+              </a:effectLst>
+              <a:latin typeface="Corbel"/>
+            </a:endParaRPr>
+          </a:p>
+          <a:p>
+            <a:pPr marL="630238" lvl="1" indent="-273050">
+              <a:lnSpc>
+                <a:spcPts val="4000"/>
+              </a:lnSpc>
+              <a:spcBef>
+                <a:spcPts val="600"/>
+              </a:spcBef>
+              <a:spcAft>
+                <a:spcPts val="600"/>
+              </a:spcAft>
+              <a:buClr>
+                <a:srgbClr val="8FD600"/>
+              </a:buClr>
+              <a:buFont typeface="Wingdings 2" pitchFamily="18" charset="2"/>
+              <a:buChar char=""/>
+            </a:pPr>
+            <a:r>
+              <a:rPr lang="en-US" sz="3000" b="1" noProof="1" smtClean="0">
+                <a:solidFill>
+                  <a:srgbClr val="CCFF66">
+                    <a:lumMod val="40000"/>
+                    <a:lumOff val="60000"/>
+                  </a:srgbClr>
+                </a:solidFill>
+                <a:effectLst>
+                  <a:outerShdw blurRad="38100" dist="38100" dir="2700000" algn="tl">
+                    <a:srgbClr val="000000">
+                      <a:alpha val="43137"/>
+                    </a:srgbClr>
+                  </a:outerShdw>
+                </a:effectLst>
+                <a:latin typeface="Corbel"/>
+              </a:rPr>
+              <a:t>Blog: </a:t>
+            </a:r>
+            <a:r>
+              <a:rPr lang="en-US" sz="3000" b="1" noProof="1" smtClean="0">
+                <a:solidFill>
+                  <a:srgbClr val="CCFF66">
+                    <a:lumMod val="40000"/>
+                    <a:lumOff val="60000"/>
+                  </a:srgbClr>
+                </a:solidFill>
+                <a:effectLst>
+                  <a:outerShdw blurRad="38100" dist="38100" dir="2700000" algn="tl">
+                    <a:srgbClr val="000000">
+                      <a:alpha val="43137"/>
+                    </a:srgbClr>
+                  </a:outerShdw>
+                </a:effectLst>
+                <a:latin typeface="Corbel"/>
+                <a:hlinkClick r:id="rId3"/>
+              </a:rPr>
+              <a:t>http</a:t>
+            </a:r>
+            <a:r>
+              <a:rPr lang="en-US" sz="3000" b="1" noProof="1" smtClean="0">
+                <a:solidFill>
+                  <a:srgbClr val="CCFF66">
+                    <a:lumMod val="40000"/>
+                    <a:lumOff val="60000"/>
+                  </a:srgbClr>
+                </a:solidFill>
+                <a:effectLst>
+                  <a:outerShdw blurRad="38100" dist="38100" dir="2700000" algn="tl">
+                    <a:srgbClr val="000000">
+                      <a:alpha val="43137"/>
+                    </a:srgbClr>
+                  </a:outerShdw>
+                </a:effectLst>
+                <a:latin typeface="Corbel"/>
+                <a:hlinkClick r:id="rId3"/>
+              </a:rPr>
+              <a:t>://</a:t>
+            </a:r>
+            <a:r>
+              <a:rPr lang="en-US" sz="3000" b="1" noProof="1" smtClean="0">
+                <a:solidFill>
+                  <a:srgbClr val="CCFF66">
+                    <a:lumMod val="40000"/>
+                    <a:lumOff val="60000"/>
+                  </a:srgbClr>
+                </a:solidFill>
+                <a:effectLst>
+                  <a:outerShdw blurRad="38100" dist="38100" dir="2700000" algn="tl">
+                    <a:srgbClr val="000000">
+                      <a:alpha val="43137"/>
+                    </a:srgbClr>
+                  </a:outerShdw>
+                </a:effectLst>
+                <a:latin typeface="Corbel"/>
+                <a:hlinkClick r:id="rId3"/>
+              </a:rPr>
+              <a:t>ivaylo-hristov.net</a:t>
+            </a:r>
+            <a:endParaRPr lang="en-US" sz="3000" b="1" dirty="0">
+              <a:solidFill>
+                <a:srgbClr val="CCFF66">
+                  <a:lumMod val="40000"/>
+                  <a:lumOff val="60000"/>
+                </a:srgbClr>
+              </a:solidFill>
+              <a:effectLst>
+                <a:outerShdw blurRad="38100" dist="38100" dir="2700000" algn="tl">
+                  <a:srgbClr val="000000">
+                    <a:alpha val="43137"/>
+                  </a:srgbClr>
+                </a:outerShdw>
+              </a:effectLst>
+              <a:latin typeface="Corbel"/>
+            </a:endParaRPr>
+          </a:p>
+        </p:txBody>
+      </p:sp>
+      <p:pic>
+        <p:nvPicPr>
+          <p:cNvPr id="6" name="Picture 4" descr="Ivaylo-Hristov"/>
+          <p:cNvPicPr>
+            <a:picLocks noChangeAspect="1" noChangeArrowheads="1"/>
+          </p:cNvPicPr>
+          <p:nvPr/>
+        </p:nvPicPr>
+        <p:blipFill>
+          <a:blip r:embed="rId4" cstate="print">
+            <a:lum bright="-10000" contrast="20000"/>
+          </a:blip>
+          <a:srcRect/>
+          <a:stretch>
+            <a:fillRect/>
+          </a:stretch>
+        </p:blipFill>
+        <p:spPr bwMode="auto">
+          <a:xfrm>
+            <a:off x="6814658" y="1219200"/>
+            <a:ext cx="1619250" cy="2036763"/>
+          </a:xfrm>
+          <a:prstGeom prst="rect">
+            <a:avLst/>
+          </a:prstGeom>
+          <a:noFill/>
+          <a:ln w="3175">
+            <a:solidFill>
+              <a:schemeClr val="accent5">
+                <a:lumMod val="75000"/>
+              </a:schemeClr>
+            </a:solidFill>
+            <a:miter lim="800000"/>
+            <a:headEnd/>
+            <a:tailEnd/>
+          </a:ln>
+        </p:spPr>
+      </p:pic>
+      <p:sp>
+        <p:nvSpPr>
+          <p:cNvPr id="7" name="Slide Number Placeholder 3"/>
+          <p:cNvSpPr>
+            <a:spLocks noGrp="1"/>
+          </p:cNvSpPr>
+          <p:nvPr>
+            <p:ph type="sldNum" sz="quarter" idx="10"/>
+          </p:nvPr>
+        </p:nvSpPr>
+        <p:spPr>
+          <a:xfrm>
+            <a:off x="8610600" y="6553200"/>
+            <a:ext cx="457200" cy="228600"/>
+          </a:xfrm>
+        </p:spPr>
+        <p:txBody>
+          <a:bodyPr/>
+          <a:lstStyle/>
+          <a:p>
+            <a:pPr>
+              <a:defRPr/>
+            </a:pPr>
+            <a:fld id="{58452FF4-89E3-4D1B-9927-2DBDC00E58D7}" type="slidenum">
+              <a:rPr lang="en-US" smtClean="0"/>
+              <a:pPr>
+                <a:defRPr/>
+              </a:pPr>
+              <a:t>17</a:t>
+            </a:fld>
+            <a:endParaRPr lang="en-US" dirty="0"/>
+          </a:p>
+        </p:txBody>
+      </p:sp>
+    </p:spTree>
+  </p:cSld>
+  <p:clrMapOvr>
+    <a:masterClrMapping/>
+  </p:clrMapOvr>
+  <p:timing>
+    <p:tnLst>
+      <p:par>
+        <p:cTn id="1" dur="indefinite" restart="never" nodeType="tmRoot"/>
+      </p:par>
+    </p:tnLst>
+  </p:timing>
+</p:sld>
+</file>
+
+<file path=ppt/slides/slide18.xml><?xml version="1.0" encoding="utf-8"?>
+<p:sld xmlns:a="http://schemas.openxmlformats.org/drawingml/2006/main" xmlns:r="http://schemas.openxmlformats.org/officeDocument/2006/relationships" xmlns:p="http://schemas.openxmlformats.org/presentationml/2006/main">
+  <p:cSld>
+    <p:spTree>
+      <p:nvGrpSpPr>
+        <p:cNvPr id="1" name=""/>
+        <p:cNvGrpSpPr/>
+        <p:nvPr/>
+      </p:nvGrpSpPr>
+      <p:grpSpPr>
+        <a:xfrm>
+          <a:off x="0" y="0"/>
+          <a:ext cx="0" cy="0"/>
+          <a:chOff x="0" y="0"/>
+          <a:chExt cx="0" cy="0"/>
+        </a:xfrm>
+      </p:grpSpPr>
+      <p:sp>
+        <p:nvSpPr>
+          <p:cNvPr id="5" name="Title 4"/>
+          <p:cNvSpPr>
+            <a:spLocks noGrp="1"/>
+          </p:cNvSpPr>
+          <p:nvPr>
+            <p:ph type="ctrTitle"/>
+          </p:nvPr>
+        </p:nvSpPr>
+        <p:spPr>
+          <a:xfrm>
+            <a:off x="457200" y="1447800"/>
+            <a:ext cx="8229600" cy="685800"/>
+          </a:xfrm>
+        </p:spPr>
+        <p:txBody>
+          <a:bodyPr/>
+          <a:lstStyle/>
+          <a:p>
+            <a:r>
+              <a:rPr lang="en-US" dirty="0" smtClean="0"/>
+              <a:t>Assessment</a:t>
+            </a:r>
+            <a:endParaRPr lang="en-US" dirty="0"/>
+          </a:p>
+        </p:txBody>
+      </p:sp>
+      <p:pic>
+        <p:nvPicPr>
+          <p:cNvPr id="20482" name="Picture 2"/>
+          <p:cNvPicPr>
+            <a:picLocks noChangeAspect="1" noChangeArrowheads="1"/>
+          </p:cNvPicPr>
+          <p:nvPr/>
+        </p:nvPicPr>
+        <p:blipFill>
+          <a:blip r:embed="rId2" cstate="print"/>
+          <a:srcRect/>
+          <a:stretch>
+            <a:fillRect/>
+          </a:stretch>
+        </p:blipFill>
+        <p:spPr bwMode="auto">
+          <a:xfrm>
+            <a:off x="476250" y="3046503"/>
+            <a:ext cx="3919536" cy="3063726"/>
+          </a:xfrm>
+          <a:prstGeom prst="rect">
+            <a:avLst/>
+          </a:prstGeom>
+          <a:noFill/>
+          <a:ln w="9525">
+            <a:noFill/>
+            <a:miter lim="800000"/>
+            <a:headEnd/>
+            <a:tailEnd/>
+          </a:ln>
+          <a:effectLst/>
+        </p:spPr>
+      </p:pic>
+      <p:pic>
+        <p:nvPicPr>
+          <p:cNvPr id="20483" name="Picture 3"/>
+          <p:cNvPicPr>
+            <a:picLocks noChangeAspect="1" noChangeArrowheads="1"/>
+          </p:cNvPicPr>
+          <p:nvPr/>
+        </p:nvPicPr>
+        <p:blipFill>
+          <a:blip r:embed="rId3" cstate="print"/>
+          <a:srcRect/>
+          <a:stretch>
+            <a:fillRect/>
+          </a:stretch>
+        </p:blipFill>
+        <p:spPr bwMode="auto">
+          <a:xfrm>
+            <a:off x="4187712" y="2895600"/>
+            <a:ext cx="4457924" cy="3367118"/>
+          </a:xfrm>
+          <a:prstGeom prst="rect">
+            <a:avLst/>
+          </a:prstGeom>
+          <a:noFill/>
+          <a:ln w="9525">
+            <a:noFill/>
+            <a:miter lim="800000"/>
+            <a:headEnd/>
+            <a:tailEnd/>
+          </a:ln>
+          <a:effectLst/>
+        </p:spPr>
+      </p:pic>
+      <p:sp>
+        <p:nvSpPr>
+          <p:cNvPr id="7" name="Subtitle 5"/>
+          <p:cNvSpPr>
+            <a:spLocks noGrp="1"/>
+          </p:cNvSpPr>
+          <p:nvPr>
+            <p:ph type="subTitle" idx="1"/>
+          </p:nvPr>
+        </p:nvSpPr>
+        <p:spPr>
+          <a:xfrm>
+            <a:off x="457200" y="2097880"/>
+            <a:ext cx="8229600" cy="569120"/>
+          </a:xfrm>
+        </p:spPr>
+        <p:txBody>
+          <a:bodyPr/>
+          <a:lstStyle/>
+          <a:p>
+            <a:r>
+              <a:rPr lang="en-US" dirty="0" smtClean="0"/>
+              <a:t>Exams, Grades, Certifications, Awards</a:t>
+            </a:r>
+            <a:endParaRPr lang="en-US" dirty="0"/>
+          </a:p>
+        </p:txBody>
+      </p:sp>
+    </p:spTree>
+  </p:cSld>
+  <p:clrMapOvr>
+    <a:masterClrMapping/>
+  </p:clrMapOvr>
+  <p:timing>
+    <p:tnLst>
+      <p:par>
+        <p:cTn id="1" dur="indefinite" restart="never" nodeType="tmRoot"/>
+      </p:par>
+    </p:tnLst>
+  </p:timing>
+</p:sld>
+</file>
+
+<file path=ppt/slides/slide19.xml><?xml version="1.0" encoding="utf-8"?>
+<p:sld xmlns:a="http://schemas.openxmlformats.org/drawingml/2006/main" xmlns:r="http://schemas.openxmlformats.org/officeDocument/2006/relationships" xmlns:p="http://schemas.openxmlformats.org/presentationml/2006/main">
+  <p:cSld>
+    <p:spTree>
+      <p:nvGrpSpPr>
+        <p:cNvPr id="1" name=""/>
+        <p:cNvGrpSpPr/>
+        <p:nvPr/>
+      </p:nvGrpSpPr>
+      <p:grpSpPr>
+        <a:xfrm>
+          <a:off x="0" y="0"/>
+          <a:ext cx="0" cy="0"/>
+          <a:chOff x="0" y="0"/>
+          <a:chExt cx="0" cy="0"/>
+        </a:xfrm>
+      </p:grpSpPr>
+      <p:sp>
+        <p:nvSpPr>
+          <p:cNvPr id="2" name="Title 1"/>
+          <p:cNvSpPr>
+            <a:spLocks noGrp="1"/>
+          </p:cNvSpPr>
+          <p:nvPr>
+            <p:ph type="title"/>
+          </p:nvPr>
+        </p:nvSpPr>
+        <p:spPr/>
+        <p:txBody>
+          <a:bodyPr/>
+          <a:lstStyle/>
+          <a:p>
+            <a:r>
+              <a:rPr lang="en-US" dirty="0" smtClean="0"/>
+              <a:t>Assessment</a:t>
+            </a:r>
+            <a:endParaRPr lang="en-US" dirty="0"/>
+          </a:p>
+        </p:txBody>
+      </p:sp>
+      <p:sp>
+        <p:nvSpPr>
+          <p:cNvPr id="3" name="Content Placeholder 2"/>
+          <p:cNvSpPr>
+            <a:spLocks noGrp="1"/>
+          </p:cNvSpPr>
+          <p:nvPr>
+            <p:ph idx="1"/>
+          </p:nvPr>
+        </p:nvSpPr>
+        <p:spPr/>
+        <p:txBody>
+          <a:bodyPr/>
+          <a:lstStyle/>
+          <a:p>
+            <a:pPr>
+              <a:lnSpc>
+                <a:spcPts val="3700"/>
+              </a:lnSpc>
+            </a:pPr>
+            <a:r>
+              <a:rPr lang="en-US" dirty="0" smtClean="0"/>
+              <a:t>Practical project</a:t>
+            </a:r>
+          </a:p>
+          <a:p>
+            <a:pPr lvl="1">
+              <a:lnSpc>
+                <a:spcPts val="3700"/>
+              </a:lnSpc>
+            </a:pPr>
+            <a:r>
+              <a:rPr lang="en-US" dirty="0" smtClean="0"/>
+              <a:t>Dynamic </a:t>
+            </a:r>
+            <a:r>
+              <a:rPr lang="en-US" dirty="0" smtClean="0"/>
+              <a:t>Web </a:t>
+            </a:r>
+            <a:r>
+              <a:rPr lang="en-US" dirty="0" smtClean="0"/>
+              <a:t>application – developed at home</a:t>
+            </a:r>
+          </a:p>
+          <a:p>
+            <a:pPr lvl="1">
+              <a:lnSpc>
+                <a:spcPts val="3700"/>
+              </a:lnSpc>
+            </a:pPr>
+            <a:r>
+              <a:rPr lang="en-US" dirty="0" smtClean="0"/>
+              <a:t>Based </a:t>
+            </a:r>
+            <a:r>
+              <a:rPr lang="en-US" dirty="0" smtClean="0"/>
+              <a:t>on .NET Framework, ASP.NET </a:t>
+            </a:r>
+            <a:r>
+              <a:rPr lang="en-US" dirty="0" smtClean="0"/>
+              <a:t>Web Forms</a:t>
+            </a:r>
+            <a:r>
+              <a:rPr lang="en-US" dirty="0" smtClean="0"/>
+              <a:t>, SQL Server and </a:t>
+            </a:r>
+            <a:r>
+              <a:rPr lang="en-US" dirty="0" smtClean="0"/>
+              <a:t>LINQ-to-SQL</a:t>
+            </a:r>
+          </a:p>
+          <a:p>
+            <a:pPr>
+              <a:lnSpc>
+                <a:spcPts val="3700"/>
+              </a:lnSpc>
+            </a:pPr>
+            <a:r>
+              <a:rPr lang="en-US" dirty="0" smtClean="0"/>
+              <a:t>Examples:</a:t>
+            </a:r>
+          </a:p>
+          <a:p>
+            <a:pPr lvl="1">
+              <a:lnSpc>
+                <a:spcPts val="3700"/>
+              </a:lnSpc>
+            </a:pPr>
+            <a:r>
+              <a:rPr lang="en-US" dirty="0" smtClean="0"/>
+              <a:t>Photo album</a:t>
+            </a:r>
+          </a:p>
+          <a:p>
+            <a:pPr lvl="1">
+              <a:lnSpc>
+                <a:spcPts val="3700"/>
+              </a:lnSpc>
+            </a:pPr>
+            <a:r>
+              <a:rPr lang="en-US" dirty="0" smtClean="0"/>
+              <a:t>CMS system</a:t>
+            </a:r>
+          </a:p>
+          <a:p>
+            <a:pPr lvl="1">
+              <a:lnSpc>
+                <a:spcPts val="3700"/>
+              </a:lnSpc>
+            </a:pPr>
+            <a:r>
+              <a:rPr lang="en-US" dirty="0" smtClean="0"/>
+              <a:t>Blog system</a:t>
+            </a:r>
+          </a:p>
+          <a:p>
+            <a:pPr lvl="1">
+              <a:lnSpc>
+                <a:spcPts val="3700"/>
+              </a:lnSpc>
+            </a:pPr>
+            <a:r>
+              <a:rPr lang="en-US" dirty="0" smtClean="0"/>
+              <a:t>Dating site</a:t>
+            </a:r>
+            <a:endParaRPr lang="en-US" dirty="0"/>
+          </a:p>
+        </p:txBody>
+      </p:sp>
+      <p:sp>
+        <p:nvSpPr>
+          <p:cNvPr id="4" name="Slide Number Placeholder 3"/>
+          <p:cNvSpPr>
+            <a:spLocks noGrp="1"/>
+          </p:cNvSpPr>
+          <p:nvPr>
+            <p:ph type="sldNum" sz="quarter" idx="10"/>
+          </p:nvPr>
+        </p:nvSpPr>
+        <p:spPr/>
+        <p:txBody>
+          <a:bodyPr/>
+          <a:lstStyle/>
+          <a:p>
+            <a:pPr>
+              <a:defRPr/>
+            </a:pPr>
+            <a:fld id="{58452FF4-89E3-4D1B-9927-2DBDC00E58D7}" type="slidenum">
+              <a:rPr lang="en-US" smtClean="0"/>
+              <a:pPr>
+                <a:defRPr/>
+              </a:pPr>
+              <a:t>19</a:t>
+            </a:fld>
+            <a:endParaRPr lang="en-US" dirty="0"/>
+          </a:p>
+        </p:txBody>
+      </p:sp>
+      <p:pic>
+        <p:nvPicPr>
+          <p:cNvPr id="2050" name="Picture 2" descr="http://www.healthyalberta.com/Images/HS_Exam_Stress_PHOTO.jpg"/>
+          <p:cNvPicPr>
+            <a:picLocks noChangeAspect="1" noChangeArrowheads="1"/>
+          </p:cNvPicPr>
+          <p:nvPr/>
+        </p:nvPicPr>
+        <p:blipFill>
+          <a:blip r:embed="rId2" cstate="print"/>
+          <a:srcRect/>
+          <a:stretch>
+            <a:fillRect/>
+          </a:stretch>
+        </p:blipFill>
+        <p:spPr bwMode="auto">
+          <a:xfrm>
+            <a:off x="4863240" y="3846007"/>
+            <a:ext cx="3671160" cy="2441321"/>
+          </a:xfrm>
+          <a:prstGeom prst="roundRect">
+            <a:avLst>
+              <a:gd name="adj" fmla="val 8594"/>
+            </a:avLst>
+          </a:prstGeom>
+          <a:solidFill>
+            <a:srgbClr val="FFFFFF">
+              <a:shade val="85000"/>
+            </a:srgbClr>
+          </a:solidFill>
           <a:ln>
             <a:noFill/>
           </a:ln>
-          <a:effectLst>
-            <a:softEdge rad="112500"/>
-          </a:effectLst>
+          <a:effectLst/>
         </p:spPr>
       </p:pic>
     </p:spTree>
@@ -3821,7 +7249,7 @@
           <a:p>
             <a:r>
               <a:rPr lang="en-US" dirty="0" smtClean="0"/>
-              <a:t>TODO</a:t>
+              <a:t>About the Course</a:t>
             </a:r>
             <a:endParaRPr lang="en-US" dirty="0"/>
           </a:p>
@@ -3843,46 +7271,56 @@
           <a:lstStyle/>
           <a:p>
             <a:r>
-              <a:rPr lang="bg-BG" dirty="0" smtClean="0"/>
-              <a:t>Общи приказки</a:t>
-            </a:r>
-          </a:p>
-          <a:p>
-            <a:r>
-              <a:rPr lang="bg-BG" dirty="0" smtClean="0"/>
-              <a:t>Цел на курса</a:t>
-            </a:r>
-          </a:p>
-          <a:p>
-            <a:r>
-              <a:rPr lang="bg-BG" dirty="0" smtClean="0"/>
-              <a:t>Учебна програма</a:t>
-            </a:r>
-          </a:p>
-          <a:p>
-            <a:r>
-              <a:rPr lang="bg-BG" dirty="0" smtClean="0"/>
-              <a:t>Изпити и оценки</a:t>
-            </a:r>
-          </a:p>
-          <a:p>
-            <a:r>
-              <a:rPr lang="bg-BG" dirty="0" smtClean="0"/>
-              <a:t>Преподавателски екип – по един слайд за всеки + снимка</a:t>
-            </a:r>
-          </a:p>
-          <a:p>
-            <a:r>
-              <a:rPr lang="bg-BG" dirty="0" smtClean="0"/>
-              <a:t>Място, дати и часове на провеждане</a:t>
-            </a:r>
-          </a:p>
-          <a:p>
-            <a:r>
-              <a:rPr lang="bg-BG" dirty="0" smtClean="0"/>
-              <a:t>Литература</a:t>
-            </a:r>
-            <a:endParaRPr lang="en-US" dirty="0"/>
+              <a:rPr lang="en-US" sz="3000" dirty="0" smtClean="0"/>
+              <a:t>Web Applications Development with .NET Framework and ASP.NET </a:t>
+            </a:r>
+            <a:r>
+              <a:rPr lang="en-US" sz="3000" dirty="0" smtClean="0"/>
+              <a:t>objectives</a:t>
+            </a:r>
+          </a:p>
+          <a:p>
+            <a:pPr lvl="1"/>
+            <a:r>
+              <a:rPr lang="en-US" sz="2800" dirty="0" smtClean="0"/>
+              <a:t>Provides basic skills for development of dynamic data-driven ASP.NET Web applications</a:t>
+            </a:r>
+          </a:p>
+          <a:p>
+            <a:pPr lvl="1"/>
+            <a:r>
+              <a:rPr lang="en-US" sz="2800" dirty="0" smtClean="0"/>
+              <a:t>C# language fundamentals</a:t>
+            </a:r>
+          </a:p>
+          <a:p>
+            <a:pPr lvl="1"/>
+            <a:r>
+              <a:rPr lang="en-US" sz="2800" dirty="0" smtClean="0"/>
+              <a:t>Databases and SQL Server</a:t>
+            </a:r>
+          </a:p>
+          <a:p>
+            <a:pPr lvl="1"/>
+            <a:r>
+              <a:rPr lang="en-US" sz="2800" dirty="0" smtClean="0"/>
+              <a:t>LINQ and LINQ-to-SQL</a:t>
+            </a:r>
+          </a:p>
+          <a:p>
+            <a:pPr lvl="1"/>
+            <a:r>
+              <a:rPr lang="en-US" sz="2800" dirty="0" smtClean="0"/>
+              <a:t>ASP.NET, AJAX</a:t>
+            </a:r>
+          </a:p>
+          <a:p>
+            <a:pPr lvl="1"/>
+            <a:r>
+              <a:rPr lang="en-US" sz="2800" dirty="0" smtClean="0"/>
+              <a:t>Silverlight</a:t>
+            </a:r>
+            <a:endParaRPr lang="en-US" sz="2800" dirty="0" smtClean="0"/>
           </a:p>
         </p:txBody>
       </p:sp>
@@ -3915,11 +7353,4892 @@
           </a:p>
         </p:txBody>
       </p:sp>
+      <p:pic>
+        <p:nvPicPr>
+          <p:cNvPr id="25604" name="Picture 4" descr="http://www.artegraficas.com.br/img/web_sites/web_sites.jpg"/>
+          <p:cNvPicPr>
+            <a:picLocks noChangeAspect="1" noChangeArrowheads="1"/>
+          </p:cNvPicPr>
+          <p:nvPr/>
+        </p:nvPicPr>
+        <p:blipFill>
+          <a:blip r:embed="rId2" cstate="print"/>
+          <a:srcRect t="5517" b="3448"/>
+          <a:stretch>
+            <a:fillRect/>
+          </a:stretch>
+        </p:blipFill>
+        <p:spPr bwMode="auto">
+          <a:xfrm>
+            <a:off x="5715000" y="4038600"/>
+            <a:ext cx="2950185" cy="2362200"/>
+          </a:xfrm>
+          <a:prstGeom prst="roundRect">
+            <a:avLst>
+              <a:gd name="adj" fmla="val 8046"/>
+            </a:avLst>
+          </a:prstGeom>
+          <a:noFill/>
+        </p:spPr>
+      </p:pic>
     </p:spTree>
   </p:cSld>
   <p:clrMapOvr>
     <a:masterClrMapping/>
   </p:clrMapOvr>
+  <p:timing>
+    <p:tnLst>
+      <p:par>
+        <p:cTn id="1" dur="indefinite" restart="never" nodeType="tmRoot"/>
+      </p:par>
+    </p:tnLst>
+  </p:timing>
+</p:sld>
+</file>
+
+<file path=ppt/slides/slide20.xml><?xml version="1.0" encoding="utf-8"?>
+<p:sld xmlns:a="http://schemas.openxmlformats.org/drawingml/2006/main" xmlns:r="http://schemas.openxmlformats.org/officeDocument/2006/relationships" xmlns:p="http://schemas.openxmlformats.org/presentationml/2006/main">
+  <p:cSld>
+    <p:spTree>
+      <p:nvGrpSpPr>
+        <p:cNvPr id="1" name=""/>
+        <p:cNvGrpSpPr/>
+        <p:nvPr/>
+      </p:nvGrpSpPr>
+      <p:grpSpPr>
+        <a:xfrm>
+          <a:off x="0" y="0"/>
+          <a:ext cx="0" cy="0"/>
+          <a:chOff x="0" y="0"/>
+          <a:chExt cx="0" cy="0"/>
+        </a:xfrm>
+      </p:grpSpPr>
+      <p:sp>
+        <p:nvSpPr>
+          <p:cNvPr id="2" name="Title 1"/>
+          <p:cNvSpPr>
+            <a:spLocks noGrp="1"/>
+          </p:cNvSpPr>
+          <p:nvPr>
+            <p:ph type="title"/>
+          </p:nvPr>
+        </p:nvSpPr>
+        <p:spPr/>
+        <p:txBody>
+          <a:bodyPr/>
+          <a:lstStyle/>
+          <a:p>
+            <a:r>
+              <a:rPr lang="en-US" dirty="0" smtClean="0"/>
+              <a:t>Assessment (2)</a:t>
+            </a:r>
+            <a:endParaRPr lang="en-US" dirty="0"/>
+          </a:p>
+        </p:txBody>
+      </p:sp>
+      <p:sp>
+        <p:nvSpPr>
+          <p:cNvPr id="3" name="Content Placeholder 2"/>
+          <p:cNvSpPr>
+            <a:spLocks noGrp="1"/>
+          </p:cNvSpPr>
+          <p:nvPr>
+            <p:ph idx="1"/>
+          </p:nvPr>
+        </p:nvSpPr>
+        <p:spPr>
+          <a:xfrm>
+            <a:off x="228600" y="990600"/>
+            <a:ext cx="8686800" cy="5715000"/>
+          </a:xfrm>
+        </p:spPr>
+        <p:txBody>
+          <a:bodyPr/>
+          <a:lstStyle/>
+          <a:p>
+            <a:pPr>
+              <a:lnSpc>
+                <a:spcPts val="3600"/>
+              </a:lnSpc>
+            </a:pPr>
+            <a:r>
+              <a:rPr lang="en-US" sz="3000" dirty="0" smtClean="0"/>
+              <a:t>Defending the projects</a:t>
+            </a:r>
+          </a:p>
+          <a:p>
+            <a:pPr lvl="1">
+              <a:lnSpc>
+                <a:spcPts val="3600"/>
+              </a:lnSpc>
+            </a:pPr>
+            <a:r>
+              <a:rPr lang="en-US" sz="2800" dirty="0" smtClean="0"/>
+              <a:t>Students should defend their projects in class</a:t>
+            </a:r>
+          </a:p>
+          <a:p>
+            <a:pPr lvl="1">
+              <a:lnSpc>
+                <a:spcPts val="3600"/>
+              </a:lnSpc>
+            </a:pPr>
+            <a:r>
+              <a:rPr lang="en-US" sz="2800" dirty="0" smtClean="0"/>
+              <a:t>Will be asked to extend </a:t>
+            </a:r>
+            <a:r>
+              <a:rPr lang="en-US" sz="2800" dirty="0" smtClean="0"/>
+              <a:t>the existing functionality</a:t>
+            </a:r>
+            <a:endParaRPr lang="en-US" sz="2800" dirty="0" smtClean="0"/>
+          </a:p>
+          <a:p>
+            <a:pPr lvl="1">
+              <a:lnSpc>
+                <a:spcPts val="3600"/>
+              </a:lnSpc>
+            </a:pPr>
+            <a:r>
+              <a:rPr lang="en-US" sz="2800" dirty="0" smtClean="0"/>
+              <a:t>Using own laptop is recommended</a:t>
+            </a:r>
+          </a:p>
+          <a:p>
+            <a:pPr lvl="1">
+              <a:lnSpc>
+                <a:spcPts val="3600"/>
+              </a:lnSpc>
+            </a:pPr>
+            <a:r>
+              <a:rPr lang="en-US" sz="2800" dirty="0" smtClean="0"/>
+              <a:t>Each project gets </a:t>
+            </a:r>
+            <a:r>
+              <a:rPr lang="en-US" sz="2800" dirty="0" smtClean="0">
+                <a:latin typeface="Consolas" pitchFamily="49" charset="0"/>
+                <a:cs typeface="Consolas" pitchFamily="49" charset="0"/>
+              </a:rPr>
+              <a:t>0…60</a:t>
+            </a:r>
+            <a:r>
+              <a:rPr lang="en-US" sz="2800" dirty="0" smtClean="0"/>
+              <a:t> </a:t>
+            </a:r>
+            <a:r>
+              <a:rPr lang="en-US" sz="2800" dirty="0" smtClean="0"/>
+              <a:t>scores</a:t>
+            </a:r>
+            <a:endParaRPr lang="en-US" sz="3000" dirty="0" smtClean="0">
+              <a:latin typeface="Consolas" pitchFamily="49" charset="0"/>
+              <a:cs typeface="Consolas" pitchFamily="49" charset="0"/>
+            </a:endParaRPr>
+          </a:p>
+        </p:txBody>
+      </p:sp>
+      <p:sp>
+        <p:nvSpPr>
+          <p:cNvPr id="4" name="Slide Number Placeholder 3"/>
+          <p:cNvSpPr>
+            <a:spLocks noGrp="1"/>
+          </p:cNvSpPr>
+          <p:nvPr>
+            <p:ph type="sldNum" sz="quarter" idx="10"/>
+          </p:nvPr>
+        </p:nvSpPr>
+        <p:spPr/>
+        <p:txBody>
+          <a:bodyPr/>
+          <a:lstStyle/>
+          <a:p>
+            <a:pPr>
+              <a:defRPr/>
+            </a:pPr>
+            <a:fld id="{58452FF4-89E3-4D1B-9927-2DBDC00E58D7}" type="slidenum">
+              <a:rPr lang="en-US" smtClean="0"/>
+              <a:pPr>
+                <a:defRPr/>
+              </a:pPr>
+              <a:t>20</a:t>
+            </a:fld>
+            <a:endParaRPr lang="en-US" dirty="0"/>
+          </a:p>
+        </p:txBody>
+      </p:sp>
+      <p:graphicFrame>
+        <p:nvGraphicFramePr>
+          <p:cNvPr id="6" name="Group 134"/>
+          <p:cNvGraphicFramePr>
+            <a:graphicFrameLocks/>
+          </p:cNvGraphicFramePr>
+          <p:nvPr/>
+        </p:nvGraphicFramePr>
+        <p:xfrm>
+          <a:off x="2362200" y="4206240"/>
+          <a:ext cx="4191000" cy="2194560"/>
+        </p:xfrm>
+        <a:graphic>
+          <a:graphicData uri="http://schemas.openxmlformats.org/drawingml/2006/table">
+            <a:tbl>
+              <a:tblPr/>
+              <a:tblGrid>
+                <a:gridCol w="1777802"/>
+                <a:gridCol w="2413198"/>
+              </a:tblGrid>
+              <a:tr h="362712">
+                <a:tc>
+                  <a:txBody>
+                    <a:bodyPr/>
+                    <a:lstStyle/>
+                    <a:p>
+                      <a:pPr marL="0" marR="0" lvl="0" indent="0" algn="ctr" defTabSz="914400" rtl="0" eaLnBrk="0" fontAlgn="base" latinLnBrk="0" hangingPunct="0">
+                        <a:lnSpc>
+                          <a:spcPct val="95000"/>
+                        </a:lnSpc>
+                        <a:spcBef>
+                          <a:spcPct val="40000"/>
+                        </a:spcBef>
+                        <a:spcAft>
+                          <a:spcPct val="0"/>
+                        </a:spcAft>
+                        <a:buClr>
+                          <a:schemeClr val="tx1"/>
+                        </a:buClr>
+                        <a:buSzTx/>
+                        <a:buFontTx/>
+                        <a:buNone/>
+                        <a:tabLst/>
+                        <a:defRPr/>
+                      </a:pPr>
+                      <a:r>
+                        <a:rPr kumimoji="0" lang="en-US" sz="2400" b="1" i="0" u="none" strike="noStrike" kern="1200" cap="none" spc="0" normalizeH="0" baseline="0" noProof="0" dirty="0" smtClean="0">
+                          <a:ln>
+                            <a:noFill/>
+                          </a:ln>
+                          <a:solidFill>
+                            <a:srgbClr val="EBFFD2"/>
+                          </a:solidFill>
+                          <a:effectLst>
+                            <a:outerShdw blurRad="38100" dist="38100" dir="2700000" algn="tl">
+                              <a:srgbClr val="000000">
+                                <a:alpha val="43137"/>
+                              </a:srgbClr>
+                            </a:outerShdw>
+                          </a:effectLst>
+                          <a:uLnTx/>
+                          <a:uFillTx/>
+                          <a:latin typeface="+mn-lt"/>
+                          <a:ea typeface="+mn-ea"/>
+                          <a:cs typeface="+mn-cs"/>
+                          <a:sym typeface="Wingdings" pitchFamily="2" charset="2"/>
+                        </a:rPr>
+                        <a:t>Score</a:t>
+                      </a:r>
+                      <a:endParaRPr lang="en-US" sz="2400" b="1" kern="1200" dirty="0" smtClean="0">
+                        <a:solidFill>
+                          <a:srgbClr val="EBFFD2"/>
+                        </a:solidFill>
+                        <a:effectLst>
+                          <a:outerShdw blurRad="38100" dist="38100" dir="2700000" algn="tl">
+                            <a:srgbClr val="000000">
+                              <a:alpha val="43137"/>
+                            </a:srgbClr>
+                          </a:outerShdw>
+                        </a:effectLst>
+                        <a:latin typeface="+mn-lt"/>
+                        <a:ea typeface="+mn-ea"/>
+                        <a:cs typeface="+mn-cs"/>
+                      </a:endParaRPr>
+                    </a:p>
+                  </a:txBody>
+                  <a:tcPr anchor="ctr" horzOverflow="overflow">
+                    <a:lnL w="28575" cap="flat" cmpd="sng" algn="ctr">
+                      <a:solidFill>
+                        <a:schemeClr val="accent5">
+                          <a:lumMod val="20000"/>
+                          <a:lumOff val="80000"/>
+                        </a:schemeClr>
+                      </a:solidFill>
+                      <a:prstDash val="solid"/>
+                      <a:round/>
+                      <a:headEnd type="none" w="med" len="med"/>
+                      <a:tailEnd type="none" w="med" len="med"/>
+                    </a:lnL>
+                    <a:lnR w="12700" cap="flat" cmpd="sng" algn="ctr">
+                      <a:solidFill>
+                        <a:schemeClr val="accent5">
+                          <a:lumMod val="20000"/>
+                          <a:lumOff val="80000"/>
+                        </a:schemeClr>
+                      </a:solidFill>
+                      <a:prstDash val="solid"/>
+                      <a:round/>
+                      <a:headEnd type="none" w="med" len="med"/>
+                      <a:tailEnd type="none" w="med" len="med"/>
+                    </a:lnR>
+                    <a:lnT w="28575" cap="flat" cmpd="sng" algn="ctr">
+                      <a:solidFill>
+                        <a:schemeClr val="accent5">
+                          <a:lumMod val="20000"/>
+                          <a:lumOff val="80000"/>
+                        </a:schemeClr>
+                      </a:solidFill>
+                      <a:prstDash val="solid"/>
+                      <a:round/>
+                      <a:headEnd type="none" w="med" len="med"/>
+                      <a:tailEnd type="none" w="med" len="med"/>
+                    </a:lnT>
+                    <a:lnB w="28575" cap="flat" cmpd="sng" algn="ctr">
+                      <a:solidFill>
+                        <a:schemeClr val="accent5">
+                          <a:lumMod val="20000"/>
+                          <a:lumOff val="80000"/>
+                        </a:schemeClr>
+                      </a:solidFill>
+                      <a:prstDash val="solid"/>
+                      <a:round/>
+                      <a:headEnd type="none" w="med" len="med"/>
+                      <a:tailEnd type="none" w="med" len="med"/>
+                    </a:lnB>
+                    <a:lnTlToBr>
+                      <a:noFill/>
+                    </a:lnTlToBr>
+                    <a:lnBlToTr>
+                      <a:noFill/>
+                    </a:lnBlToTr>
+                    <a:solidFill>
+                      <a:schemeClr val="accent5">
+                        <a:lumMod val="60000"/>
+                        <a:lumOff val="40000"/>
+                        <a:alpha val="50000"/>
+                      </a:schemeClr>
+                    </a:solidFill>
+                  </a:tcPr>
+                </a:tc>
+                <a:tc>
+                  <a:txBody>
+                    <a:bodyPr/>
+                    <a:lstStyle/>
+                    <a:p>
+                      <a:pPr marL="0" marR="0" lvl="0" indent="0" algn="ctr" defTabSz="914400" rtl="0" eaLnBrk="0" fontAlgn="base" latinLnBrk="0" hangingPunct="0">
+                        <a:lnSpc>
+                          <a:spcPct val="95000"/>
+                        </a:lnSpc>
+                        <a:spcBef>
+                          <a:spcPct val="40000"/>
+                        </a:spcBef>
+                        <a:spcAft>
+                          <a:spcPct val="0"/>
+                        </a:spcAft>
+                        <a:buClr>
+                          <a:schemeClr val="tx1"/>
+                        </a:buClr>
+                        <a:buSzTx/>
+                        <a:buFontTx/>
+                        <a:buNone/>
+                        <a:tabLst/>
+                      </a:pPr>
+                      <a:r>
+                        <a:rPr lang="en-US" sz="2400" b="1" kern="1200" dirty="0" smtClean="0">
+                          <a:solidFill>
+                            <a:srgbClr val="EBFFD2"/>
+                          </a:solidFill>
+                          <a:effectLst>
+                            <a:outerShdw blurRad="38100" dist="38100" dir="2700000" algn="tl">
+                              <a:srgbClr val="000000">
+                                <a:alpha val="43137"/>
+                              </a:srgbClr>
+                            </a:outerShdw>
+                          </a:effectLst>
+                          <a:latin typeface="+mn-lt"/>
+                          <a:ea typeface="+mn-ea"/>
+                          <a:cs typeface="+mn-cs"/>
+                        </a:rPr>
+                        <a:t>Grade</a:t>
+                      </a:r>
+                    </a:p>
+                  </a:txBody>
+                  <a:tcPr anchor="ctr" horzOverflow="overflow">
+                    <a:lnL w="12700" cap="flat" cmpd="sng" algn="ctr">
+                      <a:solidFill>
+                        <a:schemeClr val="accent5">
+                          <a:lumMod val="20000"/>
+                          <a:lumOff val="80000"/>
+                        </a:schemeClr>
+                      </a:solidFill>
+                      <a:prstDash val="solid"/>
+                      <a:round/>
+                      <a:headEnd type="none" w="med" len="med"/>
+                      <a:tailEnd type="none" w="med" len="med"/>
+                    </a:lnL>
+                    <a:lnR w="28575" cap="flat" cmpd="sng" algn="ctr">
+                      <a:solidFill>
+                        <a:schemeClr val="accent5">
+                          <a:lumMod val="20000"/>
+                          <a:lumOff val="80000"/>
+                        </a:schemeClr>
+                      </a:solidFill>
+                      <a:prstDash val="solid"/>
+                      <a:round/>
+                      <a:headEnd type="none" w="med" len="med"/>
+                      <a:tailEnd type="none" w="med" len="med"/>
+                    </a:lnR>
+                    <a:lnT w="28575" cap="flat" cmpd="sng" algn="ctr">
+                      <a:solidFill>
+                        <a:schemeClr val="accent5">
+                          <a:lumMod val="20000"/>
+                          <a:lumOff val="80000"/>
+                        </a:schemeClr>
+                      </a:solidFill>
+                      <a:prstDash val="solid"/>
+                      <a:round/>
+                      <a:headEnd type="none" w="med" len="med"/>
+                      <a:tailEnd type="none" w="med" len="med"/>
+                    </a:lnT>
+                    <a:lnB w="28575" cap="flat" cmpd="sng" algn="ctr">
+                      <a:solidFill>
+                        <a:schemeClr val="accent5">
+                          <a:lumMod val="20000"/>
+                          <a:lumOff val="80000"/>
+                        </a:schemeClr>
+                      </a:solidFill>
+                      <a:prstDash val="solid"/>
+                      <a:round/>
+                      <a:headEnd type="none" w="med" len="med"/>
+                      <a:tailEnd type="none" w="med" len="med"/>
+                    </a:lnB>
+                    <a:lnTlToBr>
+                      <a:noFill/>
+                    </a:lnTlToBr>
+                    <a:lnBlToTr>
+                      <a:noFill/>
+                    </a:lnBlToTr>
+                    <a:solidFill>
+                      <a:schemeClr val="accent5">
+                        <a:lumMod val="60000"/>
+                        <a:lumOff val="40000"/>
+                        <a:alpha val="50000"/>
+                      </a:schemeClr>
+                    </a:solidFill>
+                  </a:tcPr>
+                </a:tc>
+              </a:tr>
+              <a:tr h="172708">
+                <a:tc>
+                  <a:txBody>
+                    <a:bodyPr/>
+                    <a:lstStyle/>
+                    <a:p>
+                      <a:pPr marL="0" marR="0" lvl="0" indent="0" algn="ctr" defTabSz="914400" rtl="0" eaLnBrk="0" fontAlgn="base" latinLnBrk="0" hangingPunct="0">
+                        <a:lnSpc>
+                          <a:spcPct val="95000"/>
+                        </a:lnSpc>
+                        <a:spcBef>
+                          <a:spcPct val="40000"/>
+                        </a:spcBef>
+                        <a:spcAft>
+                          <a:spcPct val="0"/>
+                        </a:spcAft>
+                        <a:buClr>
+                          <a:schemeClr val="tx1"/>
+                        </a:buClr>
+                        <a:buSzTx/>
+                        <a:buFontTx/>
+                        <a:buNone/>
+                        <a:tabLst/>
+                        <a:defRPr/>
+                      </a:pPr>
+                      <a:r>
+                        <a:rPr kumimoji="0" lang="en-US" sz="2400" b="1" i="0" u="none" strike="noStrike" kern="1200" cap="none" spc="0" normalizeH="0" baseline="0" noProof="0" dirty="0" smtClean="0">
+                          <a:ln>
+                            <a:noFill/>
+                          </a:ln>
+                          <a:solidFill>
+                            <a:srgbClr val="EBFFD2"/>
+                          </a:solidFill>
+                          <a:effectLst>
+                            <a:outerShdw blurRad="38100" dist="38100" dir="2700000" algn="tl">
+                              <a:srgbClr val="000000">
+                                <a:alpha val="43137"/>
+                              </a:srgbClr>
+                            </a:outerShdw>
+                          </a:effectLst>
+                          <a:uLnTx/>
+                          <a:uFillTx/>
+                          <a:latin typeface="Consolas" pitchFamily="49" charset="0"/>
+                          <a:ea typeface="+mn-ea"/>
+                          <a:cs typeface="Consolas" pitchFamily="49" charset="0"/>
+                        </a:rPr>
+                        <a:t>51-60</a:t>
+                      </a:r>
+                      <a:endParaRPr kumimoji="0" lang="en-US" sz="2400" b="1" i="0" u="none" strike="noStrike" kern="1200" cap="none" spc="0" normalizeH="0" baseline="0" noProof="0" dirty="0" smtClean="0">
+                        <a:ln>
+                          <a:noFill/>
+                        </a:ln>
+                        <a:solidFill>
+                          <a:srgbClr val="EBFFD2"/>
+                        </a:solidFill>
+                        <a:effectLst>
+                          <a:outerShdw blurRad="38100" dist="38100" dir="2700000" algn="tl">
+                            <a:srgbClr val="000000">
+                              <a:alpha val="43137"/>
+                            </a:srgbClr>
+                          </a:outerShdw>
+                        </a:effectLst>
+                        <a:uLnTx/>
+                        <a:uFillTx/>
+                        <a:latin typeface="Consolas" pitchFamily="49" charset="0"/>
+                        <a:ea typeface="+mn-ea"/>
+                        <a:cs typeface="Consolas" pitchFamily="49" charset="0"/>
+                      </a:endParaRPr>
+                    </a:p>
+                  </a:txBody>
+                  <a:tcPr anchor="ctr" horzOverflow="overflow">
+                    <a:lnL w="28575" cap="flat" cmpd="sng" algn="ctr">
+                      <a:solidFill>
+                        <a:schemeClr val="accent5">
+                          <a:lumMod val="20000"/>
+                          <a:lumOff val="80000"/>
+                        </a:schemeClr>
+                      </a:solidFill>
+                      <a:prstDash val="solid"/>
+                      <a:round/>
+                      <a:headEnd type="none" w="med" len="med"/>
+                      <a:tailEnd type="none" w="med" len="med"/>
+                    </a:lnL>
+                    <a:lnR w="12700" cap="flat" cmpd="sng" algn="ctr">
+                      <a:solidFill>
+                        <a:schemeClr val="accent5">
+                          <a:lumMod val="20000"/>
+                          <a:lumOff val="80000"/>
+                        </a:schemeClr>
+                      </a:solidFill>
+                      <a:prstDash val="solid"/>
+                      <a:round/>
+                      <a:headEnd type="none" w="med" len="med"/>
+                      <a:tailEnd type="none" w="med" len="med"/>
+                    </a:lnR>
+                    <a:lnT w="28575" cap="flat" cmpd="sng" algn="ctr">
+                      <a:solidFill>
+                        <a:schemeClr val="accent5">
+                          <a:lumMod val="20000"/>
+                          <a:lumOff val="80000"/>
+                        </a:schemeClr>
+                      </a:solidFill>
+                      <a:prstDash val="solid"/>
+                      <a:round/>
+                      <a:headEnd type="none" w="med" len="med"/>
+                      <a:tailEnd type="none" w="med" len="med"/>
+                    </a:lnT>
+                    <a:lnB w="12700" cap="flat" cmpd="sng" algn="ctr">
+                      <a:solidFill>
+                        <a:schemeClr val="accent5">
+                          <a:lumMod val="20000"/>
+                          <a:lumOff val="80000"/>
+                        </a:schemeClr>
+                      </a:solidFill>
+                      <a:prstDash val="solid"/>
+                      <a:round/>
+                      <a:headEnd type="none" w="med" len="med"/>
+                      <a:tailEnd type="none" w="med" len="med"/>
+                    </a:lnB>
+                    <a:lnTlToBr>
+                      <a:noFill/>
+                    </a:lnTlToBr>
+                    <a:lnBlToTr>
+                      <a:noFill/>
+                    </a:lnBlToTr>
+                    <a:noFill/>
+                  </a:tcPr>
+                </a:tc>
+                <a:tc>
+                  <a:txBody>
+                    <a:bodyPr/>
+                    <a:lstStyle/>
+                    <a:p>
+                      <a:pPr marL="0" marR="0" lvl="0" indent="0" algn="l" defTabSz="914400" rtl="0" eaLnBrk="0" fontAlgn="base" latinLnBrk="0" hangingPunct="0">
+                        <a:lnSpc>
+                          <a:spcPct val="95000"/>
+                        </a:lnSpc>
+                        <a:spcBef>
+                          <a:spcPct val="40000"/>
+                        </a:spcBef>
+                        <a:spcAft>
+                          <a:spcPct val="0"/>
+                        </a:spcAft>
+                        <a:buClr>
+                          <a:schemeClr val="tx1"/>
+                        </a:buClr>
+                        <a:buSzTx/>
+                        <a:buFontTx/>
+                        <a:buNone/>
+                        <a:tabLst/>
+                        <a:defRPr/>
+                      </a:pPr>
+                      <a:r>
+                        <a:rPr kumimoji="0" lang="en-US" sz="2400" b="1" i="0" u="none" strike="noStrike" kern="1200" cap="none" spc="0" normalizeH="0" baseline="0" noProof="0" dirty="0" smtClean="0">
+                          <a:ln>
+                            <a:noFill/>
+                          </a:ln>
+                          <a:solidFill>
+                            <a:srgbClr val="EBFFD2"/>
+                          </a:solidFill>
+                          <a:effectLst>
+                            <a:outerShdw blurRad="38100" dist="38100" dir="2700000" algn="tl">
+                              <a:srgbClr val="000000">
+                                <a:alpha val="43137"/>
+                              </a:srgbClr>
+                            </a:outerShdw>
+                          </a:effectLst>
+                          <a:uLnTx/>
+                          <a:uFillTx/>
+                          <a:latin typeface="+mn-lt"/>
+                          <a:ea typeface="+mn-ea"/>
+                          <a:cs typeface="+mn-cs"/>
+                        </a:rPr>
+                        <a:t>Excellent (</a:t>
+                      </a:r>
+                      <a:r>
+                        <a:rPr kumimoji="0" lang="en-US" sz="2400" b="1" i="0" u="none" strike="noStrike" kern="1200" cap="none" spc="0" normalizeH="0" baseline="0" noProof="0" dirty="0" smtClean="0">
+                          <a:ln>
+                            <a:noFill/>
+                          </a:ln>
+                          <a:solidFill>
+                            <a:srgbClr val="EBFFD2"/>
+                          </a:solidFill>
+                          <a:effectLst>
+                            <a:outerShdw blurRad="38100" dist="38100" dir="2700000" algn="tl">
+                              <a:srgbClr val="000000">
+                                <a:alpha val="43137"/>
+                              </a:srgbClr>
+                            </a:outerShdw>
+                          </a:effectLst>
+                          <a:uLnTx/>
+                          <a:uFillTx/>
+                          <a:latin typeface="Consolas" pitchFamily="49" charset="0"/>
+                          <a:ea typeface="+mn-ea"/>
+                          <a:cs typeface="Consolas" pitchFamily="49" charset="0"/>
+                        </a:rPr>
+                        <a:t>6</a:t>
+                      </a:r>
+                      <a:r>
+                        <a:rPr kumimoji="0" lang="en-US" sz="2400" b="1" i="0" u="none" strike="noStrike" kern="1200" cap="none" spc="0" normalizeH="0" baseline="0" noProof="0" dirty="0" smtClean="0">
+                          <a:ln>
+                            <a:noFill/>
+                          </a:ln>
+                          <a:solidFill>
+                            <a:srgbClr val="EBFFD2"/>
+                          </a:solidFill>
+                          <a:effectLst>
+                            <a:outerShdw blurRad="38100" dist="38100" dir="2700000" algn="tl">
+                              <a:srgbClr val="000000">
+                                <a:alpha val="43137"/>
+                              </a:srgbClr>
+                            </a:outerShdw>
+                          </a:effectLst>
+                          <a:uLnTx/>
+                          <a:uFillTx/>
+                          <a:latin typeface="+mn-lt"/>
+                          <a:ea typeface="+mn-ea"/>
+                          <a:cs typeface="+mn-cs"/>
+                        </a:rPr>
+                        <a:t>)</a:t>
+                      </a:r>
+                    </a:p>
+                  </a:txBody>
+                  <a:tcPr anchor="ctr" horzOverflow="overflow">
+                    <a:lnL w="12700" cap="flat" cmpd="sng" algn="ctr">
+                      <a:solidFill>
+                        <a:schemeClr val="accent5">
+                          <a:lumMod val="20000"/>
+                          <a:lumOff val="80000"/>
+                        </a:schemeClr>
+                      </a:solidFill>
+                      <a:prstDash val="solid"/>
+                      <a:round/>
+                      <a:headEnd type="none" w="med" len="med"/>
+                      <a:tailEnd type="none" w="med" len="med"/>
+                    </a:lnL>
+                    <a:lnR w="28575" cap="flat" cmpd="sng" algn="ctr">
+                      <a:solidFill>
+                        <a:schemeClr val="accent5">
+                          <a:lumMod val="20000"/>
+                          <a:lumOff val="80000"/>
+                        </a:schemeClr>
+                      </a:solidFill>
+                      <a:prstDash val="solid"/>
+                      <a:round/>
+                      <a:headEnd type="none" w="med" len="med"/>
+                      <a:tailEnd type="none" w="med" len="med"/>
+                    </a:lnR>
+                    <a:lnT w="28575" cap="flat" cmpd="sng" algn="ctr">
+                      <a:solidFill>
+                        <a:schemeClr val="accent5">
+                          <a:lumMod val="20000"/>
+                          <a:lumOff val="80000"/>
+                        </a:schemeClr>
+                      </a:solidFill>
+                      <a:prstDash val="solid"/>
+                      <a:round/>
+                      <a:headEnd type="none" w="med" len="med"/>
+                      <a:tailEnd type="none" w="med" len="med"/>
+                    </a:lnT>
+                    <a:lnB w="12700" cap="flat" cmpd="sng" algn="ctr">
+                      <a:solidFill>
+                        <a:schemeClr val="accent5">
+                          <a:lumMod val="20000"/>
+                          <a:lumOff val="80000"/>
+                        </a:schemeClr>
+                      </a:solidFill>
+                      <a:prstDash val="solid"/>
+                      <a:round/>
+                      <a:headEnd type="none" w="med" len="med"/>
+                      <a:tailEnd type="none" w="med" len="med"/>
+                    </a:lnB>
+                    <a:lnTlToBr>
+                      <a:noFill/>
+                    </a:lnTlToBr>
+                    <a:lnBlToTr>
+                      <a:noFill/>
+                    </a:lnBlToTr>
+                    <a:noFill/>
+                  </a:tcPr>
+                </a:tc>
+              </a:tr>
+              <a:tr h="172708">
+                <a:tc>
+                  <a:txBody>
+                    <a:bodyPr/>
+                    <a:lstStyle/>
+                    <a:p>
+                      <a:pPr marL="0" marR="0" lvl="0" indent="0" algn="ctr" defTabSz="914400" rtl="0" eaLnBrk="0" fontAlgn="base" latinLnBrk="0" hangingPunct="0">
+                        <a:lnSpc>
+                          <a:spcPct val="95000"/>
+                        </a:lnSpc>
+                        <a:spcBef>
+                          <a:spcPct val="40000"/>
+                        </a:spcBef>
+                        <a:spcAft>
+                          <a:spcPct val="0"/>
+                        </a:spcAft>
+                        <a:buClr>
+                          <a:schemeClr val="tx1"/>
+                        </a:buClr>
+                        <a:buSzTx/>
+                        <a:buFontTx/>
+                        <a:buNone/>
+                        <a:tabLst/>
+                        <a:defRPr/>
+                      </a:pPr>
+                      <a:r>
+                        <a:rPr kumimoji="0" lang="en-US" sz="2400" b="1" i="0" u="none" strike="noStrike" kern="1200" cap="none" spc="0" normalizeH="0" baseline="0" noProof="0" dirty="0" smtClean="0">
+                          <a:ln>
+                            <a:noFill/>
+                          </a:ln>
+                          <a:solidFill>
+                            <a:srgbClr val="EBFFD2"/>
+                          </a:solidFill>
+                          <a:effectLst>
+                            <a:outerShdw blurRad="38100" dist="38100" dir="2700000" algn="tl">
+                              <a:srgbClr val="000000">
+                                <a:alpha val="43137"/>
+                              </a:srgbClr>
+                            </a:outerShdw>
+                          </a:effectLst>
+                          <a:uLnTx/>
+                          <a:uFillTx/>
+                          <a:latin typeface="Consolas" pitchFamily="49" charset="0"/>
+                          <a:ea typeface="+mn-ea"/>
+                          <a:cs typeface="Consolas" pitchFamily="49" charset="0"/>
+                        </a:rPr>
+                        <a:t>41-50</a:t>
+                      </a:r>
+                      <a:endParaRPr kumimoji="0" lang="bg-BG" sz="2400" b="1" i="0" u="none" strike="noStrike" kern="1200" cap="none" spc="0" normalizeH="0" baseline="0" noProof="0" dirty="0" smtClean="0">
+                        <a:ln>
+                          <a:noFill/>
+                        </a:ln>
+                        <a:solidFill>
+                          <a:srgbClr val="EBFFD2"/>
+                        </a:solidFill>
+                        <a:effectLst>
+                          <a:outerShdw blurRad="38100" dist="38100" dir="2700000" algn="tl">
+                            <a:srgbClr val="000000">
+                              <a:alpha val="43137"/>
+                            </a:srgbClr>
+                          </a:outerShdw>
+                        </a:effectLst>
+                        <a:uLnTx/>
+                        <a:uFillTx/>
+                        <a:latin typeface="Consolas" pitchFamily="49" charset="0"/>
+                        <a:ea typeface="+mn-ea"/>
+                        <a:cs typeface="Consolas" pitchFamily="49" charset="0"/>
+                      </a:endParaRPr>
+                    </a:p>
+                  </a:txBody>
+                  <a:tcPr anchor="ctr" horzOverflow="overflow">
+                    <a:lnL w="28575" cap="flat" cmpd="sng" algn="ctr">
+                      <a:solidFill>
+                        <a:schemeClr val="accent5">
+                          <a:lumMod val="20000"/>
+                          <a:lumOff val="80000"/>
+                        </a:schemeClr>
+                      </a:solidFill>
+                      <a:prstDash val="solid"/>
+                      <a:round/>
+                      <a:headEnd type="none" w="med" len="med"/>
+                      <a:tailEnd type="none" w="med" len="med"/>
+                    </a:lnL>
+                    <a:lnR w="12700" cap="flat" cmpd="sng" algn="ctr">
+                      <a:solidFill>
+                        <a:schemeClr val="accent5">
+                          <a:lumMod val="20000"/>
+                          <a:lumOff val="80000"/>
+                        </a:schemeClr>
+                      </a:solidFill>
+                      <a:prstDash val="solid"/>
+                      <a:round/>
+                      <a:headEnd type="none" w="med" len="med"/>
+                      <a:tailEnd type="none" w="med" len="med"/>
+                    </a:lnR>
+                    <a:lnT w="12700" cap="flat" cmpd="sng" algn="ctr">
+                      <a:solidFill>
+                        <a:schemeClr val="accent5">
+                          <a:lumMod val="20000"/>
+                          <a:lumOff val="80000"/>
+                        </a:schemeClr>
+                      </a:solidFill>
+                      <a:prstDash val="solid"/>
+                      <a:round/>
+                      <a:headEnd type="none" w="med" len="med"/>
+                      <a:tailEnd type="none" w="med" len="med"/>
+                    </a:lnT>
+                    <a:lnB w="12700" cap="flat" cmpd="sng" algn="ctr">
+                      <a:solidFill>
+                        <a:schemeClr val="accent5">
+                          <a:lumMod val="20000"/>
+                          <a:lumOff val="80000"/>
+                        </a:schemeClr>
+                      </a:solidFill>
+                      <a:prstDash val="solid"/>
+                      <a:round/>
+                      <a:headEnd type="none" w="med" len="med"/>
+                      <a:tailEnd type="none" w="med" len="med"/>
+                    </a:lnB>
+                    <a:lnTlToBr>
+                      <a:noFill/>
+                    </a:lnTlToBr>
+                    <a:lnBlToTr>
+                      <a:noFill/>
+                    </a:lnBlToTr>
+                    <a:noFill/>
+                  </a:tcPr>
+                </a:tc>
+                <a:tc>
+                  <a:txBody>
+                    <a:bodyPr/>
+                    <a:lstStyle/>
+                    <a:p>
+                      <a:pPr marL="0" marR="0" lvl="0" indent="0" algn="l" defTabSz="914400" rtl="0" eaLnBrk="0" fontAlgn="base" latinLnBrk="0" hangingPunct="0">
+                        <a:lnSpc>
+                          <a:spcPct val="95000"/>
+                        </a:lnSpc>
+                        <a:spcBef>
+                          <a:spcPct val="40000"/>
+                        </a:spcBef>
+                        <a:spcAft>
+                          <a:spcPct val="0"/>
+                        </a:spcAft>
+                        <a:buClr>
+                          <a:schemeClr val="tx1"/>
+                        </a:buClr>
+                        <a:buSzTx/>
+                        <a:buFontTx/>
+                        <a:buNone/>
+                        <a:tabLst/>
+                        <a:defRPr/>
+                      </a:pPr>
+                      <a:r>
+                        <a:rPr kumimoji="0" lang="en-US" sz="2400" b="1" i="0" u="none" strike="noStrike" kern="1200" cap="none" spc="0" normalizeH="0" baseline="0" noProof="0" dirty="0" smtClean="0">
+                          <a:ln>
+                            <a:noFill/>
+                          </a:ln>
+                          <a:solidFill>
+                            <a:srgbClr val="EBFFD2"/>
+                          </a:solidFill>
+                          <a:effectLst>
+                            <a:outerShdw blurRad="38100" dist="38100" dir="2700000" algn="tl">
+                              <a:srgbClr val="000000">
+                                <a:alpha val="43137"/>
+                              </a:srgbClr>
+                            </a:outerShdw>
+                          </a:effectLst>
+                          <a:uLnTx/>
+                          <a:uFillTx/>
+                          <a:latin typeface="+mn-lt"/>
+                          <a:ea typeface="+mn-ea"/>
+                          <a:cs typeface="+mn-cs"/>
+                        </a:rPr>
+                        <a:t>Very Good (</a:t>
+                      </a:r>
+                      <a:r>
+                        <a:rPr kumimoji="0" lang="en-US" sz="2400" b="1" i="0" u="none" strike="noStrike" kern="1200" cap="none" spc="0" normalizeH="0" baseline="0" noProof="0" dirty="0" smtClean="0">
+                          <a:ln>
+                            <a:noFill/>
+                          </a:ln>
+                          <a:solidFill>
+                            <a:srgbClr val="EBFFD2"/>
+                          </a:solidFill>
+                          <a:effectLst>
+                            <a:outerShdw blurRad="38100" dist="38100" dir="2700000" algn="tl">
+                              <a:srgbClr val="000000">
+                                <a:alpha val="43137"/>
+                              </a:srgbClr>
+                            </a:outerShdw>
+                          </a:effectLst>
+                          <a:uLnTx/>
+                          <a:uFillTx/>
+                          <a:latin typeface="Consolas" pitchFamily="49" charset="0"/>
+                          <a:ea typeface="+mn-ea"/>
+                          <a:cs typeface="Consolas" pitchFamily="49" charset="0"/>
+                        </a:rPr>
+                        <a:t>5</a:t>
+                      </a:r>
+                      <a:r>
+                        <a:rPr kumimoji="0" lang="en-US" sz="2400" b="1" i="0" u="none" strike="noStrike" kern="1200" cap="none" spc="0" normalizeH="0" baseline="0" noProof="0" dirty="0" smtClean="0">
+                          <a:ln>
+                            <a:noFill/>
+                          </a:ln>
+                          <a:solidFill>
+                            <a:srgbClr val="EBFFD2"/>
+                          </a:solidFill>
+                          <a:effectLst>
+                            <a:outerShdw blurRad="38100" dist="38100" dir="2700000" algn="tl">
+                              <a:srgbClr val="000000">
+                                <a:alpha val="43137"/>
+                              </a:srgbClr>
+                            </a:outerShdw>
+                          </a:effectLst>
+                          <a:uLnTx/>
+                          <a:uFillTx/>
+                          <a:latin typeface="+mn-lt"/>
+                          <a:ea typeface="+mn-ea"/>
+                          <a:cs typeface="+mn-cs"/>
+                        </a:rPr>
+                        <a:t>)</a:t>
+                      </a:r>
+                    </a:p>
+                  </a:txBody>
+                  <a:tcPr anchor="ctr" horzOverflow="overflow">
+                    <a:lnL w="12700" cap="flat" cmpd="sng" algn="ctr">
+                      <a:solidFill>
+                        <a:schemeClr val="accent5">
+                          <a:lumMod val="20000"/>
+                          <a:lumOff val="80000"/>
+                        </a:schemeClr>
+                      </a:solidFill>
+                      <a:prstDash val="solid"/>
+                      <a:round/>
+                      <a:headEnd type="none" w="med" len="med"/>
+                      <a:tailEnd type="none" w="med" len="med"/>
+                    </a:lnL>
+                    <a:lnR w="28575" cap="flat" cmpd="sng" algn="ctr">
+                      <a:solidFill>
+                        <a:schemeClr val="accent5">
+                          <a:lumMod val="20000"/>
+                          <a:lumOff val="80000"/>
+                        </a:schemeClr>
+                      </a:solidFill>
+                      <a:prstDash val="solid"/>
+                      <a:round/>
+                      <a:headEnd type="none" w="med" len="med"/>
+                      <a:tailEnd type="none" w="med" len="med"/>
+                    </a:lnR>
+                    <a:lnT w="12700" cap="flat" cmpd="sng" algn="ctr">
+                      <a:solidFill>
+                        <a:schemeClr val="accent5">
+                          <a:lumMod val="20000"/>
+                          <a:lumOff val="80000"/>
+                        </a:schemeClr>
+                      </a:solidFill>
+                      <a:prstDash val="solid"/>
+                      <a:round/>
+                      <a:headEnd type="none" w="med" len="med"/>
+                      <a:tailEnd type="none" w="med" len="med"/>
+                    </a:lnT>
+                    <a:lnB w="12700" cap="flat" cmpd="sng" algn="ctr">
+                      <a:solidFill>
+                        <a:schemeClr val="accent5">
+                          <a:lumMod val="20000"/>
+                          <a:lumOff val="80000"/>
+                        </a:schemeClr>
+                      </a:solidFill>
+                      <a:prstDash val="solid"/>
+                      <a:round/>
+                      <a:headEnd type="none" w="med" len="med"/>
+                      <a:tailEnd type="none" w="med" len="med"/>
+                    </a:lnB>
+                    <a:lnTlToBr>
+                      <a:noFill/>
+                    </a:lnTlToBr>
+                    <a:lnBlToTr>
+                      <a:noFill/>
+                    </a:lnBlToTr>
+                    <a:noFill/>
+                  </a:tcPr>
+                </a:tc>
+              </a:tr>
+              <a:tr h="172708">
+                <a:tc>
+                  <a:txBody>
+                    <a:bodyPr/>
+                    <a:lstStyle/>
+                    <a:p>
+                      <a:pPr marL="0" marR="0" lvl="0" indent="0" algn="ctr" defTabSz="914400" rtl="0" eaLnBrk="0" fontAlgn="base" latinLnBrk="0" hangingPunct="0">
+                        <a:lnSpc>
+                          <a:spcPct val="95000"/>
+                        </a:lnSpc>
+                        <a:spcBef>
+                          <a:spcPct val="40000"/>
+                        </a:spcBef>
+                        <a:spcAft>
+                          <a:spcPct val="0"/>
+                        </a:spcAft>
+                        <a:buClr>
+                          <a:schemeClr val="tx1"/>
+                        </a:buClr>
+                        <a:buSzTx/>
+                        <a:buFontTx/>
+                        <a:buNone/>
+                        <a:tabLst/>
+                        <a:defRPr/>
+                      </a:pPr>
+                      <a:r>
+                        <a:rPr kumimoji="0" lang="en-US" sz="2400" b="1" i="0" u="none" strike="noStrike" kern="1200" cap="none" spc="0" normalizeH="0" baseline="0" noProof="0" dirty="0" smtClean="0">
+                          <a:ln>
+                            <a:noFill/>
+                          </a:ln>
+                          <a:solidFill>
+                            <a:srgbClr val="EBFFD2"/>
+                          </a:solidFill>
+                          <a:effectLst>
+                            <a:outerShdw blurRad="38100" dist="38100" dir="2700000" algn="tl">
+                              <a:srgbClr val="000000">
+                                <a:alpha val="43137"/>
+                              </a:srgbClr>
+                            </a:outerShdw>
+                          </a:effectLst>
+                          <a:uLnTx/>
+                          <a:uFillTx/>
+                          <a:latin typeface="Consolas" pitchFamily="49" charset="0"/>
+                          <a:ea typeface="+mn-ea"/>
+                          <a:cs typeface="Consolas" pitchFamily="49" charset="0"/>
+                        </a:rPr>
+                        <a:t>31-40</a:t>
+                      </a:r>
+                      <a:endParaRPr kumimoji="0" lang="bg-BG" sz="2400" b="1" i="0" u="none" strike="noStrike" kern="1200" cap="none" spc="0" normalizeH="0" baseline="0" noProof="0" dirty="0" smtClean="0">
+                        <a:ln>
+                          <a:noFill/>
+                        </a:ln>
+                        <a:solidFill>
+                          <a:srgbClr val="EBFFD2"/>
+                        </a:solidFill>
+                        <a:effectLst>
+                          <a:outerShdw blurRad="38100" dist="38100" dir="2700000" algn="tl">
+                            <a:srgbClr val="000000">
+                              <a:alpha val="43137"/>
+                            </a:srgbClr>
+                          </a:outerShdw>
+                        </a:effectLst>
+                        <a:uLnTx/>
+                        <a:uFillTx/>
+                        <a:latin typeface="Consolas" pitchFamily="49" charset="0"/>
+                        <a:ea typeface="+mn-ea"/>
+                        <a:cs typeface="Consolas" pitchFamily="49" charset="0"/>
+                      </a:endParaRPr>
+                    </a:p>
+                  </a:txBody>
+                  <a:tcPr anchor="ctr" horzOverflow="overflow">
+                    <a:lnL w="28575" cap="flat" cmpd="sng" algn="ctr">
+                      <a:solidFill>
+                        <a:schemeClr val="accent5">
+                          <a:lumMod val="20000"/>
+                          <a:lumOff val="80000"/>
+                        </a:schemeClr>
+                      </a:solidFill>
+                      <a:prstDash val="solid"/>
+                      <a:round/>
+                      <a:headEnd type="none" w="med" len="med"/>
+                      <a:tailEnd type="none" w="med" len="med"/>
+                    </a:lnL>
+                    <a:lnR w="12700" cap="flat" cmpd="sng" algn="ctr">
+                      <a:solidFill>
+                        <a:schemeClr val="accent5">
+                          <a:lumMod val="20000"/>
+                          <a:lumOff val="80000"/>
+                        </a:schemeClr>
+                      </a:solidFill>
+                      <a:prstDash val="solid"/>
+                      <a:round/>
+                      <a:headEnd type="none" w="med" len="med"/>
+                      <a:tailEnd type="none" w="med" len="med"/>
+                    </a:lnR>
+                    <a:lnT w="12700" cap="flat" cmpd="sng" algn="ctr">
+                      <a:solidFill>
+                        <a:schemeClr val="accent5">
+                          <a:lumMod val="20000"/>
+                          <a:lumOff val="80000"/>
+                        </a:schemeClr>
+                      </a:solidFill>
+                      <a:prstDash val="solid"/>
+                      <a:round/>
+                      <a:headEnd type="none" w="med" len="med"/>
+                      <a:tailEnd type="none" w="med" len="med"/>
+                    </a:lnT>
+                    <a:lnB w="12700" cap="flat" cmpd="sng" algn="ctr">
+                      <a:solidFill>
+                        <a:schemeClr val="accent5">
+                          <a:lumMod val="20000"/>
+                          <a:lumOff val="80000"/>
+                        </a:schemeClr>
+                      </a:solidFill>
+                      <a:prstDash val="solid"/>
+                      <a:round/>
+                      <a:headEnd type="none" w="med" len="med"/>
+                      <a:tailEnd type="none" w="med" len="med"/>
+                    </a:lnB>
+                    <a:lnTlToBr>
+                      <a:noFill/>
+                    </a:lnTlToBr>
+                    <a:lnBlToTr>
+                      <a:noFill/>
+                    </a:lnBlToTr>
+                    <a:noFill/>
+                  </a:tcPr>
+                </a:tc>
+                <a:tc>
+                  <a:txBody>
+                    <a:bodyPr/>
+                    <a:lstStyle/>
+                    <a:p>
+                      <a:pPr marL="0" marR="0" lvl="0" indent="0" algn="l" defTabSz="914400" rtl="0" eaLnBrk="0" fontAlgn="base" latinLnBrk="0" hangingPunct="0">
+                        <a:lnSpc>
+                          <a:spcPct val="95000"/>
+                        </a:lnSpc>
+                        <a:spcBef>
+                          <a:spcPct val="40000"/>
+                        </a:spcBef>
+                        <a:spcAft>
+                          <a:spcPct val="0"/>
+                        </a:spcAft>
+                        <a:buClr>
+                          <a:schemeClr val="tx1"/>
+                        </a:buClr>
+                        <a:buSzTx/>
+                        <a:buFontTx/>
+                        <a:buNone/>
+                        <a:tabLst/>
+                        <a:defRPr/>
+                      </a:pPr>
+                      <a:r>
+                        <a:rPr kumimoji="0" lang="en-US" sz="2400" b="1" i="0" u="none" strike="noStrike" kern="1200" cap="none" spc="0" normalizeH="0" baseline="0" noProof="0" dirty="0" smtClean="0">
+                          <a:ln>
+                            <a:noFill/>
+                          </a:ln>
+                          <a:solidFill>
+                            <a:srgbClr val="EBFFD2"/>
+                          </a:solidFill>
+                          <a:effectLst>
+                            <a:outerShdw blurRad="38100" dist="38100" dir="2700000" algn="tl">
+                              <a:srgbClr val="000000">
+                                <a:alpha val="43137"/>
+                              </a:srgbClr>
+                            </a:outerShdw>
+                          </a:effectLst>
+                          <a:uLnTx/>
+                          <a:uFillTx/>
+                          <a:latin typeface="+mn-lt"/>
+                          <a:ea typeface="+mn-ea"/>
+                          <a:cs typeface="+mn-cs"/>
+                        </a:rPr>
+                        <a:t>Good (</a:t>
+                      </a:r>
+                      <a:r>
+                        <a:rPr kumimoji="0" lang="en-US" sz="2400" b="1" i="0" u="none" strike="noStrike" kern="1200" cap="none" spc="0" normalizeH="0" baseline="0" noProof="0" dirty="0" smtClean="0">
+                          <a:ln>
+                            <a:noFill/>
+                          </a:ln>
+                          <a:solidFill>
+                            <a:srgbClr val="EBFFD2"/>
+                          </a:solidFill>
+                          <a:effectLst>
+                            <a:outerShdw blurRad="38100" dist="38100" dir="2700000" algn="tl">
+                              <a:srgbClr val="000000">
+                                <a:alpha val="43137"/>
+                              </a:srgbClr>
+                            </a:outerShdw>
+                          </a:effectLst>
+                          <a:uLnTx/>
+                          <a:uFillTx/>
+                          <a:latin typeface="Consolas" pitchFamily="49" charset="0"/>
+                          <a:ea typeface="+mn-ea"/>
+                          <a:cs typeface="Consolas" pitchFamily="49" charset="0"/>
+                        </a:rPr>
+                        <a:t>4</a:t>
+                      </a:r>
+                      <a:r>
+                        <a:rPr kumimoji="0" lang="en-US" sz="2400" b="1" i="0" u="none" strike="noStrike" kern="1200" cap="none" spc="0" normalizeH="0" baseline="0" noProof="0" dirty="0" smtClean="0">
+                          <a:ln>
+                            <a:noFill/>
+                          </a:ln>
+                          <a:solidFill>
+                            <a:srgbClr val="EBFFD2"/>
+                          </a:solidFill>
+                          <a:effectLst>
+                            <a:outerShdw blurRad="38100" dist="38100" dir="2700000" algn="tl">
+                              <a:srgbClr val="000000">
+                                <a:alpha val="43137"/>
+                              </a:srgbClr>
+                            </a:outerShdw>
+                          </a:effectLst>
+                          <a:uLnTx/>
+                          <a:uFillTx/>
+                          <a:latin typeface="+mn-lt"/>
+                          <a:ea typeface="+mn-ea"/>
+                          <a:cs typeface="+mn-cs"/>
+                        </a:rPr>
+                        <a:t>)</a:t>
+                      </a:r>
+                    </a:p>
+                  </a:txBody>
+                  <a:tcPr anchor="ctr" horzOverflow="overflow">
+                    <a:lnL w="12700" cap="flat" cmpd="sng" algn="ctr">
+                      <a:solidFill>
+                        <a:schemeClr val="accent5">
+                          <a:lumMod val="20000"/>
+                          <a:lumOff val="80000"/>
+                        </a:schemeClr>
+                      </a:solidFill>
+                      <a:prstDash val="solid"/>
+                      <a:round/>
+                      <a:headEnd type="none" w="med" len="med"/>
+                      <a:tailEnd type="none" w="med" len="med"/>
+                    </a:lnL>
+                    <a:lnR w="28575" cap="flat" cmpd="sng" algn="ctr">
+                      <a:solidFill>
+                        <a:schemeClr val="accent5">
+                          <a:lumMod val="20000"/>
+                          <a:lumOff val="80000"/>
+                        </a:schemeClr>
+                      </a:solidFill>
+                      <a:prstDash val="solid"/>
+                      <a:round/>
+                      <a:headEnd type="none" w="med" len="med"/>
+                      <a:tailEnd type="none" w="med" len="med"/>
+                    </a:lnR>
+                    <a:lnT w="12700" cap="flat" cmpd="sng" algn="ctr">
+                      <a:solidFill>
+                        <a:schemeClr val="accent5">
+                          <a:lumMod val="20000"/>
+                          <a:lumOff val="80000"/>
+                        </a:schemeClr>
+                      </a:solidFill>
+                      <a:prstDash val="solid"/>
+                      <a:round/>
+                      <a:headEnd type="none" w="med" len="med"/>
+                      <a:tailEnd type="none" w="med" len="med"/>
+                    </a:lnT>
+                    <a:lnB w="12700" cap="flat" cmpd="sng" algn="ctr">
+                      <a:solidFill>
+                        <a:schemeClr val="accent5">
+                          <a:lumMod val="20000"/>
+                          <a:lumOff val="80000"/>
+                        </a:schemeClr>
+                      </a:solidFill>
+                      <a:prstDash val="solid"/>
+                      <a:round/>
+                      <a:headEnd type="none" w="med" len="med"/>
+                      <a:tailEnd type="none" w="med" len="med"/>
+                    </a:lnB>
+                    <a:lnTlToBr>
+                      <a:noFill/>
+                    </a:lnTlToBr>
+                    <a:lnBlToTr>
+                      <a:noFill/>
+                    </a:lnBlToTr>
+                    <a:noFill/>
+                  </a:tcPr>
+                </a:tc>
+              </a:tr>
+              <a:tr h="172708">
+                <a:tc>
+                  <a:txBody>
+                    <a:bodyPr/>
+                    <a:lstStyle/>
+                    <a:p>
+                      <a:pPr marL="0" marR="0" lvl="0" indent="0" algn="ctr" defTabSz="914400" rtl="0" eaLnBrk="0" fontAlgn="base" latinLnBrk="0" hangingPunct="0">
+                        <a:lnSpc>
+                          <a:spcPct val="95000"/>
+                        </a:lnSpc>
+                        <a:spcBef>
+                          <a:spcPct val="40000"/>
+                        </a:spcBef>
+                        <a:spcAft>
+                          <a:spcPct val="0"/>
+                        </a:spcAft>
+                        <a:buClr>
+                          <a:schemeClr val="tx1"/>
+                        </a:buClr>
+                        <a:buSzTx/>
+                        <a:buFontTx/>
+                        <a:buNone/>
+                        <a:tabLst/>
+                        <a:defRPr/>
+                      </a:pPr>
+                      <a:r>
+                        <a:rPr kumimoji="0" lang="en-US" sz="2400" b="1" i="0" u="none" strike="noStrike" kern="1200" cap="none" spc="0" normalizeH="0" baseline="0" noProof="0" dirty="0" smtClean="0">
+                          <a:ln>
+                            <a:noFill/>
+                          </a:ln>
+                          <a:solidFill>
+                            <a:srgbClr val="EBFFD2"/>
+                          </a:solidFill>
+                          <a:effectLst>
+                            <a:outerShdw blurRad="38100" dist="38100" dir="2700000" algn="tl">
+                              <a:srgbClr val="000000">
+                                <a:alpha val="43137"/>
+                              </a:srgbClr>
+                            </a:outerShdw>
+                          </a:effectLst>
+                          <a:uLnTx/>
+                          <a:uFillTx/>
+                          <a:latin typeface="Consolas" pitchFamily="49" charset="0"/>
+                          <a:ea typeface="+mn-ea"/>
+                          <a:cs typeface="Consolas" pitchFamily="49" charset="0"/>
+                        </a:rPr>
+                        <a:t>21-30</a:t>
+                      </a:r>
+                      <a:endParaRPr kumimoji="0" lang="bg-BG" sz="2400" b="1" i="0" u="none" strike="noStrike" kern="1200" cap="none" spc="0" normalizeH="0" baseline="0" noProof="0" dirty="0" smtClean="0">
+                        <a:ln>
+                          <a:noFill/>
+                        </a:ln>
+                        <a:solidFill>
+                          <a:srgbClr val="EBFFD2"/>
+                        </a:solidFill>
+                        <a:effectLst>
+                          <a:outerShdw blurRad="38100" dist="38100" dir="2700000" algn="tl">
+                            <a:srgbClr val="000000">
+                              <a:alpha val="43137"/>
+                            </a:srgbClr>
+                          </a:outerShdw>
+                        </a:effectLst>
+                        <a:uLnTx/>
+                        <a:uFillTx/>
+                        <a:latin typeface="Consolas" pitchFamily="49" charset="0"/>
+                        <a:ea typeface="+mn-ea"/>
+                        <a:cs typeface="Consolas" pitchFamily="49" charset="0"/>
+                      </a:endParaRPr>
+                    </a:p>
+                  </a:txBody>
+                  <a:tcPr anchor="ctr" horzOverflow="overflow">
+                    <a:lnL w="28575" cap="flat" cmpd="sng" algn="ctr">
+                      <a:solidFill>
+                        <a:schemeClr val="accent5">
+                          <a:lumMod val="20000"/>
+                          <a:lumOff val="80000"/>
+                        </a:schemeClr>
+                      </a:solidFill>
+                      <a:prstDash val="solid"/>
+                      <a:round/>
+                      <a:headEnd type="none" w="med" len="med"/>
+                      <a:tailEnd type="none" w="med" len="med"/>
+                    </a:lnL>
+                    <a:lnR w="12700" cap="flat" cmpd="sng" algn="ctr">
+                      <a:solidFill>
+                        <a:schemeClr val="accent5">
+                          <a:lumMod val="20000"/>
+                          <a:lumOff val="80000"/>
+                        </a:schemeClr>
+                      </a:solidFill>
+                      <a:prstDash val="solid"/>
+                      <a:round/>
+                      <a:headEnd type="none" w="med" len="med"/>
+                      <a:tailEnd type="none" w="med" len="med"/>
+                    </a:lnR>
+                    <a:lnT w="12700" cap="flat" cmpd="sng" algn="ctr">
+                      <a:solidFill>
+                        <a:schemeClr val="accent5">
+                          <a:lumMod val="20000"/>
+                          <a:lumOff val="80000"/>
+                        </a:schemeClr>
+                      </a:solidFill>
+                      <a:prstDash val="solid"/>
+                      <a:round/>
+                      <a:headEnd type="none" w="med" len="med"/>
+                      <a:tailEnd type="none" w="med" len="med"/>
+                    </a:lnT>
+                    <a:lnB w="28575" cap="flat" cmpd="sng" algn="ctr">
+                      <a:solidFill>
+                        <a:schemeClr val="accent5">
+                          <a:lumMod val="20000"/>
+                          <a:lumOff val="80000"/>
+                        </a:schemeClr>
+                      </a:solidFill>
+                      <a:prstDash val="solid"/>
+                      <a:round/>
+                      <a:headEnd type="none" w="med" len="med"/>
+                      <a:tailEnd type="none" w="med" len="med"/>
+                    </a:lnB>
+                    <a:lnTlToBr>
+                      <a:noFill/>
+                    </a:lnTlToBr>
+                    <a:lnBlToTr>
+                      <a:noFill/>
+                    </a:lnBlToTr>
+                    <a:noFill/>
+                  </a:tcPr>
+                </a:tc>
+                <a:tc>
+                  <a:txBody>
+                    <a:bodyPr/>
+                    <a:lstStyle/>
+                    <a:p>
+                      <a:pPr marL="0" marR="0" lvl="0" indent="0" algn="l" defTabSz="914400" rtl="0" eaLnBrk="0" fontAlgn="base" latinLnBrk="0" hangingPunct="0">
+                        <a:lnSpc>
+                          <a:spcPct val="95000"/>
+                        </a:lnSpc>
+                        <a:spcBef>
+                          <a:spcPct val="40000"/>
+                        </a:spcBef>
+                        <a:spcAft>
+                          <a:spcPct val="0"/>
+                        </a:spcAft>
+                        <a:buClr>
+                          <a:schemeClr val="tx1"/>
+                        </a:buClr>
+                        <a:buSzTx/>
+                        <a:buFontTx/>
+                        <a:buNone/>
+                        <a:tabLst/>
+                        <a:defRPr/>
+                      </a:pPr>
+                      <a:r>
+                        <a:rPr kumimoji="0" lang="en-US" sz="2400" b="1" i="0" u="none" strike="noStrike" kern="1200" cap="none" spc="0" normalizeH="0" baseline="0" noProof="0" dirty="0" smtClean="0">
+                          <a:ln>
+                            <a:noFill/>
+                          </a:ln>
+                          <a:solidFill>
+                            <a:srgbClr val="EBFFD2"/>
+                          </a:solidFill>
+                          <a:effectLst>
+                            <a:outerShdw blurRad="38100" dist="38100" dir="2700000" algn="tl">
+                              <a:srgbClr val="000000">
+                                <a:alpha val="43137"/>
+                              </a:srgbClr>
+                            </a:outerShdw>
+                          </a:effectLst>
+                          <a:uLnTx/>
+                          <a:uFillTx/>
+                          <a:latin typeface="+mn-lt"/>
+                          <a:ea typeface="+mn-ea"/>
+                          <a:cs typeface="+mn-cs"/>
+                        </a:rPr>
+                        <a:t>Average (</a:t>
+                      </a:r>
+                      <a:r>
+                        <a:rPr kumimoji="0" lang="en-US" sz="2400" b="1" i="0" u="none" strike="noStrike" kern="1200" cap="none" spc="0" normalizeH="0" baseline="0" noProof="0" dirty="0" smtClean="0">
+                          <a:ln>
+                            <a:noFill/>
+                          </a:ln>
+                          <a:solidFill>
+                            <a:srgbClr val="EBFFD2"/>
+                          </a:solidFill>
+                          <a:effectLst>
+                            <a:outerShdw blurRad="38100" dist="38100" dir="2700000" algn="tl">
+                              <a:srgbClr val="000000">
+                                <a:alpha val="43137"/>
+                              </a:srgbClr>
+                            </a:outerShdw>
+                          </a:effectLst>
+                          <a:uLnTx/>
+                          <a:uFillTx/>
+                          <a:latin typeface="Consolas" pitchFamily="49" charset="0"/>
+                          <a:ea typeface="+mn-ea"/>
+                          <a:cs typeface="Consolas" pitchFamily="49" charset="0"/>
+                        </a:rPr>
+                        <a:t>3</a:t>
+                      </a:r>
+                      <a:r>
+                        <a:rPr kumimoji="0" lang="en-US" sz="2400" b="1" i="0" u="none" strike="noStrike" kern="1200" cap="none" spc="0" normalizeH="0" baseline="0" noProof="0" dirty="0" smtClean="0">
+                          <a:ln>
+                            <a:noFill/>
+                          </a:ln>
+                          <a:solidFill>
+                            <a:srgbClr val="EBFFD2"/>
+                          </a:solidFill>
+                          <a:effectLst>
+                            <a:outerShdw blurRad="38100" dist="38100" dir="2700000" algn="tl">
+                              <a:srgbClr val="000000">
+                                <a:alpha val="43137"/>
+                              </a:srgbClr>
+                            </a:outerShdw>
+                          </a:effectLst>
+                          <a:uLnTx/>
+                          <a:uFillTx/>
+                          <a:latin typeface="+mn-lt"/>
+                          <a:ea typeface="+mn-ea"/>
+                          <a:cs typeface="+mn-cs"/>
+                        </a:rPr>
+                        <a:t>)</a:t>
+                      </a:r>
+                    </a:p>
+                  </a:txBody>
+                  <a:tcPr anchor="ctr" horzOverflow="overflow">
+                    <a:lnL w="12700" cap="flat" cmpd="sng" algn="ctr">
+                      <a:solidFill>
+                        <a:schemeClr val="accent5">
+                          <a:lumMod val="20000"/>
+                          <a:lumOff val="80000"/>
+                        </a:schemeClr>
+                      </a:solidFill>
+                      <a:prstDash val="solid"/>
+                      <a:round/>
+                      <a:headEnd type="none" w="med" len="med"/>
+                      <a:tailEnd type="none" w="med" len="med"/>
+                    </a:lnL>
+                    <a:lnR w="28575" cap="flat" cmpd="sng" algn="ctr">
+                      <a:solidFill>
+                        <a:schemeClr val="accent5">
+                          <a:lumMod val="20000"/>
+                          <a:lumOff val="80000"/>
+                        </a:schemeClr>
+                      </a:solidFill>
+                      <a:prstDash val="solid"/>
+                      <a:round/>
+                      <a:headEnd type="none" w="med" len="med"/>
+                      <a:tailEnd type="none" w="med" len="med"/>
+                    </a:lnR>
+                    <a:lnT w="12700" cap="flat" cmpd="sng" algn="ctr">
+                      <a:solidFill>
+                        <a:schemeClr val="accent5">
+                          <a:lumMod val="20000"/>
+                          <a:lumOff val="80000"/>
+                        </a:schemeClr>
+                      </a:solidFill>
+                      <a:prstDash val="solid"/>
+                      <a:round/>
+                      <a:headEnd type="none" w="med" len="med"/>
+                      <a:tailEnd type="none" w="med" len="med"/>
+                    </a:lnT>
+                    <a:lnB w="28575" cap="flat" cmpd="sng" algn="ctr">
+                      <a:solidFill>
+                        <a:schemeClr val="accent5">
+                          <a:lumMod val="20000"/>
+                          <a:lumOff val="80000"/>
+                        </a:schemeClr>
+                      </a:solidFill>
+                      <a:prstDash val="solid"/>
+                      <a:round/>
+                      <a:headEnd type="none" w="med" len="med"/>
+                      <a:tailEnd type="none" w="med" len="med"/>
+                    </a:lnB>
+                    <a:lnTlToBr>
+                      <a:noFill/>
+                    </a:lnTlToBr>
+                    <a:lnBlToTr>
+                      <a:noFill/>
+                    </a:lnBlToTr>
+                    <a:noFill/>
+                  </a:tcPr>
+                </a:tc>
+              </a:tr>
+            </a:tbl>
+          </a:graphicData>
+        </a:graphic>
+      </p:graphicFrame>
+      <p:pic>
+        <p:nvPicPr>
+          <p:cNvPr id="8" name="Picture 2" descr="http://stmcs.org/images/grades.jpg"/>
+          <p:cNvPicPr>
+            <a:picLocks noChangeAspect="1" noChangeArrowheads="1"/>
+          </p:cNvPicPr>
+          <p:nvPr/>
+        </p:nvPicPr>
+        <p:blipFill>
+          <a:blip r:embed="rId2" cstate="print"/>
+          <a:srcRect/>
+          <a:stretch>
+            <a:fillRect/>
+          </a:stretch>
+        </p:blipFill>
+        <p:spPr bwMode="auto">
+          <a:xfrm rot="21149242">
+            <a:off x="7254693" y="3470739"/>
+            <a:ext cx="1214719" cy="1485427"/>
+          </a:xfrm>
+          <a:prstGeom prst="rect">
+            <a:avLst/>
+          </a:prstGeom>
+          <a:noFill/>
+          <a:ln>
+            <a:noFill/>
+          </a:ln>
+          <a:effectLst>
+            <a:glow rad="228600">
+              <a:schemeClr val="accent5">
+                <a:satMod val="175000"/>
+                <a:alpha val="40000"/>
+              </a:schemeClr>
+            </a:glow>
+            <a:outerShdw blurRad="44450" dist="27940" dir="5400000" algn="ctr">
+              <a:srgbClr val="000000">
+                <a:alpha val="32000"/>
+              </a:srgbClr>
+            </a:outerShdw>
+          </a:effectLst>
+          <a:scene3d>
+            <a:camera prst="orthographicFront">
+              <a:rot lat="0" lon="0" rev="0"/>
+            </a:camera>
+            <a:lightRig rig="balanced" dir="t">
+              <a:rot lat="0" lon="0" rev="8700000"/>
+            </a:lightRig>
+          </a:scene3d>
+          <a:sp3d>
+            <a:bevelT w="190500" h="38100"/>
+          </a:sp3d>
+        </p:spPr>
+      </p:pic>
+    </p:spTree>
+  </p:cSld>
+  <p:clrMapOvr>
+    <a:masterClrMapping/>
+  </p:clrMapOvr>
+  <p:timing>
+    <p:tnLst>
+      <p:par>
+        <p:cTn id="1" dur="indefinite" restart="never" nodeType="tmRoot"/>
+      </p:par>
+    </p:tnLst>
+  </p:timing>
+</p:sld>
+</file>
+
+<file path=ppt/slides/slide21.xml><?xml version="1.0" encoding="utf-8"?>
+<p:sld xmlns:a="http://schemas.openxmlformats.org/drawingml/2006/main" xmlns:r="http://schemas.openxmlformats.org/officeDocument/2006/relationships" xmlns:p="http://schemas.openxmlformats.org/presentationml/2006/main">
+  <p:cSld>
+    <p:spTree>
+      <p:nvGrpSpPr>
+        <p:cNvPr id="1" name=""/>
+        <p:cNvGrpSpPr/>
+        <p:nvPr/>
+      </p:nvGrpSpPr>
+      <p:grpSpPr>
+        <a:xfrm>
+          <a:off x="0" y="0"/>
+          <a:ext cx="0" cy="0"/>
+          <a:chOff x="0" y="0"/>
+          <a:chExt cx="0" cy="0"/>
+        </a:xfrm>
+      </p:grpSpPr>
+      <p:sp>
+        <p:nvSpPr>
+          <p:cNvPr id="4" name="Title 3"/>
+          <p:cNvSpPr>
+            <a:spLocks noGrp="1"/>
+          </p:cNvSpPr>
+          <p:nvPr>
+            <p:ph type="title"/>
+          </p:nvPr>
+        </p:nvSpPr>
+        <p:spPr/>
+        <p:txBody>
+          <a:bodyPr/>
+          <a:lstStyle/>
+          <a:p>
+            <a:r>
+              <a:rPr lang="en-US" dirty="0" smtClean="0"/>
+              <a:t>Certification and Awards</a:t>
+            </a:r>
+            <a:endParaRPr lang="en-US" dirty="0"/>
+          </a:p>
+        </p:txBody>
+      </p:sp>
+      <p:sp>
+        <p:nvSpPr>
+          <p:cNvPr id="5" name="Content Placeholder 4"/>
+          <p:cNvSpPr>
+            <a:spLocks noGrp="1"/>
+          </p:cNvSpPr>
+          <p:nvPr>
+            <p:ph idx="1"/>
+          </p:nvPr>
+        </p:nvSpPr>
+        <p:spPr/>
+        <p:txBody>
+          <a:bodyPr/>
+          <a:lstStyle/>
+          <a:p>
+            <a:pPr lvl="0">
+              <a:lnSpc>
+                <a:spcPts val="3600"/>
+              </a:lnSpc>
+            </a:pPr>
+            <a:r>
+              <a:rPr lang="en-US" dirty="0" smtClean="0"/>
+              <a:t>Best students will get certification and awards</a:t>
+            </a:r>
+          </a:p>
+          <a:p>
+            <a:pPr>
+              <a:lnSpc>
+                <a:spcPts val="3600"/>
+              </a:lnSpc>
+            </a:pPr>
+            <a:r>
+              <a:rPr lang="en-US" dirty="0" smtClean="0"/>
+              <a:t>Certificate of achievement</a:t>
+            </a:r>
+          </a:p>
+          <a:p>
+            <a:pPr lvl="1">
+              <a:lnSpc>
+                <a:spcPts val="3600"/>
+              </a:lnSpc>
+            </a:pPr>
+            <a:r>
+              <a:rPr lang="en-US" dirty="0" smtClean="0"/>
+              <a:t>Requires </a:t>
+            </a:r>
+            <a:r>
+              <a:rPr lang="en-US" dirty="0" smtClean="0">
+                <a:latin typeface="Consolas" pitchFamily="49" charset="0"/>
+                <a:cs typeface="Consolas" pitchFamily="49" charset="0"/>
+              </a:rPr>
+              <a:t>51</a:t>
+            </a:r>
+            <a:r>
+              <a:rPr lang="en-US" dirty="0" smtClean="0"/>
+              <a:t> score from the practical project</a:t>
+            </a:r>
+            <a:endParaRPr lang="en-US" dirty="0" smtClean="0"/>
+          </a:p>
+          <a:p>
+            <a:pPr lvl="1">
+              <a:lnSpc>
+                <a:spcPts val="3600"/>
+              </a:lnSpc>
+            </a:pPr>
+            <a:r>
+              <a:rPr lang="en-US" dirty="0" smtClean="0"/>
+              <a:t>Issued by Telerik Academy</a:t>
+            </a:r>
+          </a:p>
+          <a:p>
+            <a:pPr lvl="1">
+              <a:lnSpc>
+                <a:spcPts val="3600"/>
+              </a:lnSpc>
+            </a:pPr>
+            <a:r>
+              <a:rPr lang="en-US" dirty="0" smtClean="0"/>
+              <a:t>Signed by the trainers team</a:t>
+            </a:r>
+          </a:p>
+          <a:p>
+            <a:pPr>
+              <a:lnSpc>
+                <a:spcPts val="3600"/>
+              </a:lnSpc>
+            </a:pPr>
+            <a:r>
+              <a:rPr lang="en-US" dirty="0" smtClean="0"/>
+              <a:t>Awards</a:t>
+            </a:r>
+          </a:p>
+          <a:p>
+            <a:pPr lvl="1">
+              <a:lnSpc>
+                <a:spcPts val="3600"/>
+              </a:lnSpc>
+            </a:pPr>
+            <a:r>
+              <a:rPr lang="en-US" dirty="0" smtClean="0"/>
+              <a:t>Remarkable results</a:t>
+            </a:r>
+          </a:p>
+          <a:p>
+            <a:pPr lvl="1">
+              <a:lnSpc>
+                <a:spcPts val="3600"/>
+              </a:lnSpc>
+            </a:pPr>
+            <a:r>
+              <a:rPr lang="en-US" dirty="0" smtClean="0"/>
+              <a:t>Top </a:t>
+            </a:r>
+            <a:r>
+              <a:rPr lang="en-US" dirty="0" smtClean="0">
+                <a:latin typeface="Consolas" pitchFamily="49" charset="0"/>
+                <a:cs typeface="Consolas" pitchFamily="49" charset="0"/>
+              </a:rPr>
+              <a:t>5-10</a:t>
+            </a:r>
+            <a:r>
+              <a:rPr lang="en-US" dirty="0" smtClean="0"/>
+              <a:t> students</a:t>
+            </a:r>
+          </a:p>
+        </p:txBody>
+      </p:sp>
+      <p:sp>
+        <p:nvSpPr>
+          <p:cNvPr id="8" name="Rounded Rectangle 7"/>
+          <p:cNvSpPr/>
+          <p:nvPr/>
+        </p:nvSpPr>
+        <p:spPr>
+          <a:xfrm>
+            <a:off x="4800600" y="4267200"/>
+            <a:ext cx="4038600" cy="2266950"/>
+          </a:xfrm>
+          <a:prstGeom prst="roundRect">
+            <a:avLst>
+              <a:gd name="adj" fmla="val 5953"/>
+            </a:avLst>
+          </a:prstGeom>
+          <a:solidFill>
+            <a:schemeClr val="accent5">
+              <a:lumMod val="60000"/>
+              <a:lumOff val="40000"/>
+              <a:alpha val="25000"/>
+            </a:schemeClr>
+          </a:solidFill>
+          <a:ln w="6350" algn="ctr">
+            <a:solidFill>
+              <a:schemeClr val="accent5">
+                <a:lumMod val="60000"/>
+                <a:lumOff val="40000"/>
+                <a:alpha val="70000"/>
+              </a:schemeClr>
+            </a:solidFill>
+            <a:round/>
+            <a:headEnd/>
+            <a:tailEnd/>
+          </a:ln>
+          <a:effectLst/>
+        </p:spPr>
+        <p:txBody>
+          <a:bodyPr lIns="36000" rIns="36000" anchor="ctr"/>
+          <a:lstStyle/>
+          <a:p>
+            <a:endParaRPr lang="en-US" sz="2000" b="1" dirty="0" smtClean="0">
+              <a:solidFill>
+                <a:schemeClr val="tx1">
+                  <a:lumMod val="40000"/>
+                  <a:lumOff val="60000"/>
+                </a:schemeClr>
+              </a:solidFill>
+              <a:effectLst>
+                <a:outerShdw blurRad="38100" dist="38100" dir="2700000" algn="tl">
+                  <a:srgbClr val="000000">
+                    <a:alpha val="43137"/>
+                  </a:srgbClr>
+                </a:outerShdw>
+              </a:effectLst>
+              <a:latin typeface="Consolas" pitchFamily="49" charset="0"/>
+              <a:cs typeface="Consolas" pitchFamily="49" charset="0"/>
+            </a:endParaRPr>
+          </a:p>
+        </p:txBody>
+      </p:sp>
+      <p:pic>
+        <p:nvPicPr>
+          <p:cNvPr id="38914" name="Picture 2" descr="C:\NAKOV\Telerik-templates\Telerik-Logos\Telerik-logo-large-with-text.png"/>
+          <p:cNvPicPr>
+            <a:picLocks noChangeAspect="1" noChangeArrowheads="1"/>
+          </p:cNvPicPr>
+          <p:nvPr/>
+        </p:nvPicPr>
+        <p:blipFill>
+          <a:blip r:embed="rId2" cstate="print"/>
+          <a:srcRect l="-4348" t="-12756" r="-4348" b="-8419"/>
+          <a:stretch>
+            <a:fillRect/>
+          </a:stretch>
+        </p:blipFill>
+        <p:spPr bwMode="auto">
+          <a:xfrm>
+            <a:off x="5019675" y="4953000"/>
+            <a:ext cx="3609474" cy="1371600"/>
+          </a:xfrm>
+          <a:prstGeom prst="roundRect">
+            <a:avLst>
+              <a:gd name="adj" fmla="val 4167"/>
+            </a:avLst>
+          </a:prstGeom>
+          <a:solidFill>
+            <a:srgbClr val="FFFFFF"/>
+          </a:solidFill>
+        </p:spPr>
+      </p:pic>
+      <p:sp>
+        <p:nvSpPr>
+          <p:cNvPr id="6" name="Rectangle 5"/>
+          <p:cNvSpPr/>
+          <p:nvPr/>
+        </p:nvSpPr>
+        <p:spPr>
+          <a:xfrm>
+            <a:off x="6113693" y="4343400"/>
+            <a:ext cx="1420582" cy="477054"/>
+          </a:xfrm>
+          <a:prstGeom prst="rect">
+            <a:avLst/>
+          </a:prstGeom>
+        </p:spPr>
+        <p:txBody>
+          <a:bodyPr wrap="none">
+            <a:spAutoFit/>
+          </a:bodyPr>
+          <a:lstStyle/>
+          <a:p>
+            <a:r>
+              <a:rPr lang="en-US" b="1" dirty="0" smtClean="0"/>
+              <a:t>Sponsor:</a:t>
+            </a:r>
+            <a:endParaRPr lang="en-US" b="1" dirty="0"/>
+          </a:p>
+        </p:txBody>
+      </p:sp>
+      <p:sp>
+        <p:nvSpPr>
+          <p:cNvPr id="7" name="Slide Number Placeholder 3"/>
+          <p:cNvSpPr>
+            <a:spLocks noGrp="1"/>
+          </p:cNvSpPr>
+          <p:nvPr>
+            <p:ph type="sldNum" sz="quarter" idx="10"/>
+          </p:nvPr>
+        </p:nvSpPr>
+        <p:spPr>
+          <a:xfrm>
+            <a:off x="8610600" y="6553200"/>
+            <a:ext cx="457200" cy="228600"/>
+          </a:xfrm>
+        </p:spPr>
+        <p:txBody>
+          <a:bodyPr/>
+          <a:lstStyle/>
+          <a:p>
+            <a:pPr>
+              <a:defRPr/>
+            </a:pPr>
+            <a:fld id="{58452FF4-89E3-4D1B-9927-2DBDC00E58D7}" type="slidenum">
+              <a:rPr lang="en-US" smtClean="0"/>
+              <a:pPr>
+                <a:defRPr/>
+              </a:pPr>
+              <a:t>21</a:t>
+            </a:fld>
+            <a:endParaRPr lang="en-US" dirty="0"/>
+          </a:p>
+        </p:txBody>
+      </p:sp>
+    </p:spTree>
+  </p:cSld>
+  <p:clrMapOvr>
+    <a:masterClrMapping/>
+  </p:clrMapOvr>
+  <p:timing>
+    <p:tnLst>
+      <p:par>
+        <p:cTn id="1" dur="indefinite" restart="never" nodeType="tmRoot"/>
+      </p:par>
+    </p:tnLst>
+  </p:timing>
+</p:sld>
+</file>
+
+<file path=ppt/slides/slide22.xml><?xml version="1.0" encoding="utf-8"?>
+<p:sld xmlns:a="http://schemas.openxmlformats.org/drawingml/2006/main" xmlns:r="http://schemas.openxmlformats.org/officeDocument/2006/relationships" xmlns:p="http://schemas.openxmlformats.org/presentationml/2006/main">
+  <p:cSld>
+    <p:spTree>
+      <p:nvGrpSpPr>
+        <p:cNvPr id="1" name=""/>
+        <p:cNvGrpSpPr/>
+        <p:nvPr/>
+      </p:nvGrpSpPr>
+      <p:grpSpPr>
+        <a:xfrm>
+          <a:off x="0" y="0"/>
+          <a:ext cx="0" cy="0"/>
+          <a:chOff x="0" y="0"/>
+          <a:chExt cx="0" cy="0"/>
+        </a:xfrm>
+      </p:grpSpPr>
+      <p:pic>
+        <p:nvPicPr>
+          <p:cNvPr id="33794" name="Picture 2" descr="http://image.guardian.co.uk/sys-images/Arts/Arts_/Pictures/2007/02/06/books460.jpg"/>
+          <p:cNvPicPr>
+            <a:picLocks noChangeAspect="1" noChangeArrowheads="1"/>
+          </p:cNvPicPr>
+          <p:nvPr/>
+        </p:nvPicPr>
+        <p:blipFill>
+          <a:blip r:embed="rId2" cstate="print">
+            <a:lum bright="10000" contrast="10000"/>
+          </a:blip>
+          <a:srcRect/>
+          <a:stretch>
+            <a:fillRect/>
+          </a:stretch>
+        </p:blipFill>
+        <p:spPr bwMode="auto">
+          <a:xfrm>
+            <a:off x="2362200" y="1219200"/>
+            <a:ext cx="4381500" cy="3133725"/>
+          </a:xfrm>
+          <a:prstGeom prst="roundRect">
+            <a:avLst>
+              <a:gd name="adj" fmla="val 8594"/>
+            </a:avLst>
+          </a:prstGeom>
+          <a:solidFill>
+            <a:srgbClr val="FFFFFF">
+              <a:shade val="85000"/>
+            </a:srgbClr>
+          </a:solidFill>
+          <a:ln>
+            <a:noFill/>
+          </a:ln>
+          <a:effectLst>
+            <a:reflection blurRad="12700" stA="38000" endPos="28000" dist="5000" dir="5400000" sy="-100000" algn="bl" rotWithShape="0"/>
+          </a:effectLst>
+        </p:spPr>
+      </p:pic>
+      <p:sp>
+        <p:nvSpPr>
+          <p:cNvPr id="5" name="Title 4"/>
+          <p:cNvSpPr>
+            <a:spLocks noGrp="1"/>
+          </p:cNvSpPr>
+          <p:nvPr>
+            <p:ph type="ctrTitle"/>
+          </p:nvPr>
+        </p:nvSpPr>
+        <p:spPr>
+          <a:xfrm>
+            <a:off x="438150" y="5076039"/>
+            <a:ext cx="8229600" cy="685800"/>
+          </a:xfrm>
+        </p:spPr>
+        <p:txBody>
+          <a:bodyPr/>
+          <a:lstStyle/>
+          <a:p>
+            <a:r>
+              <a:rPr lang="en-US" dirty="0" smtClean="0"/>
+              <a:t>Recommended Books</a:t>
+            </a:r>
+            <a:endParaRPr lang="en-US" dirty="0"/>
+          </a:p>
+        </p:txBody>
+      </p:sp>
+    </p:spTree>
+  </p:cSld>
+  <p:clrMapOvr>
+    <a:masterClrMapping/>
+  </p:clrMapOvr>
+  <p:timing>
+    <p:tnLst>
+      <p:par>
+        <p:cTn id="1" dur="indefinite" restart="never" nodeType="tmRoot"/>
+      </p:par>
+    </p:tnLst>
+  </p:timing>
+</p:sld>
+</file>
+
+<file path=ppt/slides/slide23.xml><?xml version="1.0" encoding="utf-8"?>
+<p:sld xmlns:a="http://schemas.openxmlformats.org/drawingml/2006/main" xmlns:r="http://schemas.openxmlformats.org/officeDocument/2006/relationships" xmlns:p="http://schemas.openxmlformats.org/presentationml/2006/main">
+  <p:cSld>
+    <p:spTree>
+      <p:nvGrpSpPr>
+        <p:cNvPr id="1" name=""/>
+        <p:cNvGrpSpPr/>
+        <p:nvPr/>
+      </p:nvGrpSpPr>
+      <p:grpSpPr>
+        <a:xfrm>
+          <a:off x="0" y="0"/>
+          <a:ext cx="0" cy="0"/>
+          <a:chOff x="0" y="0"/>
+          <a:chExt cx="0" cy="0"/>
+        </a:xfrm>
+      </p:grpSpPr>
+      <p:sp>
+        <p:nvSpPr>
+          <p:cNvPr id="2" name="Title 1"/>
+          <p:cNvSpPr>
+            <a:spLocks noGrp="1"/>
+          </p:cNvSpPr>
+          <p:nvPr>
+            <p:ph type="title"/>
+          </p:nvPr>
+        </p:nvSpPr>
+        <p:spPr/>
+        <p:txBody>
+          <a:bodyPr/>
+          <a:lstStyle/>
+          <a:p>
+            <a:r>
+              <a:rPr lang="en-US" dirty="0" smtClean="0"/>
+              <a:t>Recommended Books</a:t>
+            </a:r>
+            <a:endParaRPr lang="en-US" dirty="0"/>
+          </a:p>
+        </p:txBody>
+      </p:sp>
+      <p:sp>
+        <p:nvSpPr>
+          <p:cNvPr id="3" name="Content Placeholder 2"/>
+          <p:cNvSpPr>
+            <a:spLocks noGrp="1"/>
+          </p:cNvSpPr>
+          <p:nvPr>
+            <p:ph idx="1"/>
+          </p:nvPr>
+        </p:nvSpPr>
+        <p:spPr>
+          <a:xfrm>
+            <a:off x="1828800" y="1066800"/>
+            <a:ext cx="7086600" cy="5638800"/>
+          </a:xfrm>
+        </p:spPr>
+        <p:txBody>
+          <a:bodyPr/>
+          <a:lstStyle/>
+          <a:p>
+            <a:pPr marL="0" lvl="0" indent="0">
+              <a:spcBef>
+                <a:spcPts val="1800"/>
+              </a:spcBef>
+              <a:buNone/>
+              <a:tabLst/>
+            </a:pPr>
+            <a:r>
+              <a:rPr lang="en-US" dirty="0" smtClean="0"/>
+              <a:t>Nakov S. &amp; Co., Programming for .NET Framework, Volume </a:t>
+            </a:r>
+            <a:r>
+              <a:rPr lang="en-US" dirty="0" smtClean="0">
+                <a:latin typeface="Consolas" pitchFamily="49" charset="0"/>
+                <a:cs typeface="Consolas" pitchFamily="49" charset="0"/>
+              </a:rPr>
+              <a:t>1</a:t>
+            </a:r>
+            <a:r>
+              <a:rPr lang="en-US" dirty="0" smtClean="0"/>
+              <a:t>, </a:t>
+            </a:r>
+            <a:r>
+              <a:rPr lang="en-US" dirty="0" smtClean="0"/>
+              <a:t>ISBN </a:t>
+            </a:r>
+            <a:r>
+              <a:rPr lang="en-US" dirty="0" smtClean="0">
+                <a:latin typeface="Consolas" pitchFamily="49" charset="0"/>
+                <a:cs typeface="Consolas" pitchFamily="49" charset="0"/>
+              </a:rPr>
+              <a:t>954-775-505-6</a:t>
+            </a:r>
+            <a:r>
+              <a:rPr lang="en-US" dirty="0" smtClean="0"/>
+              <a:t>, </a:t>
+            </a:r>
+            <a:r>
+              <a:rPr lang="en-US" u="sng" dirty="0" smtClean="0">
+                <a:hlinkClick r:id="rId2"/>
+              </a:rPr>
+              <a:t>www.devbg.org/dotnetbook/</a:t>
+            </a:r>
+            <a:endParaRPr lang="en-US" dirty="0" smtClean="0"/>
+          </a:p>
+          <a:p>
+            <a:pPr marL="0" indent="0">
+              <a:spcBef>
+                <a:spcPts val="1800"/>
+              </a:spcBef>
+              <a:buNone/>
+              <a:tabLst/>
+            </a:pPr>
+            <a:r>
+              <a:rPr lang="en-US" dirty="0" smtClean="0"/>
+              <a:t>Nakov S. &amp; Co., Programming for .NET Framework, Volume </a:t>
+            </a:r>
+            <a:r>
+              <a:rPr lang="en-US" dirty="0" smtClean="0">
+                <a:latin typeface="Consolas" pitchFamily="49" charset="0"/>
+                <a:cs typeface="Consolas" pitchFamily="49" charset="0"/>
+              </a:rPr>
+              <a:t>2</a:t>
+            </a:r>
+            <a:r>
+              <a:rPr lang="en-US" dirty="0" smtClean="0"/>
+              <a:t>, </a:t>
+            </a:r>
+            <a:r>
+              <a:rPr lang="en-US" dirty="0" smtClean="0"/>
+              <a:t>ISBN </a:t>
+            </a:r>
+            <a:r>
+              <a:rPr lang="en-US" dirty="0" smtClean="0">
+                <a:latin typeface="Consolas" pitchFamily="49" charset="0"/>
+                <a:cs typeface="Consolas" pitchFamily="49" charset="0"/>
+              </a:rPr>
+              <a:t>954-775-672-9</a:t>
+            </a:r>
+            <a:r>
+              <a:rPr lang="en-US" dirty="0" smtClean="0"/>
+              <a:t>, </a:t>
+            </a:r>
+            <a:r>
+              <a:rPr lang="en-US" u="sng" dirty="0" smtClean="0">
+                <a:hlinkClick r:id="rId2"/>
+              </a:rPr>
+              <a:t>www.devbg.org/dotnetbook/</a:t>
+            </a:r>
+            <a:endParaRPr lang="en-US" dirty="0" smtClean="0"/>
+          </a:p>
+          <a:p>
+            <a:pPr marL="0" lvl="0" indent="0">
+              <a:spcBef>
+                <a:spcPts val="1800"/>
+              </a:spcBef>
+              <a:buNone/>
+              <a:tabLst/>
+            </a:pPr>
+            <a:r>
+              <a:rPr lang="en-US" dirty="0" smtClean="0"/>
+              <a:t>MacDonald M., Beginning ASP.NET 3.5 in C# 2008 </a:t>
+            </a:r>
+            <a:r>
+              <a:rPr lang="en-US" dirty="0" smtClean="0"/>
+              <a:t>– From </a:t>
+            </a:r>
+            <a:r>
+              <a:rPr lang="en-US" dirty="0" smtClean="0"/>
+              <a:t>Novice </a:t>
+            </a:r>
+            <a:r>
+              <a:rPr lang="en-US" dirty="0" smtClean="0"/>
+              <a:t>to Professional</a:t>
+            </a:r>
+            <a:r>
+              <a:rPr lang="en-US" dirty="0" smtClean="0"/>
+              <a:t>, </a:t>
+            </a:r>
+            <a:r>
+              <a:rPr lang="en-US" dirty="0" smtClean="0"/>
+              <a:t>APress, </a:t>
+            </a:r>
+            <a:r>
+              <a:rPr lang="en-US" dirty="0" smtClean="0"/>
+              <a:t>ISBN </a:t>
+            </a:r>
+            <a:r>
+              <a:rPr lang="en-US" dirty="0" smtClean="0">
+                <a:latin typeface="Consolas" pitchFamily="49" charset="0"/>
+                <a:cs typeface="Consolas" pitchFamily="49" charset="0"/>
+              </a:rPr>
+              <a:t>978-1-59059-891-7</a:t>
+            </a:r>
+            <a:r>
+              <a:rPr lang="en-US" dirty="0" smtClean="0"/>
+              <a:t>, </a:t>
+            </a:r>
+            <a:r>
+              <a:rPr lang="en-US" u="sng" dirty="0" smtClean="0">
+                <a:hlinkClick r:id="rId3"/>
+              </a:rPr>
+              <a:t>http://tiny.cc/vk4Q0</a:t>
+            </a:r>
+            <a:endParaRPr lang="en-US" dirty="0">
+              <a:latin typeface="Consolas" pitchFamily="49" charset="0"/>
+              <a:cs typeface="Consolas" pitchFamily="49" charset="0"/>
+            </a:endParaRPr>
+          </a:p>
+        </p:txBody>
+      </p:sp>
+      <p:sp>
+        <p:nvSpPr>
+          <p:cNvPr id="4" name="Slide Number Placeholder 3"/>
+          <p:cNvSpPr>
+            <a:spLocks noGrp="1"/>
+          </p:cNvSpPr>
+          <p:nvPr>
+            <p:ph type="sldNum" sz="quarter" idx="10"/>
+          </p:nvPr>
+        </p:nvSpPr>
+        <p:spPr/>
+        <p:txBody>
+          <a:bodyPr/>
+          <a:lstStyle/>
+          <a:p>
+            <a:pPr>
+              <a:defRPr/>
+            </a:pPr>
+            <a:fld id="{58452FF4-89E3-4D1B-9927-2DBDC00E58D7}" type="slidenum">
+              <a:rPr lang="en-US" smtClean="0"/>
+              <a:pPr>
+                <a:defRPr/>
+              </a:pPr>
+              <a:t>23</a:t>
+            </a:fld>
+            <a:endParaRPr lang="en-US" dirty="0"/>
+          </a:p>
+        </p:txBody>
+      </p:sp>
+      <p:pic>
+        <p:nvPicPr>
+          <p:cNvPr id="2051" name="Picture 3"/>
+          <p:cNvPicPr>
+            <a:picLocks noChangeAspect="1" noChangeArrowheads="1"/>
+          </p:cNvPicPr>
+          <p:nvPr/>
+        </p:nvPicPr>
+        <p:blipFill>
+          <a:blip r:embed="rId4" cstate="print">
+            <a:lum contrast="10000"/>
+          </a:blip>
+          <a:srcRect/>
+          <a:stretch>
+            <a:fillRect/>
+          </a:stretch>
+        </p:blipFill>
+        <p:spPr bwMode="auto">
+          <a:xfrm>
+            <a:off x="304800" y="1020744"/>
+            <a:ext cx="1234225" cy="1676400"/>
+          </a:xfrm>
+          <a:prstGeom prst="rect">
+            <a:avLst/>
+          </a:prstGeom>
+          <a:noFill/>
+          <a:ln w="3175">
+            <a:solidFill>
+              <a:schemeClr val="accent5">
+                <a:lumMod val="75000"/>
+              </a:schemeClr>
+            </a:solidFill>
+            <a:miter lim="800000"/>
+            <a:headEnd/>
+            <a:tailEnd/>
+          </a:ln>
+          <a:effectLst>
+            <a:outerShdw blurRad="50800" dist="38100" dir="2700000" algn="tl" rotWithShape="0">
+              <a:schemeClr val="bg1">
+                <a:lumMod val="95000"/>
+                <a:lumOff val="5000"/>
+                <a:alpha val="40000"/>
+              </a:schemeClr>
+            </a:outerShdw>
+          </a:effectLst>
+        </p:spPr>
+      </p:pic>
+      <p:pic>
+        <p:nvPicPr>
+          <p:cNvPr id="2052" name="Picture 4"/>
+          <p:cNvPicPr>
+            <a:picLocks noChangeAspect="1" noChangeArrowheads="1"/>
+          </p:cNvPicPr>
+          <p:nvPr/>
+        </p:nvPicPr>
+        <p:blipFill>
+          <a:blip r:embed="rId5" cstate="print">
+            <a:lum contrast="10000"/>
+          </a:blip>
+          <a:srcRect/>
+          <a:stretch>
+            <a:fillRect/>
+          </a:stretch>
+        </p:blipFill>
+        <p:spPr bwMode="auto">
+          <a:xfrm>
+            <a:off x="304800" y="2895600"/>
+            <a:ext cx="1234225" cy="1676400"/>
+          </a:xfrm>
+          <a:prstGeom prst="rect">
+            <a:avLst/>
+          </a:prstGeom>
+          <a:noFill/>
+          <a:ln w="3175">
+            <a:solidFill>
+              <a:schemeClr val="accent5">
+                <a:lumMod val="75000"/>
+              </a:schemeClr>
+            </a:solidFill>
+            <a:miter lim="800000"/>
+            <a:headEnd/>
+            <a:tailEnd/>
+          </a:ln>
+          <a:effectLst>
+            <a:outerShdw blurRad="50800" dist="38100" dir="2700000" algn="tl" rotWithShape="0">
+              <a:schemeClr val="bg1">
+                <a:lumMod val="95000"/>
+                <a:lumOff val="5000"/>
+                <a:alpha val="40000"/>
+              </a:schemeClr>
+            </a:outerShdw>
+          </a:effectLst>
+        </p:spPr>
+      </p:pic>
+      <p:pic>
+        <p:nvPicPr>
+          <p:cNvPr id="2054" name="Picture 6"/>
+          <p:cNvPicPr>
+            <a:picLocks noChangeAspect="1" noChangeArrowheads="1"/>
+          </p:cNvPicPr>
+          <p:nvPr/>
+        </p:nvPicPr>
+        <p:blipFill>
+          <a:blip r:embed="rId6" cstate="print">
+            <a:lum contrast="10000"/>
+          </a:blip>
+          <a:srcRect/>
+          <a:stretch>
+            <a:fillRect/>
+          </a:stretch>
+        </p:blipFill>
+        <p:spPr bwMode="auto">
+          <a:xfrm>
+            <a:off x="304800" y="4771623"/>
+            <a:ext cx="1234225" cy="1629177"/>
+          </a:xfrm>
+          <a:prstGeom prst="rect">
+            <a:avLst/>
+          </a:prstGeom>
+          <a:noFill/>
+          <a:ln w="3175">
+            <a:solidFill>
+              <a:schemeClr val="accent5">
+                <a:lumMod val="75000"/>
+              </a:schemeClr>
+            </a:solidFill>
+            <a:miter lim="800000"/>
+            <a:headEnd/>
+            <a:tailEnd/>
+          </a:ln>
+          <a:effectLst>
+            <a:outerShdw blurRad="50800" dist="38100" dir="2700000" algn="tl" rotWithShape="0">
+              <a:schemeClr val="bg1">
+                <a:lumMod val="95000"/>
+                <a:lumOff val="5000"/>
+                <a:alpha val="40000"/>
+              </a:schemeClr>
+            </a:outerShdw>
+          </a:effectLst>
+        </p:spPr>
+      </p:pic>
+    </p:spTree>
+  </p:cSld>
+  <p:clrMapOvr>
+    <a:masterClrMapping/>
+  </p:clrMapOvr>
+  <p:timing>
+    <p:tnLst>
+      <p:par>
+        <p:cTn id="1" dur="indefinite" restart="never" nodeType="tmRoot"/>
+      </p:par>
+    </p:tnLst>
+  </p:timing>
+</p:sld>
+</file>
+
+<file path=ppt/slides/slide24.xml><?xml version="1.0" encoding="utf-8"?>
+<p:sld xmlns:a="http://schemas.openxmlformats.org/drawingml/2006/main" xmlns:r="http://schemas.openxmlformats.org/officeDocument/2006/relationships" xmlns:p="http://schemas.openxmlformats.org/presentationml/2006/main">
+  <p:cSld>
+    <p:spTree>
+      <p:nvGrpSpPr>
+        <p:cNvPr id="1" name=""/>
+        <p:cNvGrpSpPr/>
+        <p:nvPr/>
+      </p:nvGrpSpPr>
+      <p:grpSpPr>
+        <a:xfrm>
+          <a:off x="0" y="0"/>
+          <a:ext cx="0" cy="0"/>
+          <a:chOff x="0" y="0"/>
+          <a:chExt cx="0" cy="0"/>
+        </a:xfrm>
+      </p:grpSpPr>
+      <p:sp>
+        <p:nvSpPr>
+          <p:cNvPr id="601090" name="Rectangle 2"/>
+          <p:cNvSpPr>
+            <a:spLocks noGrp="1" noChangeArrowheads="1"/>
+          </p:cNvSpPr>
+          <p:nvPr>
+            <p:ph type="title"/>
+          </p:nvPr>
+        </p:nvSpPr>
+        <p:spPr>
+          <a:xfrm>
+            <a:off x="1828800" y="152400"/>
+            <a:ext cx="7086600" cy="914400"/>
+          </a:xfrm>
+        </p:spPr>
+        <p:txBody>
+          <a:bodyPr/>
+          <a:lstStyle/>
+          <a:p>
+            <a:r>
+              <a:rPr lang="en-US" sz="3500" dirty="0" smtClean="0"/>
+              <a:t>Web Applications Development with .NET Framework </a:t>
+            </a:r>
+            <a:r>
+              <a:rPr lang="en-US" sz="3500" dirty="0" smtClean="0"/>
+              <a:t>and ASP.NET</a:t>
+            </a:r>
+            <a:endParaRPr lang="bg-BG" sz="3500" dirty="0"/>
+          </a:p>
+        </p:txBody>
+      </p:sp>
+      <p:sp>
+        <p:nvSpPr>
+          <p:cNvPr id="5" name="Content Placeholder 2"/>
+          <p:cNvSpPr>
+            <a:spLocks noGrp="1"/>
+          </p:cNvSpPr>
+          <p:nvPr>
+            <p:ph idx="1"/>
+          </p:nvPr>
+        </p:nvSpPr>
+        <p:spPr>
+          <a:xfrm>
+            <a:off x="1748416" y="2971799"/>
+            <a:ext cx="5642984" cy="1219201"/>
+          </a:xfrm>
+        </p:spPr>
+        <p:txBody>
+          <a:bodyPr wrap="none" lIns="0" tIns="0" rIns="0" bIns="0" anchor="ctr" anchorCtr="0">
+            <a:noAutofit/>
+          </a:bodyPr>
+          <a:lstStyle/>
+          <a:p>
+            <a:pPr marL="0" indent="0" algn="ctr">
+              <a:lnSpc>
+                <a:spcPct val="100000"/>
+              </a:lnSpc>
+              <a:spcBef>
+                <a:spcPts val="0"/>
+              </a:spcBef>
+              <a:spcAft>
+                <a:spcPts val="0"/>
+              </a:spcAft>
+              <a:buNone/>
+            </a:pPr>
+            <a:r>
+              <a:rPr lang="en-US" sz="7200" dirty="0" smtClean="0"/>
+              <a:t>Questions?</a:t>
+            </a:r>
+            <a:endParaRPr lang="en-US" sz="7200" dirty="0"/>
+          </a:p>
+        </p:txBody>
+      </p:sp>
+      <p:sp>
+        <p:nvSpPr>
+          <p:cNvPr id="6" name="TextBox 5"/>
+          <p:cNvSpPr txBox="1"/>
+          <p:nvPr/>
+        </p:nvSpPr>
+        <p:spPr>
+          <a:xfrm rot="12041701" flipH="1">
+            <a:off x="7298514" y="4376807"/>
+            <a:ext cx="949687" cy="1803953"/>
+          </a:xfrm>
+          <a:prstGeom prst="rect">
+            <a:avLst/>
+          </a:prstGeom>
+          <a:noFill/>
+        </p:spPr>
+        <p:txBody>
+          <a:bodyPr wrap="square" rtlCol="0">
+            <a:spAutoFit/>
+            <a:scene3d>
+              <a:camera prst="orthographicFront"/>
+              <a:lightRig rig="threePt" dir="t"/>
+            </a:scene3d>
+            <a:sp3d extrusionH="57150">
+              <a:bevelT w="38100" h="38100" prst="angle"/>
+            </a:sp3d>
+          </a:bodyPr>
+          <a:lstStyle/>
+          <a:p>
+            <a:r>
+              <a:rPr lang="en-US" sz="11500" b="1" dirty="0" smtClean="0">
+                <a:solidFill>
+                  <a:schemeClr val="tx1">
+                    <a:lumMod val="75000"/>
+                  </a:schemeClr>
+                </a:solidFill>
+                <a:effectLst>
+                  <a:reflection blurRad="6350" stA="55000" endA="300" endPos="45500" dir="5400000" sy="-100000" algn="bl" rotWithShape="0"/>
+                </a:effectLst>
+              </a:rPr>
+              <a:t>?</a:t>
+            </a:r>
+            <a:endParaRPr lang="en-US" sz="11500" b="1" dirty="0">
+              <a:solidFill>
+                <a:schemeClr val="tx1">
+                  <a:lumMod val="75000"/>
+                </a:schemeClr>
+              </a:solidFill>
+              <a:effectLst>
+                <a:reflection blurRad="6350" stA="55000" endA="300" endPos="45500" dir="5400000" sy="-100000" algn="bl" rotWithShape="0"/>
+              </a:effectLst>
+            </a:endParaRPr>
+          </a:p>
+        </p:txBody>
+      </p:sp>
+      <p:sp>
+        <p:nvSpPr>
+          <p:cNvPr id="7" name="TextBox 6"/>
+          <p:cNvSpPr txBox="1"/>
+          <p:nvPr/>
+        </p:nvSpPr>
+        <p:spPr>
+          <a:xfrm rot="3464797" flipH="1">
+            <a:off x="968763" y="4574331"/>
+            <a:ext cx="859648" cy="2404656"/>
+          </a:xfrm>
+          <a:prstGeom prst="rect">
+            <a:avLst/>
+          </a:prstGeom>
+          <a:noFill/>
+        </p:spPr>
+        <p:txBody>
+          <a:bodyPr wrap="square" rtlCol="0">
+            <a:spAutoFit/>
+            <a:scene3d>
+              <a:camera prst="orthographicFront"/>
+              <a:lightRig rig="threePt" dir="t"/>
+            </a:scene3d>
+            <a:sp3d extrusionH="57150">
+              <a:bevelT w="38100" h="38100"/>
+            </a:sp3d>
+          </a:bodyPr>
+          <a:lstStyle/>
+          <a:p>
+            <a:r>
+              <a:rPr lang="en-US" sz="14000" b="1" dirty="0" smtClean="0">
+                <a:solidFill>
+                  <a:srgbClr val="FFBF8B"/>
+                </a:solidFill>
+                <a:effectLst>
+                  <a:reflection blurRad="6350" stA="55000" endA="300" endPos="45500" dir="5400000" sy="-100000" algn="bl" rotWithShape="0"/>
+                </a:effectLst>
+                <a:latin typeface="Cambria" pitchFamily="18" charset="0"/>
+              </a:rPr>
+              <a:t>?</a:t>
+            </a:r>
+            <a:endParaRPr lang="en-US" sz="14000" b="1" dirty="0">
+              <a:solidFill>
+                <a:srgbClr val="FFBF8B"/>
+              </a:solidFill>
+              <a:effectLst>
+                <a:reflection blurRad="6350" stA="55000" endA="300" endPos="45500" dir="5400000" sy="-100000" algn="bl" rotWithShape="0"/>
+              </a:effectLst>
+              <a:latin typeface="Cambria" pitchFamily="18" charset="0"/>
+            </a:endParaRPr>
+          </a:p>
+        </p:txBody>
+      </p:sp>
+      <p:sp>
+        <p:nvSpPr>
+          <p:cNvPr id="8" name="TextBox 7"/>
+          <p:cNvSpPr txBox="1"/>
+          <p:nvPr/>
+        </p:nvSpPr>
+        <p:spPr>
+          <a:xfrm rot="9535351" flipH="1">
+            <a:off x="793612" y="1974335"/>
+            <a:ext cx="949687" cy="1401418"/>
+          </a:xfrm>
+          <a:prstGeom prst="rect">
+            <a:avLst/>
+          </a:prstGeom>
+          <a:noFill/>
+        </p:spPr>
+        <p:txBody>
+          <a:bodyPr wrap="square" rtlCol="0">
+            <a:spAutoFit/>
+            <a:scene3d>
+              <a:camera prst="isometricOffAxis1Right"/>
+              <a:lightRig rig="threePt" dir="t"/>
+            </a:scene3d>
+            <a:sp3d extrusionH="57150">
+              <a:bevelT w="38100" h="38100"/>
+            </a:sp3d>
+          </a:bodyPr>
+          <a:lstStyle/>
+          <a:p>
+            <a:r>
+              <a:rPr lang="en-US" sz="8800" dirty="0" smtClean="0">
+                <a:solidFill>
+                  <a:schemeClr val="accent5">
+                    <a:lumMod val="60000"/>
+                    <a:lumOff val="40000"/>
+                  </a:schemeClr>
+                </a:solidFill>
+                <a:effectLst>
+                  <a:reflection blurRad="6350" stA="55000" endA="300" endPos="45500" dir="5400000" sy="-100000" algn="bl" rotWithShape="0"/>
+                </a:effectLst>
+              </a:rPr>
+              <a:t>?</a:t>
+            </a:r>
+            <a:endParaRPr lang="en-US" sz="8800" dirty="0">
+              <a:solidFill>
+                <a:schemeClr val="accent5">
+                  <a:lumMod val="60000"/>
+                  <a:lumOff val="40000"/>
+                </a:schemeClr>
+              </a:solidFill>
+              <a:effectLst>
+                <a:reflection blurRad="6350" stA="55000" endA="300" endPos="45500" dir="5400000" sy="-100000" algn="bl" rotWithShape="0"/>
+              </a:effectLst>
+            </a:endParaRPr>
+          </a:p>
+        </p:txBody>
+      </p:sp>
+      <p:sp>
+        <p:nvSpPr>
+          <p:cNvPr id="9" name="TextBox 8"/>
+          <p:cNvSpPr txBox="1"/>
+          <p:nvPr/>
+        </p:nvSpPr>
+        <p:spPr>
+          <a:xfrm rot="16938170" flipH="1">
+            <a:off x="4905823" y="1007426"/>
+            <a:ext cx="859648" cy="1992899"/>
+          </a:xfrm>
+          <a:prstGeom prst="rect">
+            <a:avLst/>
+          </a:prstGeom>
+          <a:noFill/>
+        </p:spPr>
+        <p:txBody>
+          <a:bodyPr wrap="square" rtlCol="0">
+            <a:spAutoFit/>
+            <a:scene3d>
+              <a:camera prst="orthographicFront"/>
+              <a:lightRig rig="threePt" dir="t"/>
+            </a:scene3d>
+            <a:sp3d extrusionH="57150">
+              <a:bevelT w="38100" h="38100"/>
+            </a:sp3d>
+          </a:bodyPr>
+          <a:lstStyle/>
+          <a:p>
+            <a:r>
+              <a:rPr lang="en-US" sz="11500" b="1" dirty="0" smtClean="0">
+                <a:solidFill>
+                  <a:srgbClr val="FF831D"/>
+                </a:solidFill>
+                <a:effectLst>
+                  <a:reflection blurRad="6350" stA="55000" endA="300" endPos="45500" dir="5400000" sy="-100000" algn="bl" rotWithShape="0"/>
+                </a:effectLst>
+              </a:rPr>
+              <a:t>?</a:t>
+            </a:r>
+            <a:endParaRPr lang="en-US" sz="11500" b="1" dirty="0">
+              <a:solidFill>
+                <a:srgbClr val="FF831D"/>
+              </a:solidFill>
+              <a:effectLst>
+                <a:reflection blurRad="6350" stA="55000" endA="300" endPos="45500" dir="5400000" sy="-100000" algn="bl" rotWithShape="0"/>
+              </a:effectLst>
+            </a:endParaRPr>
+          </a:p>
+        </p:txBody>
+      </p:sp>
+      <p:sp>
+        <p:nvSpPr>
+          <p:cNvPr id="10" name="TextBox 9"/>
+          <p:cNvSpPr txBox="1"/>
+          <p:nvPr/>
+        </p:nvSpPr>
+        <p:spPr>
+          <a:xfrm rot="19836951" flipH="1">
+            <a:off x="7434275" y="1104110"/>
+            <a:ext cx="949687" cy="2492990"/>
+          </a:xfrm>
+          <a:prstGeom prst="rect">
+            <a:avLst/>
+          </a:prstGeom>
+          <a:noFill/>
+        </p:spPr>
+        <p:txBody>
+          <a:bodyPr wrap="square" rtlCol="0">
+            <a:spAutoFit/>
+            <a:scene3d>
+              <a:camera prst="orthographicFront"/>
+              <a:lightRig rig="glow" dir="tl">
+                <a:rot lat="0" lon="0" rev="5400000"/>
+              </a:lightRig>
+            </a:scene3d>
+            <a:sp3d contourW="12700">
+              <a:bevelT w="25400" h="25400"/>
+              <a:contourClr>
+                <a:schemeClr val="accent6">
+                  <a:shade val="73000"/>
+                </a:schemeClr>
+              </a:contourClr>
+            </a:sp3d>
+          </a:bodyPr>
+          <a:lstStyle/>
+          <a:p>
+            <a:r>
+              <a:rPr lang="en-US" sz="15600" b="1" dirty="0" smtClean="0">
+                <a:ln w="11430"/>
+                <a:gradFill>
+                  <a:gsLst>
+                    <a:gs pos="0">
+                      <a:schemeClr val="accent6">
+                        <a:tint val="90000"/>
+                        <a:satMod val="120000"/>
+                      </a:schemeClr>
+                    </a:gs>
+                    <a:gs pos="25000">
+                      <a:schemeClr val="accent6">
+                        <a:tint val="93000"/>
+                        <a:satMod val="120000"/>
+                      </a:schemeClr>
+                    </a:gs>
+                    <a:gs pos="50000">
+                      <a:schemeClr val="accent6">
+                        <a:shade val="89000"/>
+                        <a:satMod val="110000"/>
+                      </a:schemeClr>
+                    </a:gs>
+                    <a:gs pos="75000">
+                      <a:schemeClr val="accent6">
+                        <a:tint val="93000"/>
+                        <a:satMod val="120000"/>
+                      </a:schemeClr>
+                    </a:gs>
+                    <a:gs pos="100000">
+                      <a:schemeClr val="accent6">
+                        <a:tint val="90000"/>
+                        <a:satMod val="120000"/>
+                      </a:schemeClr>
+                    </a:gs>
+                  </a:gsLst>
+                  <a:lin ang="5400000"/>
+                </a:gradFill>
+                <a:effectLst>
+                  <a:innerShdw blurRad="63500" dist="50800" dir="8100000">
+                    <a:prstClr val="black">
+                      <a:alpha val="50000"/>
+                    </a:prstClr>
+                  </a:innerShdw>
+                  <a:reflection blurRad="6350" stA="55000" endA="300" endPos="45500" dir="5400000" sy="-100000" algn="bl" rotWithShape="0"/>
+                </a:effectLst>
+              </a:rPr>
+              <a:t>?</a:t>
+            </a:r>
+            <a:endParaRPr lang="en-US" sz="15600" b="1" dirty="0">
+              <a:ln w="11430"/>
+              <a:gradFill>
+                <a:gsLst>
+                  <a:gs pos="0">
+                    <a:schemeClr val="accent6">
+                      <a:tint val="90000"/>
+                      <a:satMod val="120000"/>
+                    </a:schemeClr>
+                  </a:gs>
+                  <a:gs pos="25000">
+                    <a:schemeClr val="accent6">
+                      <a:tint val="93000"/>
+                      <a:satMod val="120000"/>
+                    </a:schemeClr>
+                  </a:gs>
+                  <a:gs pos="50000">
+                    <a:schemeClr val="accent6">
+                      <a:shade val="89000"/>
+                      <a:satMod val="110000"/>
+                    </a:schemeClr>
+                  </a:gs>
+                  <a:gs pos="75000">
+                    <a:schemeClr val="accent6">
+                      <a:tint val="93000"/>
+                      <a:satMod val="120000"/>
+                    </a:schemeClr>
+                  </a:gs>
+                  <a:gs pos="100000">
+                    <a:schemeClr val="accent6">
+                      <a:tint val="90000"/>
+                      <a:satMod val="120000"/>
+                    </a:schemeClr>
+                  </a:gs>
+                </a:gsLst>
+                <a:lin ang="5400000"/>
+              </a:gradFill>
+              <a:effectLst>
+                <a:innerShdw blurRad="63500" dist="50800" dir="8100000">
+                  <a:prstClr val="black">
+                    <a:alpha val="50000"/>
+                  </a:prstClr>
+                </a:innerShdw>
+                <a:reflection blurRad="6350" stA="55000" endA="300" endPos="45500" dir="5400000" sy="-100000" algn="bl" rotWithShape="0"/>
+              </a:effectLst>
+            </a:endParaRPr>
+          </a:p>
+        </p:txBody>
+      </p:sp>
+      <p:sp>
+        <p:nvSpPr>
+          <p:cNvPr id="11" name="TextBox 10"/>
+          <p:cNvSpPr txBox="1"/>
+          <p:nvPr/>
+        </p:nvSpPr>
+        <p:spPr>
+          <a:xfrm rot="2233443" flipH="1">
+            <a:off x="2277485" y="1202946"/>
+            <a:ext cx="584096" cy="924339"/>
+          </a:xfrm>
+          <a:prstGeom prst="rect">
+            <a:avLst/>
+          </a:prstGeom>
+          <a:noFill/>
+        </p:spPr>
+        <p:txBody>
+          <a:bodyPr wrap="square" rtlCol="0">
+            <a:spAutoFit/>
+            <a:scene3d>
+              <a:camera prst="perspectiveHeroicExtremeLeftFacing"/>
+              <a:lightRig rig="threePt" dir="t"/>
+            </a:scene3d>
+            <a:sp3d extrusionH="57150">
+              <a:bevelT w="38100" h="38100"/>
+            </a:sp3d>
+          </a:bodyPr>
+          <a:lstStyle/>
+          <a:p>
+            <a:r>
+              <a:rPr lang="en-US" sz="5600" dirty="0" smtClean="0">
+                <a:solidFill>
+                  <a:schemeClr val="tx2">
+                    <a:lumMod val="75000"/>
+                  </a:schemeClr>
+                </a:solidFill>
+                <a:effectLst>
+                  <a:reflection blurRad="6350" stA="55000" endA="300" endPos="45500" dir="5400000" sy="-100000" algn="bl" rotWithShape="0"/>
+                </a:effectLst>
+              </a:rPr>
+              <a:t>?</a:t>
+            </a:r>
+            <a:endParaRPr lang="en-US" sz="5600" dirty="0">
+              <a:solidFill>
+                <a:schemeClr val="tx2">
+                  <a:lumMod val="75000"/>
+                </a:schemeClr>
+              </a:solidFill>
+              <a:effectLst>
+                <a:reflection blurRad="6350" stA="55000" endA="300" endPos="45500" dir="5400000" sy="-100000" algn="bl" rotWithShape="0"/>
+              </a:effectLst>
+            </a:endParaRPr>
+          </a:p>
+        </p:txBody>
+      </p:sp>
+      <p:sp>
+        <p:nvSpPr>
+          <p:cNvPr id="12" name="TextBox 11"/>
+          <p:cNvSpPr txBox="1"/>
+          <p:nvPr/>
+        </p:nvSpPr>
+        <p:spPr>
+          <a:xfrm rot="8530737" flipH="1">
+            <a:off x="4871755" y="4604327"/>
+            <a:ext cx="643173" cy="1569660"/>
+          </a:xfrm>
+          <a:prstGeom prst="rect">
+            <a:avLst/>
+          </a:prstGeom>
+          <a:noFill/>
+        </p:spPr>
+        <p:txBody>
+          <a:bodyPr wrap="square" rtlCol="0">
+            <a:spAutoFit/>
+            <a:scene3d>
+              <a:camera prst="orthographicFront"/>
+              <a:lightRig rig="threePt" dir="t"/>
+            </a:scene3d>
+            <a:sp3d extrusionH="57150">
+              <a:bevelT w="38100" h="38100"/>
+            </a:sp3d>
+          </a:bodyPr>
+          <a:lstStyle/>
+          <a:p>
+            <a:r>
+              <a:rPr lang="en-US" sz="9600" dirty="0" smtClean="0">
+                <a:solidFill>
+                  <a:srgbClr val="FF4A37"/>
+                </a:solidFill>
+                <a:effectLst>
+                  <a:reflection blurRad="6350" stA="60000" endA="900" endPos="60000" dist="29997" dir="5400000" sy="-100000" algn="bl" rotWithShape="0"/>
+                </a:effectLst>
+              </a:rPr>
+              <a:t>?</a:t>
+            </a:r>
+            <a:endParaRPr lang="en-US" sz="9600" dirty="0">
+              <a:solidFill>
+                <a:srgbClr val="FF4A37"/>
+              </a:solidFill>
+              <a:effectLst>
+                <a:reflection blurRad="6350" stA="60000" endA="900" endPos="60000" dist="29997" dir="5400000" sy="-100000" algn="bl" rotWithShape="0"/>
+              </a:effectLst>
+            </a:endParaRPr>
+          </a:p>
+        </p:txBody>
+      </p:sp>
+      <p:sp>
+        <p:nvSpPr>
+          <p:cNvPr id="13" name="TextBox 12"/>
+          <p:cNvSpPr txBox="1"/>
+          <p:nvPr/>
+        </p:nvSpPr>
+        <p:spPr>
+          <a:xfrm rot="12627025" flipH="1">
+            <a:off x="2726518" y="4222010"/>
+            <a:ext cx="584096" cy="626166"/>
+          </a:xfrm>
+          <a:prstGeom prst="rect">
+            <a:avLst/>
+          </a:prstGeom>
+          <a:noFill/>
+        </p:spPr>
+        <p:txBody>
+          <a:bodyPr wrap="square" rtlCol="0">
+            <a:spAutoFit/>
+            <a:scene3d>
+              <a:camera prst="orthographicFront"/>
+              <a:lightRig rig="threePt" dir="t"/>
+            </a:scene3d>
+            <a:sp3d extrusionH="57150">
+              <a:bevelT w="38100" h="38100"/>
+            </a:sp3d>
+          </a:bodyPr>
+          <a:lstStyle/>
+          <a:p>
+            <a:r>
+              <a:rPr lang="en-US" sz="3600" dirty="0" smtClean="0">
+                <a:solidFill>
+                  <a:schemeClr val="tx2">
+                    <a:lumMod val="40000"/>
+                    <a:lumOff val="60000"/>
+                  </a:schemeClr>
+                </a:solidFill>
+                <a:effectLst>
+                  <a:reflection blurRad="6350" stA="55000" endA="300" endPos="45500" dir="5400000" sy="-100000" algn="bl" rotWithShape="0"/>
+                </a:effectLst>
+              </a:rPr>
+              <a:t>?</a:t>
+            </a:r>
+            <a:endParaRPr lang="en-US" sz="3600" dirty="0">
+              <a:solidFill>
+                <a:schemeClr val="tx2">
+                  <a:lumMod val="40000"/>
+                  <a:lumOff val="60000"/>
+                </a:schemeClr>
+              </a:solidFill>
+              <a:effectLst>
+                <a:reflection blurRad="6350" stA="55000" endA="300" endPos="45500" dir="5400000" sy="-100000" algn="bl" rotWithShape="0"/>
+              </a:effectLst>
+            </a:endParaRPr>
+          </a:p>
+        </p:txBody>
+      </p:sp>
+      <p:sp>
+        <p:nvSpPr>
+          <p:cNvPr id="15" name="TextBox 14"/>
+          <p:cNvSpPr txBox="1"/>
+          <p:nvPr/>
+        </p:nvSpPr>
+        <p:spPr>
+          <a:xfrm rot="1186146" flipH="1">
+            <a:off x="6185957" y="4166602"/>
+            <a:ext cx="499379" cy="1107996"/>
+          </a:xfrm>
+          <a:prstGeom prst="rect">
+            <a:avLst/>
+          </a:prstGeom>
+          <a:noFill/>
+        </p:spPr>
+        <p:txBody>
+          <a:bodyPr wrap="square" rtlCol="0">
+            <a:spAutoFit/>
+            <a:scene3d>
+              <a:camera prst="orthographicFront"/>
+              <a:lightRig rig="threePt" dir="t"/>
+            </a:scene3d>
+            <a:sp3d extrusionH="57150">
+              <a:bevelT w="69850" h="69850" prst="divot"/>
+            </a:sp3d>
+          </a:bodyPr>
+          <a:lstStyle/>
+          <a:p>
+            <a:r>
+              <a:rPr lang="en-US" sz="6600" dirty="0" smtClean="0">
+                <a:solidFill>
+                  <a:srgbClr val="9966FF"/>
+                </a:solidFill>
+                <a:effectLst>
+                  <a:reflection blurRad="6350" stA="55000" endA="300" endPos="45500" dir="5400000" sy="-100000" algn="bl" rotWithShape="0"/>
+                </a:effectLst>
+              </a:rPr>
+              <a:t>?</a:t>
+            </a:r>
+            <a:endParaRPr lang="en-US" sz="6600" dirty="0">
+              <a:solidFill>
+                <a:srgbClr val="9966FF"/>
+              </a:solidFill>
+              <a:effectLst>
+                <a:reflection blurRad="6350" stA="55000" endA="300" endPos="45500" dir="5400000" sy="-100000" algn="bl" rotWithShape="0"/>
+              </a:effectLst>
+            </a:endParaRPr>
+          </a:p>
+        </p:txBody>
+      </p:sp>
+      <p:sp>
+        <p:nvSpPr>
+          <p:cNvPr id="14" name="TextBox 13"/>
+          <p:cNvSpPr txBox="1"/>
+          <p:nvPr/>
+        </p:nvSpPr>
+        <p:spPr>
+          <a:xfrm rot="19460650" flipH="1">
+            <a:off x="3142397" y="2204058"/>
+            <a:ext cx="489197" cy="769441"/>
+          </a:xfrm>
+          <a:prstGeom prst="rect">
+            <a:avLst/>
+          </a:prstGeom>
+          <a:noFill/>
+        </p:spPr>
+        <p:txBody>
+          <a:bodyPr wrap="square" rtlCol="0">
+            <a:prstTxWarp prst="textInflate">
+              <a:avLst/>
+            </a:prstTxWarp>
+            <a:spAutoFit/>
+            <a:scene3d>
+              <a:camera prst="perspectiveRelaxedModerately"/>
+              <a:lightRig rig="threePt" dir="t"/>
+            </a:scene3d>
+            <a:sp3d extrusionH="57150">
+              <a:bevelT w="38100" h="38100"/>
+            </a:sp3d>
+          </a:bodyPr>
+          <a:lstStyle/>
+          <a:p>
+            <a:r>
+              <a:rPr lang="en-US" sz="4400" dirty="0" smtClean="0">
+                <a:solidFill>
+                  <a:srgbClr val="FF6699"/>
+                </a:solidFill>
+                <a:effectLst>
+                  <a:reflection blurRad="6350" stA="55000" endA="300" endPos="45500" dir="5400000" sy="-100000" algn="bl" rotWithShape="0"/>
+                </a:effectLst>
+              </a:rPr>
+              <a:t>?</a:t>
+            </a:r>
+            <a:endParaRPr lang="en-US" sz="4400" dirty="0">
+              <a:solidFill>
+                <a:srgbClr val="FF6699"/>
+              </a:solidFill>
+              <a:effectLst>
+                <a:reflection blurRad="6350" stA="55000" endA="300" endPos="45500" dir="5400000" sy="-100000" algn="bl" rotWithShape="0"/>
+              </a:effectLst>
+            </a:endParaRPr>
+          </a:p>
+        </p:txBody>
+      </p:sp>
+      <p:sp>
+        <p:nvSpPr>
+          <p:cNvPr id="16" name="TextBox 15"/>
+          <p:cNvSpPr txBox="1"/>
+          <p:nvPr/>
+        </p:nvSpPr>
+        <p:spPr>
+          <a:xfrm>
+            <a:off x="4572000" y="6172200"/>
+            <a:ext cx="4496744" cy="461665"/>
+          </a:xfrm>
+          <a:prstGeom prst="rect">
+            <a:avLst/>
+          </a:prstGeom>
+          <a:noFill/>
+        </p:spPr>
+        <p:txBody>
+          <a:bodyPr wrap="none" rtlCol="0">
+            <a:spAutoFit/>
+          </a:bodyPr>
+          <a:lstStyle/>
+          <a:p>
+            <a:r>
+              <a:rPr lang="en-US" sz="2400" b="1" dirty="0" smtClean="0">
+                <a:hlinkClick r:id="rId2"/>
+              </a:rPr>
+              <a:t>http://</a:t>
+            </a:r>
+            <a:r>
+              <a:rPr lang="en-US" sz="2400" b="1" dirty="0" smtClean="0">
+                <a:hlinkClick r:id="rId2"/>
+              </a:rPr>
+              <a:t>aspnetcourse.telerik.com</a:t>
+            </a:r>
+            <a:endParaRPr lang="en-US" sz="2400" b="1" dirty="0"/>
+          </a:p>
+        </p:txBody>
+      </p:sp>
+    </p:spTree>
+  </p:cSld>
+  <p:clrMapOvr>
+    <a:masterClrMapping/>
+  </p:clrMapOvr>
+  <p:transition/>
+  <p:timing>
+    <p:tnLst>
+      <p:par>
+        <p:cTn id="1" dur="indefinite" restart="never" nodeType="tmRoot"/>
+      </p:par>
+    </p:tnLst>
+  </p:timing>
+</p:sld>
+</file>
+
+<file path=ppt/slides/slide3.xml><?xml version="1.0" encoding="utf-8"?>
+<p:sld xmlns:a="http://schemas.openxmlformats.org/drawingml/2006/main" xmlns:r="http://schemas.openxmlformats.org/officeDocument/2006/relationships" xmlns:p="http://schemas.openxmlformats.org/presentationml/2006/main">
+  <p:cSld>
+    <p:spTree>
+      <p:nvGrpSpPr>
+        <p:cNvPr id="1" name=""/>
+        <p:cNvGrpSpPr/>
+        <p:nvPr/>
+      </p:nvGrpSpPr>
+      <p:grpSpPr>
+        <a:xfrm>
+          <a:off x="0" y="0"/>
+          <a:ext cx="0" cy="0"/>
+          <a:chOff x="0" y="0"/>
+          <a:chExt cx="0" cy="0"/>
+        </a:xfrm>
+      </p:grpSpPr>
+      <p:sp>
+        <p:nvSpPr>
+          <p:cNvPr id="2" name="Title 1"/>
+          <p:cNvSpPr>
+            <a:spLocks noGrp="1"/>
+          </p:cNvSpPr>
+          <p:nvPr>
+            <p:ph type="title"/>
+          </p:nvPr>
+        </p:nvSpPr>
+        <p:spPr/>
+        <p:txBody>
+          <a:bodyPr/>
+          <a:lstStyle/>
+          <a:p>
+            <a:r>
+              <a:rPr lang="en-US" dirty="0" smtClean="0"/>
+              <a:t>Requirements to the Students</a:t>
+            </a:r>
+            <a:endParaRPr lang="en-US" dirty="0"/>
+          </a:p>
+        </p:txBody>
+      </p:sp>
+      <p:sp>
+        <p:nvSpPr>
+          <p:cNvPr id="3" name="Content Placeholder 2"/>
+          <p:cNvSpPr>
+            <a:spLocks noGrp="1"/>
+          </p:cNvSpPr>
+          <p:nvPr>
+            <p:ph idx="1"/>
+          </p:nvPr>
+        </p:nvSpPr>
+        <p:spPr/>
+        <p:txBody>
+          <a:bodyPr/>
+          <a:lstStyle/>
+          <a:p>
+            <a:pPr lvl="0"/>
+            <a:r>
+              <a:rPr lang="en-US" dirty="0" smtClean="0"/>
+              <a:t>Computer programming skills</a:t>
+            </a:r>
+          </a:p>
+          <a:p>
+            <a:pPr lvl="1"/>
+            <a:r>
+              <a:rPr lang="en-US" dirty="0" smtClean="0"/>
+              <a:t>One </a:t>
+            </a:r>
+            <a:r>
+              <a:rPr lang="en-US" dirty="0" smtClean="0"/>
+              <a:t>of the following languages:</a:t>
+            </a:r>
+          </a:p>
+          <a:p>
+            <a:pPr lvl="2"/>
+            <a:r>
+              <a:rPr lang="en-US" dirty="0" smtClean="0"/>
+              <a:t>C#, Java or C++</a:t>
+            </a:r>
+          </a:p>
+          <a:p>
+            <a:pPr lvl="0"/>
+            <a:r>
+              <a:rPr lang="en-US" dirty="0" smtClean="0"/>
+              <a:t>Object-oriented programming</a:t>
+            </a:r>
+          </a:p>
+          <a:p>
+            <a:pPr lvl="1"/>
+            <a:r>
+              <a:rPr lang="en-US" dirty="0" smtClean="0"/>
+              <a:t>Abstraction, encapsulation, inheritance, polymorphism, exceptions handling</a:t>
+            </a:r>
+          </a:p>
+          <a:p>
+            <a:pPr lvl="0"/>
+            <a:r>
+              <a:rPr lang="en-US" dirty="0" smtClean="0"/>
+              <a:t>English language</a:t>
+            </a:r>
+          </a:p>
+          <a:p>
+            <a:pPr lvl="1"/>
+            <a:r>
+              <a:rPr lang="en-US" dirty="0" smtClean="0"/>
+              <a:t>All training materials are in English (intentionally, Telerik Academy policy)</a:t>
+            </a:r>
+            <a:endParaRPr lang="en-US" dirty="0"/>
+          </a:p>
+        </p:txBody>
+      </p:sp>
+      <p:sp>
+        <p:nvSpPr>
+          <p:cNvPr id="4" name="Slide Number Placeholder 3"/>
+          <p:cNvSpPr>
+            <a:spLocks noGrp="1"/>
+          </p:cNvSpPr>
+          <p:nvPr>
+            <p:ph type="sldNum" sz="quarter" idx="10"/>
+          </p:nvPr>
+        </p:nvSpPr>
+        <p:spPr/>
+        <p:txBody>
+          <a:bodyPr/>
+          <a:lstStyle/>
+          <a:p>
+            <a:pPr>
+              <a:defRPr/>
+            </a:pPr>
+            <a:fld id="{58452FF4-89E3-4D1B-9927-2DBDC00E58D7}" type="slidenum">
+              <a:rPr lang="en-US" smtClean="0"/>
+              <a:pPr>
+                <a:defRPr/>
+              </a:pPr>
+              <a:t>3</a:t>
+            </a:fld>
+            <a:endParaRPr lang="en-US" dirty="0"/>
+          </a:p>
+        </p:txBody>
+      </p:sp>
+      <p:pic>
+        <p:nvPicPr>
+          <p:cNvPr id="24580" name="Picture 4" descr="http://www.toursisaket.com/marketplace/propic/picture1257480080.jpg"/>
+          <p:cNvPicPr>
+            <a:picLocks noChangeAspect="1" noChangeArrowheads="1"/>
+          </p:cNvPicPr>
+          <p:nvPr/>
+        </p:nvPicPr>
+        <p:blipFill>
+          <a:blip r:embed="rId2" cstate="print"/>
+          <a:srcRect/>
+          <a:stretch>
+            <a:fillRect/>
+          </a:stretch>
+        </p:blipFill>
+        <p:spPr bwMode="auto">
+          <a:xfrm>
+            <a:off x="6883400" y="1181100"/>
+            <a:ext cx="1879600" cy="1409700"/>
+          </a:xfrm>
+          <a:prstGeom prst="roundRect">
+            <a:avLst>
+              <a:gd name="adj" fmla="val 8594"/>
+            </a:avLst>
+          </a:prstGeom>
+          <a:solidFill>
+            <a:srgbClr val="FFFFFF">
+              <a:shade val="85000"/>
+            </a:srgbClr>
+          </a:solidFill>
+          <a:ln>
+            <a:noFill/>
+          </a:ln>
+          <a:effectLst>
+            <a:reflection blurRad="12700" stA="38000" endPos="28000" dist="5000" dir="5400000" sy="-100000" algn="bl" rotWithShape="0"/>
+          </a:effectLst>
+        </p:spPr>
+      </p:pic>
+      <p:pic>
+        <p:nvPicPr>
+          <p:cNvPr id="24582" name="Picture 6" descr="http://www.gites-au-monteil.fr/img/english.jpg"/>
+          <p:cNvPicPr>
+            <a:picLocks noChangeAspect="1" noChangeArrowheads="1"/>
+          </p:cNvPicPr>
+          <p:nvPr/>
+        </p:nvPicPr>
+        <p:blipFill>
+          <a:blip r:embed="rId3" cstate="print"/>
+          <a:srcRect/>
+          <a:stretch>
+            <a:fillRect/>
+          </a:stretch>
+        </p:blipFill>
+        <p:spPr bwMode="auto">
+          <a:xfrm>
+            <a:off x="7594514" y="4916584"/>
+            <a:ext cx="1158961" cy="722216"/>
+          </a:xfrm>
+          <a:prstGeom prst="roundRect">
+            <a:avLst>
+              <a:gd name="adj" fmla="val 8091"/>
+            </a:avLst>
+          </a:prstGeom>
+          <a:noFill/>
+        </p:spPr>
+      </p:pic>
+      <p:pic>
+        <p:nvPicPr>
+          <p:cNvPr id="24583" name="Picture 7" descr="C:\Trash\oop.png"/>
+          <p:cNvPicPr>
+            <a:picLocks noChangeAspect="1" noChangeArrowheads="1"/>
+          </p:cNvPicPr>
+          <p:nvPr/>
+        </p:nvPicPr>
+        <p:blipFill>
+          <a:blip r:embed="rId4" cstate="print"/>
+          <a:srcRect/>
+          <a:stretch>
+            <a:fillRect/>
+          </a:stretch>
+        </p:blipFill>
+        <p:spPr bwMode="auto">
+          <a:xfrm>
+            <a:off x="7772400" y="3022600"/>
+            <a:ext cx="990600" cy="1320800"/>
+          </a:xfrm>
+          <a:prstGeom prst="rect">
+            <a:avLst/>
+          </a:prstGeom>
+          <a:noFill/>
+          <a:effectLst>
+            <a:softEdge rad="31750"/>
+          </a:effectLst>
+        </p:spPr>
+      </p:pic>
+    </p:spTree>
+  </p:cSld>
+  <p:clrMapOvr>
+    <a:masterClrMapping/>
+  </p:clrMapOvr>
+  <p:timing>
+    <p:tnLst>
+      <p:par>
+        <p:cTn id="1" dur="indefinite" restart="never" nodeType="tmRoot"/>
+      </p:par>
+    </p:tnLst>
+  </p:timing>
+</p:sld>
+</file>
+
+<file path=ppt/slides/slide4.xml><?xml version="1.0" encoding="utf-8"?>
+<p:sld xmlns:a="http://schemas.openxmlformats.org/drawingml/2006/main" xmlns:r="http://schemas.openxmlformats.org/officeDocument/2006/relationships" xmlns:p="http://schemas.openxmlformats.org/presentationml/2006/main">
+  <p:cSld>
+    <p:spTree>
+      <p:nvGrpSpPr>
+        <p:cNvPr id="1" name=""/>
+        <p:cNvGrpSpPr/>
+        <p:nvPr/>
+      </p:nvGrpSpPr>
+      <p:grpSpPr>
+        <a:xfrm>
+          <a:off x="0" y="0"/>
+          <a:ext cx="0" cy="0"/>
+          <a:chOff x="0" y="0"/>
+          <a:chExt cx="0" cy="0"/>
+        </a:xfrm>
+      </p:grpSpPr>
+      <p:sp>
+        <p:nvSpPr>
+          <p:cNvPr id="4" name="Title 3"/>
+          <p:cNvSpPr>
+            <a:spLocks noGrp="1"/>
+          </p:cNvSpPr>
+          <p:nvPr>
+            <p:ph type="title"/>
+          </p:nvPr>
+        </p:nvSpPr>
+        <p:spPr/>
+        <p:txBody>
+          <a:bodyPr/>
+          <a:lstStyle/>
+          <a:p>
+            <a:r>
+              <a:rPr lang="en-US" dirty="0" smtClean="0"/>
+              <a:t>Course Schedule</a:t>
+            </a:r>
+            <a:endParaRPr lang="en-US" dirty="0"/>
+          </a:p>
+        </p:txBody>
+      </p:sp>
+      <p:sp>
+        <p:nvSpPr>
+          <p:cNvPr id="5" name="Content Placeholder 4"/>
+          <p:cNvSpPr>
+            <a:spLocks noGrp="1"/>
+          </p:cNvSpPr>
+          <p:nvPr>
+            <p:ph idx="1"/>
+          </p:nvPr>
+        </p:nvSpPr>
+        <p:spPr/>
+        <p:txBody>
+          <a:bodyPr/>
+          <a:lstStyle/>
+          <a:p>
+            <a:pPr lvl="0"/>
+            <a:r>
+              <a:rPr lang="en-US" dirty="0" smtClean="0"/>
+              <a:t>Technical University – Sofia</a:t>
+            </a:r>
+          </a:p>
+          <a:p>
+            <a:pPr lvl="1"/>
+            <a:r>
+              <a:rPr lang="en-US" dirty="0" smtClean="0"/>
+              <a:t>Every </a:t>
+            </a:r>
+            <a:r>
+              <a:rPr lang="en-US" dirty="0" smtClean="0"/>
+              <a:t>Monday, </a:t>
+            </a:r>
+            <a:r>
+              <a:rPr lang="en-US" dirty="0" smtClean="0"/>
+              <a:t>18:00-21:00, hall 1154</a:t>
+            </a:r>
+          </a:p>
+          <a:p>
+            <a:pPr lvl="1"/>
+            <a:r>
+              <a:rPr lang="en-US" dirty="0" smtClean="0"/>
+              <a:t>Start: 15 February </a:t>
+            </a:r>
+            <a:r>
+              <a:rPr lang="en-US" dirty="0" smtClean="0"/>
+              <a:t>2010</a:t>
+            </a:r>
+            <a:endParaRPr lang="en-US" dirty="0" smtClean="0"/>
+          </a:p>
+        </p:txBody>
+      </p:sp>
+      <p:pic>
+        <p:nvPicPr>
+          <p:cNvPr id="6" name="Picture 2" descr="http://www.vivantehoa.com/schedule_book.jpg"/>
+          <p:cNvPicPr>
+            <a:picLocks noChangeAspect="1" noChangeArrowheads="1"/>
+          </p:cNvPicPr>
+          <p:nvPr/>
+        </p:nvPicPr>
+        <p:blipFill>
+          <a:blip r:embed="rId2" cstate="print"/>
+          <a:srcRect l="1415" t="1563" r="1415" b="2083"/>
+          <a:stretch>
+            <a:fillRect/>
+          </a:stretch>
+        </p:blipFill>
+        <p:spPr bwMode="auto">
+          <a:xfrm>
+            <a:off x="2209800" y="3352800"/>
+            <a:ext cx="4724400" cy="2789254"/>
+          </a:xfrm>
+          <a:prstGeom prst="roundRect">
+            <a:avLst>
+              <a:gd name="adj" fmla="val 8594"/>
+            </a:avLst>
+          </a:prstGeom>
+          <a:solidFill>
+            <a:srgbClr val="FFFFFF">
+              <a:shade val="85000"/>
+            </a:srgbClr>
+          </a:solidFill>
+          <a:ln>
+            <a:solidFill>
+              <a:schemeClr val="accent5">
+                <a:lumMod val="60000"/>
+                <a:lumOff val="40000"/>
+              </a:schemeClr>
+            </a:solidFill>
+          </a:ln>
+          <a:effectLst/>
+        </p:spPr>
+      </p:pic>
+      <p:sp>
+        <p:nvSpPr>
+          <p:cNvPr id="7" name="Slide Number Placeholder 3"/>
+          <p:cNvSpPr>
+            <a:spLocks noGrp="1"/>
+          </p:cNvSpPr>
+          <p:nvPr>
+            <p:ph type="sldNum" sz="quarter" idx="10"/>
+          </p:nvPr>
+        </p:nvSpPr>
+        <p:spPr>
+          <a:xfrm>
+            <a:off x="8610600" y="6553200"/>
+            <a:ext cx="457200" cy="228600"/>
+          </a:xfrm>
+        </p:spPr>
+        <p:txBody>
+          <a:bodyPr/>
+          <a:lstStyle/>
+          <a:p>
+            <a:pPr>
+              <a:defRPr/>
+            </a:pPr>
+            <a:fld id="{58452FF4-89E3-4D1B-9927-2DBDC00E58D7}" type="slidenum">
+              <a:rPr lang="en-US" smtClean="0"/>
+              <a:pPr>
+                <a:defRPr/>
+              </a:pPr>
+              <a:t>4</a:t>
+            </a:fld>
+            <a:endParaRPr lang="en-US" dirty="0"/>
+          </a:p>
+        </p:txBody>
+      </p:sp>
+    </p:spTree>
+  </p:cSld>
+  <p:clrMapOvr>
+    <a:masterClrMapping/>
+  </p:clrMapOvr>
+  <p:timing>
+    <p:tnLst>
+      <p:par>
+        <p:cTn id="1" dur="indefinite" restart="never" nodeType="tmRoot"/>
+      </p:par>
+    </p:tnLst>
+  </p:timing>
+</p:sld>
+</file>
+
+<file path=ppt/slides/slide5.xml><?xml version="1.0" encoding="utf-8"?>
+<p:sld xmlns:a="http://schemas.openxmlformats.org/drawingml/2006/main" xmlns:r="http://schemas.openxmlformats.org/officeDocument/2006/relationships" xmlns:p="http://schemas.openxmlformats.org/presentationml/2006/main">
+  <p:cSld>
+    <p:spTree>
+      <p:nvGrpSpPr>
+        <p:cNvPr id="1" name=""/>
+        <p:cNvGrpSpPr/>
+        <p:nvPr/>
+      </p:nvGrpSpPr>
+      <p:grpSpPr>
+        <a:xfrm>
+          <a:off x="0" y="0"/>
+          <a:ext cx="0" cy="0"/>
+          <a:chOff x="0" y="0"/>
+          <a:chExt cx="0" cy="0"/>
+        </a:xfrm>
+      </p:grpSpPr>
+      <p:pic>
+        <p:nvPicPr>
+          <p:cNvPr id="18434" name="Picture 2" descr="http://headrush.typepad.com/photos/uncategorized/books.jpg"/>
+          <p:cNvPicPr>
+            <a:picLocks noChangeAspect="1" noChangeArrowheads="1"/>
+          </p:cNvPicPr>
+          <p:nvPr/>
+        </p:nvPicPr>
+        <p:blipFill>
+          <a:blip r:embed="rId2" cstate="print"/>
+          <a:srcRect/>
+          <a:stretch>
+            <a:fillRect/>
+          </a:stretch>
+        </p:blipFill>
+        <p:spPr bwMode="auto">
+          <a:xfrm>
+            <a:off x="2362200" y="1334037"/>
+            <a:ext cx="4391026" cy="2913576"/>
+          </a:xfrm>
+          <a:prstGeom prst="roundRect">
+            <a:avLst>
+              <a:gd name="adj" fmla="val 6046"/>
+            </a:avLst>
+          </a:prstGeom>
+          <a:solidFill>
+            <a:srgbClr val="FFFFFF">
+              <a:shade val="85000"/>
+            </a:srgbClr>
+          </a:solidFill>
+          <a:ln>
+            <a:noFill/>
+          </a:ln>
+          <a:effectLst>
+            <a:reflection blurRad="12700" stA="38000" endPos="28000" dist="5000" dir="5400000" sy="-100000" algn="bl" rotWithShape="0"/>
+            <a:softEdge rad="31750"/>
+          </a:effectLst>
+        </p:spPr>
+      </p:pic>
+      <p:sp>
+        <p:nvSpPr>
+          <p:cNvPr id="5" name="Title 4"/>
+          <p:cNvSpPr>
+            <a:spLocks noGrp="1"/>
+          </p:cNvSpPr>
+          <p:nvPr>
+            <p:ph type="ctrTitle"/>
+          </p:nvPr>
+        </p:nvSpPr>
+        <p:spPr>
+          <a:xfrm>
+            <a:off x="457200" y="5181600"/>
+            <a:ext cx="8229600" cy="685800"/>
+          </a:xfrm>
+        </p:spPr>
+        <p:txBody>
+          <a:bodyPr/>
+          <a:lstStyle/>
+          <a:p>
+            <a:r>
+              <a:rPr lang="en-US" dirty="0" smtClean="0"/>
+              <a:t>Course Curriculum</a:t>
+            </a:r>
+            <a:endParaRPr lang="en-US" dirty="0"/>
+          </a:p>
+        </p:txBody>
+      </p:sp>
+    </p:spTree>
+  </p:cSld>
+  <p:clrMapOvr>
+    <a:masterClrMapping/>
+  </p:clrMapOvr>
+  <p:timing>
+    <p:tnLst>
+      <p:par>
+        <p:cTn id="1" dur="indefinite" restart="never" nodeType="tmRoot"/>
+      </p:par>
+    </p:tnLst>
+  </p:timing>
+</p:sld>
+</file>
+
+<file path=ppt/slides/slide6.xml><?xml version="1.0" encoding="utf-8"?>
+<p:sld xmlns:a="http://schemas.openxmlformats.org/drawingml/2006/main" xmlns:r="http://schemas.openxmlformats.org/officeDocument/2006/relationships" xmlns:p="http://schemas.openxmlformats.org/presentationml/2006/main">
+  <p:cSld>
+    <p:spTree>
+      <p:nvGrpSpPr>
+        <p:cNvPr id="1" name=""/>
+        <p:cNvGrpSpPr/>
+        <p:nvPr/>
+      </p:nvGrpSpPr>
+      <p:grpSpPr>
+        <a:xfrm>
+          <a:off x="0" y="0"/>
+          <a:ext cx="0" cy="0"/>
+          <a:chOff x="0" y="0"/>
+          <a:chExt cx="0" cy="0"/>
+        </a:xfrm>
+      </p:grpSpPr>
+      <p:sp>
+        <p:nvSpPr>
+          <p:cNvPr id="2" name="Title 1"/>
+          <p:cNvSpPr>
+            <a:spLocks noGrp="1"/>
+          </p:cNvSpPr>
+          <p:nvPr>
+            <p:ph type="title"/>
+          </p:nvPr>
+        </p:nvSpPr>
+        <p:spPr/>
+        <p:txBody>
+          <a:bodyPr/>
+          <a:lstStyle/>
+          <a:p>
+            <a:r>
+              <a:rPr lang="en-US" dirty="0" smtClean="0"/>
+              <a:t>Curriculum</a:t>
+            </a:r>
+            <a:endParaRPr lang="en-US" dirty="0"/>
+          </a:p>
+        </p:txBody>
+      </p:sp>
+      <p:sp>
+        <p:nvSpPr>
+          <p:cNvPr id="3" name="Content Placeholder 2"/>
+          <p:cNvSpPr>
+            <a:spLocks noGrp="1"/>
+          </p:cNvSpPr>
+          <p:nvPr>
+            <p:ph idx="1"/>
+          </p:nvPr>
+        </p:nvSpPr>
+        <p:spPr>
+          <a:xfrm>
+            <a:off x="228600" y="914400"/>
+            <a:ext cx="8686800" cy="5791200"/>
+          </a:xfrm>
+        </p:spPr>
+        <p:txBody>
+          <a:bodyPr/>
+          <a:lstStyle/>
+          <a:p>
+            <a:pPr marL="361950" lvl="0" indent="-361950">
+              <a:lnSpc>
+                <a:spcPts val="3400"/>
+              </a:lnSpc>
+              <a:spcBef>
+                <a:spcPts val="300"/>
+              </a:spcBef>
+              <a:buFont typeface="+mj-lt"/>
+              <a:buAutoNum type="arabicPeriod"/>
+              <a:tabLst/>
+            </a:pPr>
+            <a:r>
+              <a:rPr lang="en-US" sz="2800" dirty="0" smtClean="0"/>
+              <a:t>.NET Framework Overview</a:t>
+            </a:r>
+          </a:p>
+          <a:p>
+            <a:pPr marL="714375" lvl="1" indent="-366713">
+              <a:lnSpc>
+                <a:spcPts val="3400"/>
+              </a:lnSpc>
+              <a:spcBef>
+                <a:spcPts val="300"/>
+              </a:spcBef>
+            </a:pPr>
+            <a:r>
+              <a:rPr lang="en-US" sz="2600" dirty="0" smtClean="0"/>
+              <a:t>.NET, CLR</a:t>
+            </a:r>
+            <a:r>
+              <a:rPr lang="en-US" sz="2600" dirty="0" smtClean="0"/>
+              <a:t>, MSIL, Assemblies, CTS, .NET languages </a:t>
+            </a:r>
+          </a:p>
+          <a:p>
+            <a:pPr marL="361950" lvl="0" indent="-361950">
+              <a:lnSpc>
+                <a:spcPts val="3400"/>
+              </a:lnSpc>
+              <a:spcBef>
+                <a:spcPts val="300"/>
+              </a:spcBef>
+              <a:buFont typeface="+mj-lt"/>
+              <a:buAutoNum type="arabicPeriod"/>
+              <a:tabLst/>
+            </a:pPr>
+            <a:r>
+              <a:rPr lang="en-US" sz="2800" dirty="0" smtClean="0"/>
+              <a:t>C# Language Overview – Part I</a:t>
+            </a:r>
+          </a:p>
+          <a:p>
+            <a:pPr marL="714375" lvl="1" indent="-366713">
+              <a:lnSpc>
+                <a:spcPts val="3400"/>
+              </a:lnSpc>
+              <a:spcBef>
+                <a:spcPts val="300"/>
+              </a:spcBef>
+            </a:pPr>
+            <a:r>
+              <a:rPr lang="en-US" sz="2600" dirty="0" smtClean="0"/>
+              <a:t>Data </a:t>
+            </a:r>
+            <a:r>
+              <a:rPr lang="en-US" sz="2600" dirty="0" smtClean="0"/>
+              <a:t>Types, Operators, Expressions, Statements, Console I/O, </a:t>
+            </a:r>
+            <a:r>
+              <a:rPr lang="en-US" sz="2600" dirty="0" smtClean="0"/>
+              <a:t>if / switch / case, </a:t>
+            </a:r>
+            <a:r>
+              <a:rPr lang="en-US" sz="2600" dirty="0" smtClean="0"/>
+              <a:t>Loops, Arrays, Methods</a:t>
+            </a:r>
+          </a:p>
+          <a:p>
+            <a:pPr marL="361950" lvl="0" indent="-361950">
+              <a:lnSpc>
+                <a:spcPts val="3400"/>
+              </a:lnSpc>
+              <a:spcBef>
+                <a:spcPts val="300"/>
+              </a:spcBef>
+              <a:buFont typeface="+mj-lt"/>
+              <a:buAutoNum type="arabicPeriod"/>
+              <a:tabLst/>
+            </a:pPr>
+            <a:r>
+              <a:rPr lang="en-US" sz="2800" dirty="0" smtClean="0"/>
+              <a:t>C# Language </a:t>
+            </a:r>
+            <a:r>
+              <a:rPr lang="en-US" sz="2800" dirty="0" smtClean="0"/>
+              <a:t>Overview – </a:t>
+            </a:r>
+            <a:r>
+              <a:rPr lang="en-US" sz="2800" dirty="0" smtClean="0"/>
+              <a:t>Part </a:t>
+            </a:r>
+            <a:r>
+              <a:rPr lang="en-US" sz="2800" dirty="0" smtClean="0"/>
+              <a:t>II</a:t>
+            </a:r>
+          </a:p>
+          <a:p>
+            <a:pPr marL="714375" lvl="1" indent="-366713">
+              <a:lnSpc>
+                <a:spcPts val="3400"/>
+              </a:lnSpc>
+              <a:spcBef>
+                <a:spcPts val="300"/>
+              </a:spcBef>
+            </a:pPr>
+            <a:r>
+              <a:rPr lang="en-US" sz="2600" dirty="0" smtClean="0"/>
+              <a:t>Creating </a:t>
+            </a:r>
+            <a:r>
+              <a:rPr lang="en-US" sz="2600" dirty="0" smtClean="0"/>
+              <a:t>and Using Objects, Exceptions, Strings, Generics, Collections, Attributes</a:t>
+            </a:r>
+          </a:p>
+          <a:p>
+            <a:pPr marL="361950" lvl="0" indent="-361950">
+              <a:lnSpc>
+                <a:spcPts val="3400"/>
+              </a:lnSpc>
+              <a:spcBef>
+                <a:spcPts val="300"/>
+              </a:spcBef>
+              <a:buFont typeface="+mj-lt"/>
+              <a:buAutoNum type="arabicPeriod"/>
+              <a:tabLst/>
+            </a:pPr>
+            <a:r>
+              <a:rPr lang="en-US" sz="2800" dirty="0" smtClean="0"/>
+              <a:t>Object-Oriented Programming with C</a:t>
+            </a:r>
+            <a:r>
+              <a:rPr lang="en-US" sz="2800" dirty="0" smtClean="0"/>
+              <a:t>#</a:t>
+            </a:r>
+          </a:p>
+          <a:p>
+            <a:pPr marL="714375" lvl="1" indent="-366713">
+              <a:lnSpc>
+                <a:spcPts val="3400"/>
+              </a:lnSpc>
+              <a:spcBef>
+                <a:spcPts val="300"/>
+              </a:spcBef>
+            </a:pPr>
+            <a:r>
+              <a:rPr lang="en-US" sz="2600" dirty="0" smtClean="0"/>
+              <a:t>Defining </a:t>
+            </a:r>
+            <a:r>
+              <a:rPr lang="en-US" sz="2600" dirty="0" smtClean="0"/>
+              <a:t>Classes, Constructors, Properties, Methods, </a:t>
+            </a:r>
+            <a:r>
+              <a:rPr lang="en-US" sz="2600" dirty="0" smtClean="0"/>
+              <a:t>Events</a:t>
+            </a:r>
+            <a:r>
+              <a:rPr lang="en-US" sz="2600" dirty="0" smtClean="0"/>
+              <a:t>, </a:t>
+            </a:r>
+            <a:r>
+              <a:rPr lang="en-US" sz="2600" dirty="0" smtClean="0"/>
+              <a:t>Interfaces</a:t>
+            </a:r>
+            <a:r>
+              <a:rPr lang="en-US" sz="2600" dirty="0" smtClean="0"/>
+              <a:t>, Inheritance, Polymorphism</a:t>
+            </a:r>
+          </a:p>
+        </p:txBody>
+      </p:sp>
+      <p:sp>
+        <p:nvSpPr>
+          <p:cNvPr id="4" name="Slide Number Placeholder 3"/>
+          <p:cNvSpPr>
+            <a:spLocks noGrp="1"/>
+          </p:cNvSpPr>
+          <p:nvPr>
+            <p:ph type="sldNum" sz="quarter" idx="10"/>
+          </p:nvPr>
+        </p:nvSpPr>
+        <p:spPr/>
+        <p:txBody>
+          <a:bodyPr/>
+          <a:lstStyle/>
+          <a:p>
+            <a:pPr>
+              <a:defRPr/>
+            </a:pPr>
+            <a:fld id="{58452FF4-89E3-4D1B-9927-2DBDC00E58D7}" type="slidenum">
+              <a:rPr lang="en-US" smtClean="0"/>
+              <a:pPr>
+                <a:defRPr/>
+              </a:pPr>
+              <a:t>6</a:t>
+            </a:fld>
+            <a:endParaRPr lang="en-US" dirty="0"/>
+          </a:p>
+        </p:txBody>
+      </p:sp>
+    </p:spTree>
+  </p:cSld>
+  <p:clrMapOvr>
+    <a:masterClrMapping/>
+  </p:clrMapOvr>
+  <p:timing>
+    <p:tnLst>
+      <p:par>
+        <p:cTn id="1" dur="indefinite" restart="never" nodeType="tmRoot"/>
+      </p:par>
+    </p:tnLst>
+  </p:timing>
+</p:sld>
+</file>
+
+<file path=ppt/slides/slide7.xml><?xml version="1.0" encoding="utf-8"?>
+<p:sld xmlns:a="http://schemas.openxmlformats.org/drawingml/2006/main" xmlns:r="http://schemas.openxmlformats.org/officeDocument/2006/relationships" xmlns:p="http://schemas.openxmlformats.org/presentationml/2006/main">
+  <p:cSld>
+    <p:spTree>
+      <p:nvGrpSpPr>
+        <p:cNvPr id="1" name=""/>
+        <p:cNvGrpSpPr/>
+        <p:nvPr/>
+      </p:nvGrpSpPr>
+      <p:grpSpPr>
+        <a:xfrm>
+          <a:off x="0" y="0"/>
+          <a:ext cx="0" cy="0"/>
+          <a:chOff x="0" y="0"/>
+          <a:chExt cx="0" cy="0"/>
+        </a:xfrm>
+      </p:grpSpPr>
+      <p:sp>
+        <p:nvSpPr>
+          <p:cNvPr id="2" name="Title 1"/>
+          <p:cNvSpPr>
+            <a:spLocks noGrp="1"/>
+          </p:cNvSpPr>
+          <p:nvPr>
+            <p:ph type="title"/>
+          </p:nvPr>
+        </p:nvSpPr>
+        <p:spPr/>
+        <p:txBody>
+          <a:bodyPr/>
+          <a:lstStyle/>
+          <a:p>
+            <a:r>
+              <a:rPr lang="en-US" dirty="0" smtClean="0"/>
+              <a:t>Curriculum (2)</a:t>
+            </a:r>
+            <a:endParaRPr lang="en-US" dirty="0"/>
+          </a:p>
+        </p:txBody>
+      </p:sp>
+      <p:sp>
+        <p:nvSpPr>
+          <p:cNvPr id="3" name="Content Placeholder 2"/>
+          <p:cNvSpPr>
+            <a:spLocks noGrp="1"/>
+          </p:cNvSpPr>
+          <p:nvPr>
+            <p:ph idx="1"/>
+          </p:nvPr>
+        </p:nvSpPr>
+        <p:spPr>
+          <a:xfrm>
+            <a:off x="228600" y="990600"/>
+            <a:ext cx="8686800" cy="5715000"/>
+          </a:xfrm>
+        </p:spPr>
+        <p:txBody>
+          <a:bodyPr/>
+          <a:lstStyle/>
+          <a:p>
+            <a:pPr marL="360363" lvl="0" indent="-360363">
+              <a:lnSpc>
+                <a:spcPts val="3600"/>
+              </a:lnSpc>
+              <a:spcBef>
+                <a:spcPts val="300"/>
+              </a:spcBef>
+              <a:buFont typeface="+mj-lt"/>
+              <a:buAutoNum type="arabicPeriod" startAt="5"/>
+              <a:tabLst/>
+            </a:pPr>
+            <a:r>
+              <a:rPr lang="en-US" sz="2800" dirty="0" smtClean="0"/>
+              <a:t>Databases, SQL and MS SQL Server</a:t>
+            </a:r>
+            <a:endParaRPr lang="en-US" sz="2800" dirty="0" smtClean="0"/>
+          </a:p>
+          <a:p>
+            <a:pPr marL="714375" lvl="1" indent="-366713">
+              <a:lnSpc>
+                <a:spcPts val="3600"/>
+              </a:lnSpc>
+              <a:spcBef>
+                <a:spcPts val="300"/>
+              </a:spcBef>
+            </a:pPr>
+            <a:r>
+              <a:rPr lang="en-US" sz="2600" dirty="0" smtClean="0"/>
+              <a:t>RDBMS, SQL Language, SQL SELECT, Joins, </a:t>
+            </a:r>
+            <a:r>
+              <a:rPr lang="en-US" sz="2600" dirty="0" smtClean="0"/>
+              <a:t>Grouping</a:t>
+            </a:r>
+            <a:r>
+              <a:rPr lang="en-US" sz="2600" dirty="0" smtClean="0"/>
+              <a:t>, SQL INSERT, SQL UPDATE, SQL DELETE, MS SQL Server, SQL Server Management Studio </a:t>
+            </a:r>
+          </a:p>
+          <a:p>
+            <a:pPr marL="361950" lvl="0" indent="-361950">
+              <a:lnSpc>
+                <a:spcPts val="3600"/>
+              </a:lnSpc>
+              <a:spcBef>
+                <a:spcPts val="300"/>
+              </a:spcBef>
+              <a:buFont typeface="+mj-lt"/>
+              <a:buAutoNum type="arabicPeriod" startAt="5"/>
+              <a:tabLst/>
+            </a:pPr>
+            <a:r>
+              <a:rPr lang="en-US" sz="2800" dirty="0" smtClean="0"/>
+              <a:t>LINQ and LINQ-to-SQL</a:t>
+            </a:r>
+          </a:p>
+          <a:p>
+            <a:pPr marL="714375" lvl="1" indent="-366713">
+              <a:lnSpc>
+                <a:spcPts val="3600"/>
+              </a:lnSpc>
+              <a:spcBef>
+                <a:spcPts val="300"/>
+              </a:spcBef>
+            </a:pPr>
+            <a:r>
+              <a:rPr lang="en-US" sz="2600" dirty="0" smtClean="0"/>
+              <a:t>LINQ Operators and Expressions, Projections, Conversions, Aggregations, LINQ-to-SQL</a:t>
+            </a:r>
+            <a:r>
+              <a:rPr lang="en-US" sz="2600" dirty="0" smtClean="0"/>
+              <a:t>, </a:t>
+            </a:r>
+            <a:r>
+              <a:rPr lang="en-US" sz="2600" dirty="0" smtClean="0"/>
+              <a:t>Using </a:t>
+            </a:r>
+            <a:r>
+              <a:rPr lang="en-US" sz="2600" dirty="0" smtClean="0"/>
+              <a:t>DataContext to </a:t>
+            </a:r>
+            <a:r>
+              <a:rPr lang="en-US" sz="2600" dirty="0" smtClean="0"/>
+              <a:t>Read / Create / Update / Delete Data</a:t>
+            </a:r>
+          </a:p>
+          <a:p>
+            <a:pPr marL="361950" lvl="0" indent="-361950">
+              <a:lnSpc>
+                <a:spcPts val="3600"/>
+              </a:lnSpc>
+              <a:spcBef>
+                <a:spcPts val="300"/>
+              </a:spcBef>
+              <a:buFont typeface="+mj-lt"/>
+              <a:buAutoNum type="arabicPeriod" startAt="5"/>
+              <a:tabLst/>
+            </a:pPr>
+            <a:r>
+              <a:rPr lang="en-US" sz="2800" dirty="0" smtClean="0"/>
+              <a:t>Web Technologies Basics</a:t>
+            </a:r>
+            <a:endParaRPr lang="en-US" sz="2800" dirty="0" smtClean="0"/>
+          </a:p>
+          <a:p>
+            <a:pPr marL="714375" lvl="1" indent="-366713">
+              <a:lnSpc>
+                <a:spcPts val="3600"/>
+              </a:lnSpc>
+              <a:spcBef>
+                <a:spcPts val="300"/>
+              </a:spcBef>
+            </a:pPr>
+            <a:r>
+              <a:rPr lang="en-US" sz="2600" dirty="0" smtClean="0"/>
+              <a:t>HTTP, HTML, Text, Images, Tables, Forms, CSS, </a:t>
+            </a:r>
+            <a:r>
+              <a:rPr lang="en-US" sz="2600" dirty="0" smtClean="0"/>
+              <a:t>JavaScript</a:t>
+            </a:r>
+          </a:p>
+        </p:txBody>
+      </p:sp>
+      <p:sp>
+        <p:nvSpPr>
+          <p:cNvPr id="4" name="Slide Number Placeholder 3"/>
+          <p:cNvSpPr>
+            <a:spLocks noGrp="1"/>
+          </p:cNvSpPr>
+          <p:nvPr>
+            <p:ph type="sldNum" sz="quarter" idx="10"/>
+          </p:nvPr>
+        </p:nvSpPr>
+        <p:spPr/>
+        <p:txBody>
+          <a:bodyPr/>
+          <a:lstStyle/>
+          <a:p>
+            <a:pPr>
+              <a:defRPr/>
+            </a:pPr>
+            <a:fld id="{58452FF4-89E3-4D1B-9927-2DBDC00E58D7}" type="slidenum">
+              <a:rPr lang="en-US" smtClean="0"/>
+              <a:pPr>
+                <a:defRPr/>
+              </a:pPr>
+              <a:t>7</a:t>
+            </a:fld>
+            <a:endParaRPr lang="en-US" dirty="0"/>
+          </a:p>
+        </p:txBody>
+      </p:sp>
+    </p:spTree>
+  </p:cSld>
+  <p:clrMapOvr>
+    <a:masterClrMapping/>
+  </p:clrMapOvr>
+  <p:timing>
+    <p:tnLst>
+      <p:par>
+        <p:cTn id="1" dur="indefinite" restart="never" nodeType="tmRoot"/>
+      </p:par>
+    </p:tnLst>
+  </p:timing>
+</p:sld>
+</file>
+
+<file path=ppt/slides/slide8.xml><?xml version="1.0" encoding="utf-8"?>
+<p:sld xmlns:a="http://schemas.openxmlformats.org/drawingml/2006/main" xmlns:r="http://schemas.openxmlformats.org/officeDocument/2006/relationships" xmlns:p="http://schemas.openxmlformats.org/presentationml/2006/main">
+  <p:cSld>
+    <p:spTree>
+      <p:nvGrpSpPr>
+        <p:cNvPr id="1" name=""/>
+        <p:cNvGrpSpPr/>
+        <p:nvPr/>
+      </p:nvGrpSpPr>
+      <p:grpSpPr>
+        <a:xfrm>
+          <a:off x="0" y="0"/>
+          <a:ext cx="0" cy="0"/>
+          <a:chOff x="0" y="0"/>
+          <a:chExt cx="0" cy="0"/>
+        </a:xfrm>
+      </p:grpSpPr>
+      <p:sp>
+        <p:nvSpPr>
+          <p:cNvPr id="2" name="Title 1"/>
+          <p:cNvSpPr>
+            <a:spLocks noGrp="1"/>
+          </p:cNvSpPr>
+          <p:nvPr>
+            <p:ph type="title"/>
+          </p:nvPr>
+        </p:nvSpPr>
+        <p:spPr/>
+        <p:txBody>
+          <a:bodyPr/>
+          <a:lstStyle/>
+          <a:p>
+            <a:r>
+              <a:rPr lang="en-US" dirty="0" smtClean="0"/>
+              <a:t>Curriculum (3)</a:t>
+            </a:r>
+            <a:endParaRPr lang="en-US" dirty="0"/>
+          </a:p>
+        </p:txBody>
+      </p:sp>
+      <p:sp>
+        <p:nvSpPr>
+          <p:cNvPr id="3" name="Content Placeholder 2"/>
+          <p:cNvSpPr>
+            <a:spLocks noGrp="1"/>
+          </p:cNvSpPr>
+          <p:nvPr>
+            <p:ph idx="1"/>
+          </p:nvPr>
+        </p:nvSpPr>
+        <p:spPr>
+          <a:xfrm>
+            <a:off x="228600" y="990600"/>
+            <a:ext cx="8686800" cy="5715000"/>
+          </a:xfrm>
+        </p:spPr>
+        <p:txBody>
+          <a:bodyPr/>
+          <a:lstStyle/>
+          <a:p>
+            <a:pPr marL="361950" lvl="0" indent="-361950">
+              <a:lnSpc>
+                <a:spcPts val="3400"/>
+              </a:lnSpc>
+              <a:spcBef>
+                <a:spcPts val="300"/>
+              </a:spcBef>
+              <a:buFont typeface="+mj-lt"/>
+              <a:buAutoNum type="arabicPeriod" startAt="8"/>
+              <a:tabLst/>
+            </a:pPr>
+            <a:r>
+              <a:rPr lang="en-US" sz="2800" dirty="0" smtClean="0"/>
+              <a:t>ASP.NET – Part I</a:t>
+            </a:r>
+            <a:endParaRPr lang="en-US" sz="2800" dirty="0" smtClean="0"/>
+          </a:p>
+          <a:p>
+            <a:pPr marL="714375" lvl="1" indent="-366713">
+              <a:lnSpc>
+                <a:spcPts val="3400"/>
+              </a:lnSpc>
+              <a:spcBef>
+                <a:spcPts val="300"/>
+              </a:spcBef>
+            </a:pPr>
+            <a:r>
+              <a:rPr lang="en-US" sz="2600" dirty="0" smtClean="0"/>
+              <a:t>ASP.NET Web Forms, </a:t>
+            </a:r>
+            <a:r>
+              <a:rPr lang="en-US" sz="2600" dirty="0" smtClean="0"/>
+              <a:t>Web </a:t>
+            </a:r>
+            <a:r>
+              <a:rPr lang="en-US" sz="2600" dirty="0" smtClean="0"/>
+              <a:t>Server Controls, HTML Server Controls, Creating Simple Web Applications</a:t>
+            </a:r>
+          </a:p>
+          <a:p>
+            <a:pPr marL="361950" lvl="0" indent="-361950">
+              <a:lnSpc>
+                <a:spcPts val="3400"/>
+              </a:lnSpc>
+              <a:spcBef>
+                <a:spcPts val="300"/>
+              </a:spcBef>
+              <a:buFont typeface="+mj-lt"/>
+              <a:buAutoNum type="arabicPeriod" startAt="8"/>
+              <a:tabLst/>
+            </a:pPr>
+            <a:r>
+              <a:rPr lang="en-US" sz="2800" dirty="0" smtClean="0"/>
+              <a:t>ASP.NET – Part II</a:t>
+            </a:r>
+            <a:endParaRPr lang="en-US" sz="2800" dirty="0" smtClean="0"/>
+          </a:p>
+          <a:p>
+            <a:pPr marL="714375" lvl="1" indent="-366713">
+              <a:lnSpc>
+                <a:spcPts val="3400"/>
+              </a:lnSpc>
+              <a:spcBef>
+                <a:spcPts val="300"/>
+              </a:spcBef>
+            </a:pPr>
+            <a:r>
+              <a:rPr lang="en-US" sz="2600" dirty="0" smtClean="0"/>
+              <a:t>Data-Bound </a:t>
+            </a:r>
+            <a:r>
+              <a:rPr lang="en-US" sz="2600" dirty="0" smtClean="0"/>
+              <a:t>Controls: Data </a:t>
+            </a:r>
+            <a:r>
+              <a:rPr lang="en-US" sz="2600" dirty="0" smtClean="0"/>
+              <a:t>Sources, </a:t>
+            </a:r>
+            <a:r>
+              <a:rPr lang="en-US" sz="2600" noProof="1" smtClean="0"/>
+              <a:t>GridView</a:t>
+            </a:r>
+            <a:r>
+              <a:rPr lang="en-US" sz="2600" noProof="1" smtClean="0"/>
+              <a:t>, </a:t>
+            </a:r>
+            <a:r>
+              <a:rPr lang="en-US" sz="2600" noProof="1" smtClean="0"/>
+              <a:t>FormView</a:t>
+            </a:r>
+            <a:r>
+              <a:rPr lang="en-US" sz="2600" noProof="1" smtClean="0"/>
+              <a:t>, </a:t>
+            </a:r>
+            <a:r>
+              <a:rPr lang="en-US" sz="2600" noProof="1" smtClean="0"/>
+              <a:t>DetailsView</a:t>
+            </a:r>
+            <a:r>
+              <a:rPr lang="en-US" sz="2600" noProof="1" smtClean="0"/>
+              <a:t>, </a:t>
+            </a:r>
+            <a:r>
+              <a:rPr lang="en-US" sz="2600" noProof="1" smtClean="0"/>
+              <a:t>DataList</a:t>
+            </a:r>
+            <a:r>
+              <a:rPr lang="en-US" sz="2600" noProof="1" smtClean="0"/>
+              <a:t>, </a:t>
+            </a:r>
+            <a:r>
+              <a:rPr lang="en-US" sz="2600" noProof="1" smtClean="0"/>
+              <a:t>Repeater</a:t>
+            </a:r>
+            <a:r>
+              <a:rPr lang="en-US" sz="2600" noProof="1" smtClean="0"/>
+              <a:t>, </a:t>
+            </a:r>
+            <a:r>
+              <a:rPr lang="en-US" sz="2600" noProof="1" smtClean="0"/>
+              <a:t>ListView</a:t>
+            </a:r>
+            <a:endParaRPr lang="en-US" sz="2600" noProof="1" smtClean="0"/>
+          </a:p>
+          <a:p>
+            <a:pPr marL="361950" lvl="0" indent="-361950">
+              <a:lnSpc>
+                <a:spcPts val="3400"/>
+              </a:lnSpc>
+              <a:spcBef>
+                <a:spcPts val="300"/>
+              </a:spcBef>
+              <a:buFont typeface="+mj-lt"/>
+              <a:buAutoNum type="arabicPeriod" startAt="8"/>
+              <a:tabLst/>
+            </a:pPr>
+            <a:r>
+              <a:rPr lang="en-US" sz="2800" dirty="0" smtClean="0"/>
+              <a:t>ASP.NET </a:t>
+            </a:r>
+            <a:r>
+              <a:rPr lang="en-US" sz="2800" dirty="0" smtClean="0"/>
+              <a:t>– Part </a:t>
+            </a:r>
+            <a:r>
+              <a:rPr lang="en-US" sz="2800" dirty="0" smtClean="0"/>
+              <a:t>III</a:t>
+            </a:r>
+            <a:endParaRPr lang="en-US" sz="2600" dirty="0" smtClean="0"/>
+          </a:p>
+          <a:p>
+            <a:pPr marL="714375" lvl="1" indent="-366713">
+              <a:lnSpc>
+                <a:spcPts val="3400"/>
+              </a:lnSpc>
+              <a:spcBef>
+                <a:spcPts val="300"/>
+              </a:spcBef>
+            </a:pPr>
+            <a:r>
+              <a:rPr lang="en-US" sz="2600" dirty="0" smtClean="0"/>
+              <a:t>Session </a:t>
+            </a:r>
+            <a:r>
+              <a:rPr lang="en-US" sz="2600" dirty="0" smtClean="0"/>
+              <a:t>and State Management, Master Pages and Navigation, User Controls, </a:t>
+            </a:r>
+            <a:r>
+              <a:rPr lang="en-US" sz="2600" noProof="1" smtClean="0"/>
+              <a:t>Web.config</a:t>
+            </a:r>
+            <a:r>
+              <a:rPr lang="en-US" sz="2600" dirty="0" smtClean="0"/>
+              <a:t>, IIS</a:t>
+            </a:r>
+          </a:p>
+          <a:p>
+            <a:pPr marL="361950" lvl="0" indent="-361950">
+              <a:lnSpc>
+                <a:spcPts val="3400"/>
+              </a:lnSpc>
+              <a:spcBef>
+                <a:spcPts val="300"/>
+              </a:spcBef>
+              <a:buFont typeface="+mj-lt"/>
+              <a:buAutoNum type="arabicPeriod" startAt="8"/>
+              <a:tabLst/>
+            </a:pPr>
+            <a:r>
+              <a:rPr lang="en-US" sz="2800" dirty="0" smtClean="0"/>
+              <a:t>ASP.NET AJAX</a:t>
+            </a:r>
+            <a:endParaRPr lang="en-US" sz="2600" dirty="0" smtClean="0"/>
+          </a:p>
+          <a:p>
+            <a:pPr marL="714375" lvl="1" indent="-366713">
+              <a:lnSpc>
+                <a:spcPts val="3400"/>
+              </a:lnSpc>
+              <a:spcBef>
+                <a:spcPts val="300"/>
+              </a:spcBef>
+            </a:pPr>
+            <a:r>
+              <a:rPr lang="en-US" sz="2600" noProof="1" smtClean="0"/>
+              <a:t>ScriptManager</a:t>
+            </a:r>
+            <a:r>
+              <a:rPr lang="en-US" sz="2600" noProof="1" smtClean="0"/>
+              <a:t>, </a:t>
+            </a:r>
+            <a:r>
+              <a:rPr lang="en-US" sz="2600" noProof="1" smtClean="0"/>
+              <a:t>UpdatePanel</a:t>
+            </a:r>
+            <a:r>
+              <a:rPr lang="en-US" sz="2600" dirty="0" smtClean="0"/>
+              <a:t>, </a:t>
+            </a:r>
+            <a:r>
+              <a:rPr lang="en-US" sz="2600" dirty="0" smtClean="0"/>
+              <a:t>AJAX Control Toolkit</a:t>
+            </a:r>
+            <a:endParaRPr lang="en-US" sz="2600" dirty="0" smtClean="0"/>
+          </a:p>
+        </p:txBody>
+      </p:sp>
+      <p:sp>
+        <p:nvSpPr>
+          <p:cNvPr id="4" name="Slide Number Placeholder 3"/>
+          <p:cNvSpPr>
+            <a:spLocks noGrp="1"/>
+          </p:cNvSpPr>
+          <p:nvPr>
+            <p:ph type="sldNum" sz="quarter" idx="10"/>
+          </p:nvPr>
+        </p:nvSpPr>
+        <p:spPr/>
+        <p:txBody>
+          <a:bodyPr/>
+          <a:lstStyle/>
+          <a:p>
+            <a:pPr>
+              <a:defRPr/>
+            </a:pPr>
+            <a:fld id="{58452FF4-89E3-4D1B-9927-2DBDC00E58D7}" type="slidenum">
+              <a:rPr lang="en-US" smtClean="0"/>
+              <a:pPr>
+                <a:defRPr/>
+              </a:pPr>
+              <a:t>8</a:t>
+            </a:fld>
+            <a:endParaRPr lang="en-US" dirty="0"/>
+          </a:p>
+        </p:txBody>
+      </p:sp>
+    </p:spTree>
+  </p:cSld>
+  <p:clrMapOvr>
+    <a:masterClrMapping/>
+  </p:clrMapOvr>
+  <p:timing>
+    <p:tnLst>
+      <p:par>
+        <p:cTn id="1" dur="indefinite" restart="never" nodeType="tmRoot"/>
+      </p:par>
+    </p:tnLst>
+  </p:timing>
+</p:sld>
+</file>
+
+<file path=ppt/slides/slide9.xml><?xml version="1.0" encoding="utf-8"?>
+<p:sld xmlns:a="http://schemas.openxmlformats.org/drawingml/2006/main" xmlns:r="http://schemas.openxmlformats.org/officeDocument/2006/relationships" xmlns:p="http://schemas.openxmlformats.org/presentationml/2006/main">
+  <p:cSld>
+    <p:spTree>
+      <p:nvGrpSpPr>
+        <p:cNvPr id="1" name=""/>
+        <p:cNvGrpSpPr/>
+        <p:nvPr/>
+      </p:nvGrpSpPr>
+      <p:grpSpPr>
+        <a:xfrm>
+          <a:off x="0" y="0"/>
+          <a:ext cx="0" cy="0"/>
+          <a:chOff x="0" y="0"/>
+          <a:chExt cx="0" cy="0"/>
+        </a:xfrm>
+      </p:grpSpPr>
+      <p:sp>
+        <p:nvSpPr>
+          <p:cNvPr id="2" name="Title 1"/>
+          <p:cNvSpPr>
+            <a:spLocks noGrp="1"/>
+          </p:cNvSpPr>
+          <p:nvPr>
+            <p:ph type="title"/>
+          </p:nvPr>
+        </p:nvSpPr>
+        <p:spPr/>
+        <p:txBody>
+          <a:bodyPr/>
+          <a:lstStyle/>
+          <a:p>
+            <a:r>
+              <a:rPr lang="en-US" dirty="0" smtClean="0"/>
+              <a:t>Curriculum (4)</a:t>
+            </a:r>
+            <a:endParaRPr lang="en-US" dirty="0"/>
+          </a:p>
+        </p:txBody>
+      </p:sp>
+      <p:sp>
+        <p:nvSpPr>
+          <p:cNvPr id="3" name="Content Placeholder 2"/>
+          <p:cNvSpPr>
+            <a:spLocks noGrp="1"/>
+          </p:cNvSpPr>
+          <p:nvPr>
+            <p:ph idx="1"/>
+          </p:nvPr>
+        </p:nvSpPr>
+        <p:spPr>
+          <a:xfrm>
+            <a:off x="228600" y="990600"/>
+            <a:ext cx="8686800" cy="5715000"/>
+          </a:xfrm>
+        </p:spPr>
+        <p:txBody>
+          <a:bodyPr/>
+          <a:lstStyle/>
+          <a:p>
+            <a:pPr marL="514350" lvl="0" indent="-514350">
+              <a:lnSpc>
+                <a:spcPts val="3400"/>
+              </a:lnSpc>
+              <a:spcBef>
+                <a:spcPts val="300"/>
+              </a:spcBef>
+              <a:buFont typeface="+mj-lt"/>
+              <a:buAutoNum type="arabicPeriod" startAt="12"/>
+              <a:tabLst/>
+            </a:pPr>
+            <a:r>
+              <a:rPr lang="en-US" sz="2800" dirty="0" smtClean="0"/>
+              <a:t>Silverlight and RIA</a:t>
+            </a:r>
+          </a:p>
+          <a:p>
+            <a:pPr marL="714375" lvl="1" indent="-366713">
+              <a:lnSpc>
+                <a:spcPts val="3400"/>
+              </a:lnSpc>
+              <a:spcBef>
+                <a:spcPts val="300"/>
+              </a:spcBef>
+            </a:pPr>
+            <a:r>
+              <a:rPr lang="en-US" sz="2600" dirty="0" smtClean="0"/>
+              <a:t>XAML, Text, Images, Graphics, Shapes, Creating Silverlight Applications, Text Controls, Buttons, List Controls, Data Binding and Data-Bound Controls</a:t>
+            </a:r>
+          </a:p>
+          <a:p>
+            <a:pPr marL="361950" lvl="0" indent="-361950">
+              <a:lnSpc>
+                <a:spcPts val="3400"/>
+              </a:lnSpc>
+              <a:spcBef>
+                <a:spcPts val="300"/>
+              </a:spcBef>
+              <a:buFont typeface="+mj-lt"/>
+              <a:buAutoNum type="arabicPeriod" startAt="12"/>
+              <a:tabLst/>
+            </a:pPr>
+            <a:r>
+              <a:rPr lang="en-US" sz="2800" dirty="0" smtClean="0"/>
+              <a:t>Practical </a:t>
+            </a:r>
+            <a:r>
+              <a:rPr lang="en-US" sz="2800" dirty="0" smtClean="0"/>
+              <a:t>Project</a:t>
+            </a:r>
+          </a:p>
+          <a:p>
+            <a:pPr marL="714375" lvl="1" indent="-366713">
+              <a:lnSpc>
+                <a:spcPts val="3400"/>
+              </a:lnSpc>
+              <a:spcBef>
+                <a:spcPts val="300"/>
+              </a:spcBef>
+            </a:pPr>
+            <a:r>
+              <a:rPr lang="en-US" sz="2600" dirty="0" smtClean="0"/>
+              <a:t>Creating Dynamic Rich-Data ASP.NET Web </a:t>
+            </a:r>
+            <a:r>
+              <a:rPr lang="en-US" sz="2600" dirty="0" smtClean="0"/>
+              <a:t>Application: Step-by-Step </a:t>
+            </a:r>
+            <a:r>
+              <a:rPr lang="en-US" sz="2600" dirty="0" smtClean="0"/>
+              <a:t>Live Demo</a:t>
+            </a:r>
+            <a:endParaRPr lang="en-US" sz="2600" noProof="1" smtClean="0"/>
+          </a:p>
+          <a:p>
+            <a:pPr marL="361950" lvl="0" indent="-361950">
+              <a:lnSpc>
+                <a:spcPts val="3400"/>
+              </a:lnSpc>
+              <a:spcBef>
+                <a:spcPts val="300"/>
+              </a:spcBef>
+              <a:buFont typeface="+mj-lt"/>
+              <a:buAutoNum type="arabicPeriod" startAt="12"/>
+              <a:tabLst/>
+            </a:pPr>
+            <a:r>
+              <a:rPr lang="en-US" sz="2800" dirty="0" smtClean="0"/>
+              <a:t>Additional Topic #1</a:t>
+            </a:r>
+            <a:endParaRPr lang="en-US" sz="2600" dirty="0" smtClean="0"/>
+          </a:p>
+          <a:p>
+            <a:pPr marL="714375" lvl="1" indent="-366713">
+              <a:lnSpc>
+                <a:spcPts val="3400"/>
+              </a:lnSpc>
+              <a:spcBef>
+                <a:spcPts val="300"/>
+              </a:spcBef>
+            </a:pPr>
+            <a:r>
+              <a:rPr lang="en-US" sz="2600" dirty="0" smtClean="0"/>
+              <a:t>Student will Suggest Interesting Topics</a:t>
+            </a:r>
+            <a:endParaRPr lang="en-US" sz="2600" dirty="0" smtClean="0"/>
+          </a:p>
+          <a:p>
+            <a:pPr marL="361950" lvl="0" indent="-361950">
+              <a:lnSpc>
+                <a:spcPts val="3400"/>
+              </a:lnSpc>
+              <a:spcBef>
+                <a:spcPts val="300"/>
+              </a:spcBef>
+              <a:buFont typeface="+mj-lt"/>
+              <a:buAutoNum type="arabicPeriod" startAt="12"/>
+              <a:tabLst/>
+            </a:pPr>
+            <a:r>
+              <a:rPr lang="en-US" sz="2800" dirty="0" smtClean="0"/>
+              <a:t>Additional Topic #</a:t>
+            </a:r>
+            <a:r>
+              <a:rPr lang="en-US" sz="2800" dirty="0" smtClean="0"/>
+              <a:t>1</a:t>
+            </a:r>
+          </a:p>
+          <a:p>
+            <a:pPr marL="361950" lvl="0" indent="-361950">
+              <a:lnSpc>
+                <a:spcPts val="3400"/>
+              </a:lnSpc>
+              <a:spcBef>
+                <a:spcPts val="300"/>
+              </a:spcBef>
+              <a:buFont typeface="+mj-lt"/>
+              <a:buAutoNum type="arabicPeriod" startAt="12"/>
+              <a:tabLst/>
+            </a:pPr>
+            <a:r>
+              <a:rPr lang="en-US" sz="2800" dirty="0" smtClean="0"/>
+              <a:t>Certification Exam</a:t>
+            </a:r>
+            <a:endParaRPr lang="en-US" sz="2600" dirty="0" smtClean="0"/>
+          </a:p>
+        </p:txBody>
+      </p:sp>
+      <p:sp>
+        <p:nvSpPr>
+          <p:cNvPr id="4" name="Slide Number Placeholder 3"/>
+          <p:cNvSpPr>
+            <a:spLocks noGrp="1"/>
+          </p:cNvSpPr>
+          <p:nvPr>
+            <p:ph type="sldNum" sz="quarter" idx="10"/>
+          </p:nvPr>
+        </p:nvSpPr>
+        <p:spPr/>
+        <p:txBody>
+          <a:bodyPr/>
+          <a:lstStyle/>
+          <a:p>
+            <a:pPr>
+              <a:defRPr/>
+            </a:pPr>
+            <a:fld id="{58452FF4-89E3-4D1B-9927-2DBDC00E58D7}" type="slidenum">
+              <a:rPr lang="en-US" smtClean="0"/>
+              <a:pPr>
+                <a:defRPr/>
+              </a:pPr>
+              <a:t>9</a:t>
+            </a:fld>
+            <a:endParaRPr lang="en-US" dirty="0"/>
+          </a:p>
+        </p:txBody>
+      </p:sp>
+    </p:spTree>
+  </p:cSld>
+  <p:clrMapOvr>
+    <a:masterClrMapping/>
+  </p:clrMapOvr>
+  <p:timing>
+    <p:tnLst>
+      <p:par>
+        <p:cTn id="1" dur="indefinite" restart="never" nodeType="tmRoot"/>
+      </p:par>
+    </p:tnLst>
+  </p:timing>
 </p:sld>
 </file>
 

--- a/trunk/lectures/0. Course Introduction.pptx
+++ b/trunk/lectures/0. Course Introduction.pptx
@@ -281,7 +281,7 @@
             <a:fld id="{3BF7C7B5-275F-4D1F-9AB4-9255447DBC73}" type="datetimeFigureOut">
               <a:rPr lang="en-US"/>
               <a:pPr/>
-              <a:t>2/3/2010</a:t>
+              <a:t>2/12/2010</a:t>
             </a:fld>
             <a:endParaRPr lang="en-US" dirty="0"/>
           </a:p>
@@ -507,7 +507,7 @@
             <a:fld id="{9B46F231-FB2B-4655-A644-E2477325E686}" type="datetimeFigureOut">
               <a:rPr lang="en-US"/>
               <a:pPr/>
-              <a:t>2/3/2010</a:t>
+              <a:t>2/12/2010</a:t>
             </a:fld>
             <a:endParaRPr lang="en-US" dirty="0"/>
           </a:p>
@@ -4280,27 +4280,7 @@
                 <a:latin typeface="Corbel"/>
                 <a:hlinkClick r:id="rId4"/>
               </a:rPr>
-              <a:t>http://</a:t>
-            </a:r>
-            <a:r>
-              <a:rPr lang="en-US" sz="3000" b="1" noProof="1" smtClean="0">
-                <a:solidFill>
-                  <a:srgbClr val="CCFF66">
-                    <a:lumMod val="40000"/>
-                    <a:lumOff val="60000"/>
-                  </a:srgbClr>
-                </a:solidFill>
-                <a:effectLst>
-                  <a:outerShdw blurRad="38100" dist="38100" dir="2700000" algn="tl">
-                    <a:srgbClr val="000000">
-                      <a:alpha val="43137"/>
-                    </a:srgbClr>
-                  </a:outerShdw>
-                </a:effectLst>
-                <a:latin typeface="Corbel"/>
-                <a:hlinkClick r:id="rId4"/>
-              </a:rPr>
-              <a:t>nakov.com/blog/</a:t>
+              <a:t>http://nakov.com/blog/</a:t>
             </a:r>
             <a:endParaRPr lang="en-US" sz="3000" b="1" dirty="0">
               <a:solidFill>
@@ -4439,7 +4419,6 @@
               <a:rPr lang="en-US" dirty="0" smtClean="0"/>
               <a:t>Mihail Stoynov</a:t>
             </a:r>
-            <a:endParaRPr lang="en-US" dirty="0" smtClean="0"/>
           </a:p>
           <a:p>
             <a:pPr lvl="1">
@@ -4449,23 +4428,7 @@
             </a:pPr>
             <a:r>
               <a:rPr lang="en-US" dirty="0" smtClean="0"/>
-              <a:t>Technical Lead</a:t>
-            </a:r>
-            <a:r>
-              <a:rPr lang="en-US" dirty="0" smtClean="0"/>
-              <a:t>,	 </a:t>
-            </a:r>
-            <a:r>
-              <a:rPr lang="en-US" dirty="0" smtClean="0"/>
-              <a:t>	         </a:t>
-            </a:r>
-            <a:r>
-              <a:rPr lang="en-US" dirty="0" smtClean="0"/>
-              <a:t>Materna Bulgaria</a:t>
-            </a:r>
-            <a:r>
-              <a:rPr lang="en-US" dirty="0" smtClean="0"/>
-              <a:t>, </a:t>
+              <a:t>Technical Lead,	 	         Materna Bulgaria, </a:t>
             </a:r>
             <a:r>
               <a:rPr lang="en-US" dirty="0" smtClean="0">
@@ -4569,43 +4532,8 @@
                 </a:effectLst>
                 <a:latin typeface="Corbel"/>
               </a:rPr>
-              <a:t>[at] </a:t>
-            </a:r>
-            <a:r>
-              <a:rPr lang="en-US" sz="3000" b="1" dirty="0" smtClean="0">
-                <a:solidFill>
-                  <a:srgbClr val="CCFF66">
-                    <a:lumMod val="40000"/>
-                    <a:lumOff val="60000"/>
-                  </a:srgbClr>
-                </a:solidFill>
-                <a:effectLst>
-                  <a:outerShdw blurRad="38100" dist="38100" dir="2700000" algn="tl">
-                    <a:srgbClr val="000000">
-                      <a:alpha val="43137"/>
-                    </a:srgbClr>
-                  </a:outerShdw>
-                </a:effectLst>
-                <a:latin typeface="Corbel"/>
-              </a:rPr>
-              <a:t>stoynov.com</a:t>
-            </a:r>
-            <a:endParaRPr lang="en-US" sz="3000" b="1" dirty="0" smtClean="0">
-              <a:solidFill>
-                <a:srgbClr val="CCFF66">
-                  <a:lumMod val="40000"/>
-                  <a:lumOff val="60000"/>
-                </a:srgbClr>
-              </a:solidFill>
-              <a:effectLst>
-                <a:outerShdw blurRad="38100" dist="38100" dir="2700000" algn="tl">
-                  <a:srgbClr val="000000">
-                    <a:alpha val="43137"/>
-                  </a:srgbClr>
-                </a:outerShdw>
-              </a:effectLst>
-              <a:latin typeface="Corbel"/>
-            </a:endParaRPr>
+              <a:t>[at] stoynov.com</a:t>
+            </a:r>
           </a:p>
           <a:p>
             <a:pPr marL="630238" lvl="1" indent="-273050">
@@ -4641,26 +4569,7 @@
                 </a:effectLst>
                 <a:latin typeface="Corbel"/>
               </a:rPr>
-              <a:t>Blog</a:t>
-            </a:r>
-            <a:r>
-              <a:rPr lang="en-US" sz="3000" b="1" noProof="1" smtClean="0">
-                <a:solidFill>
-                  <a:srgbClr val="CCFF66">
-                    <a:lumMod val="40000"/>
-                    <a:lumOff val="60000"/>
-                  </a:srgbClr>
-                </a:solidFill>
-                <a:effectLst>
-                  <a:outerShdw blurRad="38100" dist="38100" dir="2700000" algn="tl">
-                    <a:srgbClr val="000000">
-                      <a:alpha val="43137"/>
-                    </a:srgbClr>
-                  </a:outerShdw>
-                </a:effectLst>
-                <a:latin typeface="Corbel"/>
-              </a:rPr>
-              <a:t>: </a:t>
+              <a:t>Blog: </a:t>
             </a:r>
             <a:r>
               <a:rPr lang="en-US" sz="3000" b="1" noProof="1" smtClean="0">
@@ -4680,47 +4589,7 @@
                 <a:latin typeface="Corbel"/>
                 <a:hlinkClick r:id="rId3"/>
               </a:rPr>
-              <a:t>http://</a:t>
-            </a:r>
-            <a:r>
-              <a:rPr lang="en-US" sz="3000" b="1" noProof="1" smtClean="0">
-                <a:solidFill>
-                  <a:srgbClr val="CCFF66">
-                    <a:lumMod val="40000"/>
-                    <a:lumOff val="60000"/>
-                  </a:srgbClr>
-                </a:solidFill>
-                <a:effectLst>
-                  <a:outerShdw blurRad="38100" dist="38100" dir="2700000" algn="tl">
-                    <a:srgbClr val="000000">
-                      <a:alpha val="43137"/>
-                    </a:srgbClr>
-                  </a:outerShdw>
-                </a:effectLst>
-                <a:latin typeface="Corbel"/>
-                <a:hlinkClick r:id="rId3"/>
-              </a:rPr>
-              <a:t>mihail.stoynov.com/blog</a:t>
-            </a:r>
-            <a:r>
-              <a:rPr lang="en-US" sz="3000" b="1" noProof="1" smtClean="0">
-                <a:solidFill>
-                  <a:srgbClr val="CCFF66">
-                    <a:lumMod val="40000"/>
-                    <a:lumOff val="60000"/>
-                  </a:srgbClr>
-                </a:solidFill>
-                <a:effectLst>
-                  <a:outerShdw blurRad="38100" dist="38100" dir="2700000" algn="tl">
-                    <a:srgbClr val="000000">
-                      <a:alpha val="43137"/>
-                    </a:srgbClr>
-                  </a:outerShdw>
-                </a:effectLst>
-                <a:latin typeface="Corbel"/>
-                <a:hlinkClick r:id="rId3"/>
-              </a:rPr>
-              <a:t>/</a:t>
+              <a:t>http://mihail.stoynov.com/blog/</a:t>
             </a:r>
             <a:endParaRPr lang="en-US" sz="3000" b="1" dirty="0">
               <a:solidFill>
@@ -4897,7 +4766,6 @@
               <a:rPr lang="en-US" dirty="0" smtClean="0"/>
               <a:t>Branislav Abadjimarinov</a:t>
             </a:r>
-            <a:endParaRPr lang="en-US" dirty="0" smtClean="0"/>
           </a:p>
           <a:p>
             <a:pPr lvl="1">
@@ -4907,19 +4775,7 @@
             </a:pPr>
             <a:r>
               <a:rPr lang="en-US" dirty="0" smtClean="0"/>
-              <a:t>Senior .NET Developer</a:t>
-            </a:r>
-            <a:r>
-              <a:rPr lang="en-US" dirty="0" smtClean="0"/>
-              <a:t>, </a:t>
-            </a:r>
-            <a:r>
-              <a:rPr lang="en-US" dirty="0" smtClean="0"/>
-              <a:t>	         </a:t>
-            </a:r>
-            <a:r>
-              <a:rPr lang="en-US" dirty="0" smtClean="0"/>
-              <a:t>ProPeople, </a:t>
+              <a:t>Senior .NET Developer, 	         ProPeople, </a:t>
             </a:r>
             <a:r>
               <a:rPr lang="en-US" dirty="0" smtClean="0">
@@ -5023,43 +4879,8 @@
                 </a:effectLst>
                 <a:latin typeface="Corbel"/>
               </a:rPr>
-              <a:t>[at] </a:t>
-            </a:r>
-            <a:r>
-              <a:rPr lang="en-US" sz="3000" b="1" dirty="0" smtClean="0">
-                <a:solidFill>
-                  <a:srgbClr val="CCFF66">
-                    <a:lumMod val="40000"/>
-                    <a:lumOff val="60000"/>
-                  </a:srgbClr>
-                </a:solidFill>
-                <a:effectLst>
-                  <a:outerShdw blurRad="38100" dist="38100" dir="2700000" algn="tl">
-                    <a:srgbClr val="000000">
-                      <a:alpha val="43137"/>
-                    </a:srgbClr>
-                  </a:outerShdw>
-                </a:effectLst>
-                <a:latin typeface="Corbel"/>
-              </a:rPr>
-              <a:t>gmail.com</a:t>
-            </a:r>
-            <a:endParaRPr lang="en-US" sz="3000" b="1" dirty="0" smtClean="0">
-              <a:solidFill>
-                <a:srgbClr val="CCFF66">
-                  <a:lumMod val="40000"/>
-                  <a:lumOff val="60000"/>
-                </a:srgbClr>
-              </a:solidFill>
-              <a:effectLst>
-                <a:outerShdw blurRad="38100" dist="38100" dir="2700000" algn="tl">
-                  <a:srgbClr val="000000">
-                    <a:alpha val="43137"/>
-                  </a:srgbClr>
-                </a:outerShdw>
-              </a:effectLst>
-              <a:latin typeface="Corbel"/>
-            </a:endParaRPr>
+              <a:t>[at] gmail.com</a:t>
+            </a:r>
           </a:p>
           <a:p>
             <a:pPr marL="630238" lvl="1" indent="-273050">
@@ -5115,47 +4936,7 @@
                 <a:latin typeface="Corbel"/>
                 <a:hlinkClick r:id="rId3"/>
               </a:rPr>
-              <a:t>http</a:t>
-            </a:r>
-            <a:r>
-              <a:rPr lang="en-US" sz="3000" b="1" noProof="1" smtClean="0">
-                <a:solidFill>
-                  <a:srgbClr val="CCFF66">
-                    <a:lumMod val="40000"/>
-                    <a:lumOff val="60000"/>
-                  </a:srgbClr>
-                </a:solidFill>
-                <a:effectLst>
-                  <a:outerShdw blurRad="38100" dist="38100" dir="2700000" algn="tl">
-                    <a:srgbClr val="000000">
-                      <a:alpha val="43137"/>
-                    </a:srgbClr>
-                  </a:outerShdw>
-                </a:effectLst>
-                <a:latin typeface="Corbel"/>
-                <a:hlinkClick r:id="rId3"/>
-              </a:rPr>
-              <a:t>://</a:t>
-            </a:r>
-            <a:r>
-              <a:rPr lang="en-US" sz="3000" b="1" noProof="1" smtClean="0">
-                <a:solidFill>
-                  <a:srgbClr val="CCFF66">
-                    <a:lumMod val="40000"/>
-                    <a:lumOff val="60000"/>
-                  </a:srgbClr>
-                </a:solidFill>
-                <a:effectLst>
-                  <a:outerShdw blurRad="38100" dist="38100" dir="2700000" algn="tl">
-                    <a:srgbClr val="000000">
-                      <a:alpha val="43137"/>
-                    </a:srgbClr>
-                  </a:outerShdw>
-                </a:effectLst>
-                <a:latin typeface="Corbel"/>
-                <a:hlinkClick r:id="rId3"/>
-              </a:rPr>
-              <a:t>abadjimarinov.net</a:t>
+              <a:t>http://abadjimarinov.net</a:t>
             </a:r>
             <a:endParaRPr lang="en-US" sz="3000" b="1" dirty="0">
               <a:solidFill>
@@ -5176,44 +4957,6 @@
           </a:p>
         </p:txBody>
       </p:sp>
-      <p:pic>
-        <p:nvPicPr>
-          <p:cNvPr id="16385" name="Picture 1"/>
-          <p:cNvPicPr>
-            <a:picLocks noChangeAspect="1" noChangeArrowheads="1"/>
-          </p:cNvPicPr>
-          <p:nvPr/>
-        </p:nvPicPr>
-        <p:blipFill>
-          <a:blip r:embed="rId4" cstate="print">
-            <a:lum/>
-          </a:blip>
-          <a:srcRect/>
-          <a:stretch>
-            <a:fillRect/>
-          </a:stretch>
-        </p:blipFill>
-        <p:spPr bwMode="auto">
-          <a:xfrm>
-            <a:off x="6818041" y="1219200"/>
-            <a:ext cx="1597292" cy="1966913"/>
-          </a:xfrm>
-          <a:prstGeom prst="rect">
-            <a:avLst/>
-          </a:prstGeom>
-          <a:noFill/>
-          <a:ln w="3175">
-            <a:solidFill>
-              <a:schemeClr val="accent5">
-                <a:lumMod val="75000"/>
-              </a:schemeClr>
-            </a:solidFill>
-            <a:miter lim="800000"/>
-            <a:headEnd/>
-            <a:tailEnd/>
-          </a:ln>
-        </p:spPr>
-      </p:pic>
       <p:sp>
         <p:nvSpPr>
           <p:cNvPr id="9" name="Slide Number Placeholder 3"/>
@@ -5248,6 +4991,44 @@
           </a:p>
         </p:txBody>
       </p:sp>
+      <p:pic>
+        <p:nvPicPr>
+          <p:cNvPr id="1026" name="Picture 2" descr="C:\Users\nakov\AppData\Local\Temp\1\_TS57E3.tmp\_TS4E.tmp\Branislav Abadjimarinov.jpg"/>
+          <p:cNvPicPr>
+            <a:picLocks noChangeAspect="1" noChangeArrowheads="1"/>
+          </p:cNvPicPr>
+          <p:nvPr/>
+        </p:nvPicPr>
+        <p:blipFill>
+          <a:blip r:embed="rId4" cstate="print">
+            <a:lum bright="20000" contrast="10000"/>
+          </a:blip>
+          <a:srcRect b="11599"/>
+          <a:stretch>
+            <a:fillRect/>
+          </a:stretch>
+        </p:blipFill>
+        <p:spPr bwMode="auto">
+          <a:xfrm>
+            <a:off x="6761703" y="1229247"/>
+            <a:ext cx="1658815" cy="1967345"/>
+          </a:xfrm>
+          <a:prstGeom prst="rect">
+            <a:avLst/>
+          </a:prstGeom>
+          <a:noFill/>
+          <a:ln w="3175">
+            <a:solidFill>
+              <a:schemeClr val="accent5">
+                <a:lumMod val="75000"/>
+              </a:schemeClr>
+            </a:solidFill>
+            <a:miter lim="800000"/>
+            <a:headEnd/>
+            <a:tailEnd/>
+          </a:ln>
+        </p:spPr>
+      </p:pic>
     </p:spTree>
   </p:cSld>
   <p:clrMapOvr>
@@ -5332,7 +5113,6 @@
               <a:rPr lang="en-US" dirty="0" smtClean="0"/>
               <a:t>Ventsislav Popov</a:t>
             </a:r>
-            <a:endParaRPr lang="en-US" dirty="0" smtClean="0"/>
           </a:p>
           <a:p>
             <a:pPr lvl="1">
@@ -5342,15 +5122,7 @@
             </a:pPr>
             <a:r>
               <a:rPr lang="en-US" dirty="0" smtClean="0"/>
-              <a:t>Developer,		 </a:t>
-            </a:r>
-            <a:r>
-              <a:rPr lang="en-US" dirty="0" smtClean="0"/>
-              <a:t>	         </a:t>
-            </a:r>
-            <a:r>
-              <a:rPr lang="en-US" dirty="0" smtClean="0"/>
-              <a:t>Crossroad,		 </a:t>
+              <a:t>Developer,		 	         Crossroad,		 </a:t>
             </a:r>
             <a:r>
               <a:rPr lang="en-US" dirty="0" smtClean="0">
@@ -5454,43 +5226,8 @@
                 </a:effectLst>
                 <a:latin typeface="Corbel"/>
               </a:rPr>
-              <a:t>[at] </a:t>
-            </a:r>
-            <a:r>
-              <a:rPr lang="en-US" sz="3000" b="1" dirty="0" smtClean="0">
-                <a:solidFill>
-                  <a:srgbClr val="CCFF66">
-                    <a:lumMod val="40000"/>
-                    <a:lumOff val="60000"/>
-                  </a:srgbClr>
-                </a:solidFill>
-                <a:effectLst>
-                  <a:outerShdw blurRad="38100" dist="38100" dir="2700000" algn="tl">
-                    <a:srgbClr val="000000">
-                      <a:alpha val="43137"/>
-                    </a:srgbClr>
-                  </a:outerShdw>
-                </a:effectLst>
-                <a:latin typeface="Corbel"/>
-              </a:rPr>
-              <a:t>gmail.com</a:t>
-            </a:r>
-            <a:endParaRPr lang="en-US" sz="3000" b="1" dirty="0" smtClean="0">
-              <a:solidFill>
-                <a:srgbClr val="CCFF66">
-                  <a:lumMod val="40000"/>
-                  <a:lumOff val="60000"/>
-                </a:srgbClr>
-              </a:solidFill>
-              <a:effectLst>
-                <a:outerShdw blurRad="38100" dist="38100" dir="2700000" algn="tl">
-                  <a:srgbClr val="000000">
-                    <a:alpha val="43137"/>
-                  </a:srgbClr>
-                </a:outerShdw>
-              </a:effectLst>
-              <a:latin typeface="Corbel"/>
-            </a:endParaRPr>
+              <a:t>[at] gmail.com</a:t>
+            </a:r>
           </a:p>
         </p:txBody>
       </p:sp>
@@ -6016,7 +5753,6 @@
               <a:rPr lang="en-US" dirty="0" smtClean="0"/>
               <a:t>Svetlin Ralchev</a:t>
             </a:r>
-            <a:endParaRPr lang="en-US" dirty="0" smtClean="0"/>
           </a:p>
           <a:p>
             <a:pPr lvl="1">
@@ -6130,26 +5866,7 @@
                 </a:effectLst>
                 <a:latin typeface="Corbel"/>
               </a:rPr>
-              <a:t>[at</a:t>
-            </a:r>
-            <a:r>
-              <a:rPr lang="en-US" sz="3000" b="1" dirty="0" smtClean="0">
-                <a:solidFill>
-                  <a:srgbClr val="CCFF66">
-                    <a:lumMod val="40000"/>
-                    <a:lumOff val="60000"/>
-                  </a:srgbClr>
-                </a:solidFill>
-                <a:effectLst>
-                  <a:outerShdw blurRad="38100" dist="38100" dir="2700000" algn="tl">
-                    <a:srgbClr val="000000">
-                      <a:alpha val="43137"/>
-                    </a:srgbClr>
-                  </a:outerShdw>
-                </a:effectLst>
-                <a:latin typeface="Corbel"/>
-              </a:rPr>
-              <a:t>] telerik.com</a:t>
+              <a:t>[at] telerik.com</a:t>
             </a:r>
           </a:p>
           <a:p>
@@ -6186,26 +5903,7 @@
                 </a:effectLst>
                 <a:latin typeface="Corbel"/>
               </a:rPr>
-              <a:t>Blog</a:t>
-            </a:r>
-            <a:r>
-              <a:rPr lang="en-US" sz="3000" b="1" noProof="1" smtClean="0">
-                <a:solidFill>
-                  <a:srgbClr val="CCFF66">
-                    <a:lumMod val="40000"/>
-                    <a:lumOff val="60000"/>
-                  </a:srgbClr>
-                </a:solidFill>
-                <a:effectLst>
-                  <a:outerShdw blurRad="38100" dist="38100" dir="2700000" algn="tl">
-                    <a:srgbClr val="000000">
-                      <a:alpha val="43137"/>
-                    </a:srgbClr>
-                  </a:outerShdw>
-                </a:effectLst>
-                <a:latin typeface="Corbel"/>
-              </a:rPr>
-              <a:t>: </a:t>
+              <a:t>Blog: </a:t>
             </a:r>
             <a:r>
               <a:rPr lang="en-US" sz="3000" b="1" noProof="1" smtClean="0">
@@ -6225,47 +5923,7 @@
                 <a:latin typeface="Corbel"/>
                 <a:hlinkClick r:id="rId3"/>
               </a:rPr>
-              <a:t>http</a:t>
-            </a:r>
-            <a:r>
-              <a:rPr lang="en-US" sz="3000" b="1" noProof="1" smtClean="0">
-                <a:solidFill>
-                  <a:srgbClr val="CCFF66">
-                    <a:lumMod val="40000"/>
-                    <a:lumOff val="60000"/>
-                  </a:srgbClr>
-                </a:solidFill>
-                <a:effectLst>
-                  <a:outerShdw blurRad="38100" dist="38100" dir="2700000" algn="tl">
-                    <a:srgbClr val="000000">
-                      <a:alpha val="43137"/>
-                    </a:srgbClr>
-                  </a:outerShdw>
-                </a:effectLst>
-                <a:latin typeface="Corbel"/>
-                <a:hlinkClick r:id="rId3"/>
-              </a:rPr>
-              <a:t>://</a:t>
-            </a:r>
-            <a:r>
-              <a:rPr lang="en-US" sz="3000" b="1" noProof="1" smtClean="0">
-                <a:solidFill>
-                  <a:srgbClr val="CCFF66">
-                    <a:lumMod val="40000"/>
-                    <a:lumOff val="60000"/>
-                  </a:srgbClr>
-                </a:solidFill>
-                <a:effectLst>
-                  <a:outerShdw blurRad="38100" dist="38100" dir="2700000" algn="tl">
-                    <a:srgbClr val="000000">
-                      <a:alpha val="43137"/>
-                    </a:srgbClr>
-                  </a:outerShdw>
-                </a:effectLst>
-                <a:latin typeface="Corbel"/>
-                <a:hlinkClick r:id="rId3"/>
-              </a:rPr>
-              <a:t>blog.ralch.com</a:t>
+              <a:t>http://blog.ralch.com</a:t>
             </a:r>
             <a:endParaRPr lang="en-US" sz="3000" b="1" dirty="0">
               <a:solidFill>
@@ -6442,7 +6100,6 @@
               <a:rPr lang="en-US" dirty="0" smtClean="0"/>
               <a:t>Ivaylo Hristov</a:t>
             </a:r>
-            <a:endParaRPr lang="en-US" dirty="0" smtClean="0"/>
           </a:p>
           <a:p>
             <a:pPr lvl="1">
@@ -6452,23 +6109,7 @@
             </a:pPr>
             <a:r>
               <a:rPr lang="en-US" dirty="0" smtClean="0"/>
-              <a:t>Managing partner, </a:t>
-            </a:r>
-            <a:r>
-              <a:rPr lang="en-US" dirty="0" smtClean="0"/>
-              <a:t>	</a:t>
-            </a:r>
-            <a:r>
-              <a:rPr lang="en-US" dirty="0" smtClean="0"/>
-              <a:t>	 </a:t>
-            </a:r>
-            <a:r>
-              <a:rPr lang="en-US" dirty="0" smtClean="0"/>
-              <a:t>Komfo Bulgaria</a:t>
-            </a:r>
-            <a:r>
-              <a:rPr lang="en-US" dirty="0" smtClean="0"/>
-              <a:t>,		 </a:t>
+              <a:t>Managing partner, 		 Komfo Bulgaria,		 </a:t>
             </a:r>
             <a:r>
               <a:rPr lang="en-US" dirty="0" smtClean="0">
@@ -6572,43 +6213,8 @@
                 </a:effectLst>
                 <a:latin typeface="Corbel"/>
               </a:rPr>
-              <a:t>[at] </a:t>
-            </a:r>
-            <a:r>
-              <a:rPr lang="en-US" sz="3000" b="1" dirty="0" smtClean="0">
-                <a:solidFill>
-                  <a:srgbClr val="CCFF66">
-                    <a:lumMod val="40000"/>
-                    <a:lumOff val="60000"/>
-                  </a:srgbClr>
-                </a:solidFill>
-                <a:effectLst>
-                  <a:outerShdw blurRad="38100" dist="38100" dir="2700000" algn="tl">
-                    <a:srgbClr val="000000">
-                      <a:alpha val="43137"/>
-                    </a:srgbClr>
-                  </a:outerShdw>
-                </a:effectLst>
-                <a:latin typeface="Corbel"/>
-              </a:rPr>
-              <a:t>ivaylo-hristov.net</a:t>
-            </a:r>
-            <a:endParaRPr lang="en-US" sz="3000" b="1" dirty="0" smtClean="0">
-              <a:solidFill>
-                <a:srgbClr val="CCFF66">
-                  <a:lumMod val="40000"/>
-                  <a:lumOff val="60000"/>
-                </a:srgbClr>
-              </a:solidFill>
-              <a:effectLst>
-                <a:outerShdw blurRad="38100" dist="38100" dir="2700000" algn="tl">
-                  <a:srgbClr val="000000">
-                    <a:alpha val="43137"/>
-                  </a:srgbClr>
-                </a:outerShdw>
-              </a:effectLst>
-              <a:latin typeface="Corbel"/>
-            </a:endParaRPr>
+              <a:t>[at] ivaylo-hristov.net</a:t>
+            </a:r>
           </a:p>
           <a:p>
             <a:pPr marL="630238" lvl="1" indent="-273050">
@@ -6664,47 +6270,7 @@
                 <a:latin typeface="Corbel"/>
                 <a:hlinkClick r:id="rId3"/>
               </a:rPr>
-              <a:t>http</a:t>
-            </a:r>
-            <a:r>
-              <a:rPr lang="en-US" sz="3000" b="1" noProof="1" smtClean="0">
-                <a:solidFill>
-                  <a:srgbClr val="CCFF66">
-                    <a:lumMod val="40000"/>
-                    <a:lumOff val="60000"/>
-                  </a:srgbClr>
-                </a:solidFill>
-                <a:effectLst>
-                  <a:outerShdw blurRad="38100" dist="38100" dir="2700000" algn="tl">
-                    <a:srgbClr val="000000">
-                      <a:alpha val="43137"/>
-                    </a:srgbClr>
-                  </a:outerShdw>
-                </a:effectLst>
-                <a:latin typeface="Corbel"/>
-                <a:hlinkClick r:id="rId3"/>
-              </a:rPr>
-              <a:t>://</a:t>
-            </a:r>
-            <a:r>
-              <a:rPr lang="en-US" sz="3000" b="1" noProof="1" smtClean="0">
-                <a:solidFill>
-                  <a:srgbClr val="CCFF66">
-                    <a:lumMod val="40000"/>
-                    <a:lumOff val="60000"/>
-                  </a:srgbClr>
-                </a:solidFill>
-                <a:effectLst>
-                  <a:outerShdw blurRad="38100" dist="38100" dir="2700000" algn="tl">
-                    <a:srgbClr val="000000">
-                      <a:alpha val="43137"/>
-                    </a:srgbClr>
-                  </a:outerShdw>
-                </a:effectLst>
-                <a:latin typeface="Corbel"/>
-                <a:hlinkClick r:id="rId3"/>
-              </a:rPr>
-              <a:t>ivaylo-hristov.net</a:t>
+              <a:t>http://ivaylo-hristov.net</a:t>
             </a:r>
             <a:endParaRPr lang="en-US" sz="3000" b="1" dirty="0">
               <a:solidFill>
@@ -7039,15 +6605,7 @@
             </a:pPr>
             <a:r>
               <a:rPr lang="en-US" dirty="0" smtClean="0"/>
-              <a:t>Dynamic </a:t>
-            </a:r>
-            <a:r>
-              <a:rPr lang="en-US" dirty="0" smtClean="0"/>
-              <a:t>Web </a:t>
-            </a:r>
-            <a:r>
-              <a:rPr lang="en-US" dirty="0" smtClean="0"/>
-              <a:t>application – developed at home</a:t>
+              <a:t>Dynamic Web application – developed at home</a:t>
             </a:r>
           </a:p>
           <a:p>
@@ -7058,23 +6616,7 @@
             </a:pPr>
             <a:r>
               <a:rPr lang="en-US" dirty="0" smtClean="0"/>
-              <a:t>Based </a:t>
-            </a:r>
-            <a:r>
-              <a:rPr lang="en-US" dirty="0" smtClean="0"/>
-              <a:t>on .NET Framework, ASP.NET </a:t>
-            </a:r>
-            <a:r>
-              <a:rPr lang="en-US" dirty="0" smtClean="0"/>
-              <a:t>Web Forms</a:t>
-            </a:r>
-            <a:r>
-              <a:rPr lang="en-US" dirty="0" smtClean="0"/>
-              <a:t>, SQL Server and </a:t>
-            </a:r>
-            <a:r>
-              <a:rPr lang="en-US" dirty="0" smtClean="0"/>
-              <a:t>LINQ-to-SQL</a:t>
+              <a:t>Based on .NET Framework, ASP.NET Web Forms, SQL Server and LINQ-to-SQL</a:t>
             </a:r>
           </a:p>
           <a:p>
@@ -7272,11 +6814,7 @@
           <a:p>
             <a:r>
               <a:rPr lang="en-US" sz="3000" dirty="0" smtClean="0"/>
-              <a:t>Web Applications Development with .NET Framework and ASP.NET </a:t>
-            </a:r>
-            <a:r>
-              <a:rPr lang="en-US" sz="3000" dirty="0" smtClean="0"/>
-              <a:t>objectives</a:t>
+              <a:t>Web Applications Development with .NET Framework and ASP.NET objectives</a:t>
             </a:r>
           </a:p>
           <a:p>
@@ -7320,7 +6858,6 @@
               <a:rPr lang="en-US" sz="2800" dirty="0" smtClean="0"/>
               <a:t>Silverlight</a:t>
             </a:r>
-            <a:endParaRPr lang="en-US" sz="2800" dirty="0" smtClean="0"/>
           </a:p>
         </p:txBody>
       </p:sp>
@@ -7485,13 +7022,8 @@
             </a:pPr>
             <a:r>
               <a:rPr lang="en-US" sz="2800" dirty="0" smtClean="0"/>
-              <a:t>Will be asked to extend </a:t>
-            </a:r>
-            <a:r>
-              <a:rPr lang="en-US" sz="2800" dirty="0" smtClean="0"/>
-              <a:t>the existing functionality</a:t>
-            </a:r>
-            <a:endParaRPr lang="en-US" sz="2800" dirty="0" smtClean="0"/>
+              <a:t>Will be asked to extend the existing functionality</a:t>
+            </a:r>
           </a:p>
           <a:p>
             <a:pPr lvl="1">
@@ -7523,11 +7055,7 @@
             </a:r>
             <a:r>
               <a:rPr lang="en-US" sz="2800" dirty="0" smtClean="0"/>
-              <a:t> </a:t>
-            </a:r>
-            <a:r>
-              <a:rPr lang="en-US" sz="2800" dirty="0" smtClean="0"/>
-              <a:t>scores</a:t>
+              <a:t> scores</a:t>
             </a:r>
             <a:endParaRPr lang="en-US" sz="3000" dirty="0" smtClean="0">
               <a:latin typeface="Consolas" pitchFamily="49" charset="0"/>
@@ -7871,26 +7399,6 @@
                         </a:rPr>
                         <a:t>51-60</a:t>
                       </a:r>
-                      <a:endParaRPr kumimoji="0" lang="en-US" sz="2400" b="1" i="0" u="none" strike="noStrike" kern="1200" cap="none" spc="0" normalizeH="0" baseline="0" noProof="0" dirty="0" smtClean="0">
-                        <a:ln>
-                          <a:noFill/>
-                        </a:ln>
-                        <a:solidFill>
-                          <a:srgbClr val="EBFFD2"/>
-                        </a:solidFill>
-                        <a:effectLst>
-                          <a:outerShdw blurRad="38100" dist="38100" dir="2700000" algn="tl">
-                            <a:srgbClr val="000000">
-                              <a:alpha val="43137"/>
-                            </a:srgbClr>
-                          </a:outerShdw>
-                        </a:effectLst>
-                        <a:uLnTx/>
-                        <a:uFillTx/>
-                        <a:latin typeface="Consolas" pitchFamily="49" charset="0"/>
-                        <a:ea typeface="+mn-ea"/>
-                        <a:cs typeface="Consolas" pitchFamily="49" charset="0"/>
-                      </a:endParaRPr>
                     </a:p>
                   </a:txBody>
                   <a:tcPr anchor="ctr" horzOverflow="overflow">
@@ -9120,7 +8628,6 @@
               <a:rPr lang="en-US" dirty="0" smtClean="0"/>
               <a:t> score from the practical project</a:t>
             </a:r>
-            <a:endParaRPr lang="en-US" dirty="0" smtClean="0"/>
           </a:p>
           <a:p>
             <a:pPr lvl="1">
@@ -9539,11 +9046,7 @@
             </a:r>
             <a:r>
               <a:rPr lang="en-US" dirty="0" smtClean="0"/>
-              <a:t>, </a:t>
-            </a:r>
-            <a:r>
-              <a:rPr lang="en-US" dirty="0" smtClean="0"/>
-              <a:t>ISBN </a:t>
+              <a:t>, ISBN </a:t>
             </a:r>
             <a:r>
               <a:rPr lang="en-US" dirty="0" smtClean="0">
@@ -9585,11 +9088,7 @@
             </a:r>
             <a:r>
               <a:rPr lang="en-US" dirty="0" smtClean="0"/>
-              <a:t>, </a:t>
-            </a:r>
-            <a:r>
-              <a:rPr lang="en-US" dirty="0" smtClean="0"/>
-              <a:t>ISBN </a:t>
+              <a:t>, ISBN </a:t>
             </a:r>
             <a:r>
               <a:rPr lang="en-US" dirty="0" smtClean="0">
@@ -9620,31 +9119,7 @@
             </a:pPr>
             <a:r>
               <a:rPr lang="en-US" dirty="0" smtClean="0"/>
-              <a:t>MacDonald M., Beginning ASP.NET 3.5 in C# 2008 </a:t>
-            </a:r>
-            <a:r>
-              <a:rPr lang="en-US" dirty="0" smtClean="0"/>
-              <a:t>– From </a:t>
-            </a:r>
-            <a:r>
-              <a:rPr lang="en-US" dirty="0" smtClean="0"/>
-              <a:t>Novice </a:t>
-            </a:r>
-            <a:r>
-              <a:rPr lang="en-US" dirty="0" smtClean="0"/>
-              <a:t>to Professional</a:t>
-            </a:r>
-            <a:r>
-              <a:rPr lang="en-US" dirty="0" smtClean="0"/>
-              <a:t>, </a:t>
-            </a:r>
-            <a:r>
-              <a:rPr lang="en-US" dirty="0" smtClean="0"/>
-              <a:t>APress, </a:t>
-            </a:r>
-            <a:r>
-              <a:rPr lang="en-US" dirty="0" smtClean="0"/>
-              <a:t>ISBN </a:t>
+              <a:t>MacDonald M., Beginning ASP.NET 3.5 in C# 2008 – From Novice to Professional, APress, ISBN </a:t>
             </a:r>
             <a:r>
               <a:rPr lang="en-US" dirty="0" smtClean="0">
@@ -9894,11 +9369,7 @@
           <a:p>
             <a:r>
               <a:rPr lang="en-US" sz="3500" dirty="0" smtClean="0"/>
-              <a:t>Web Applications Development with .NET Framework </a:t>
-            </a:r>
-            <a:r>
-              <a:rPr lang="en-US" sz="3500" dirty="0" smtClean="0"/>
-              <a:t>and ASP.NET</a:t>
+              <a:t>Web Applications Development with .NET Framework and ASP.NET</a:t>
             </a:r>
             <a:endParaRPr lang="bg-BG" sz="3500" dirty="0"/>
           </a:p>
@@ -10590,13 +10061,7 @@
               <a:rPr lang="en-US" sz="2400" b="1" dirty="0" smtClean="0">
                 <a:hlinkClick r:id="rId2"/>
               </a:rPr>
-              <a:t>http://</a:t>
-            </a:r>
-            <a:r>
-              <a:rPr lang="en-US" sz="2400" b="1" dirty="0" smtClean="0">
-                <a:hlinkClick r:id="rId2"/>
-              </a:rPr>
-              <a:t>aspnetcourse.telerik.com</a:t>
+              <a:t>http://aspnetcourse.telerik.com</a:t>
             </a:r>
             <a:endParaRPr lang="en-US" sz="2400" b="1" dirty="0"/>
           </a:p>
@@ -10683,11 +10148,7 @@
             <a:pPr lvl="1"/>
             <a:r>
               <a:rPr lang="en-US" dirty="0" smtClean="0"/>
-              <a:t>One </a:t>
-            </a:r>
-            <a:r>
-              <a:rPr lang="en-US" dirty="0" smtClean="0"/>
-              <a:t>of the following languages:</a:t>
+              <a:t>One of the following languages:</a:t>
             </a:r>
           </a:p>
           <a:p>
@@ -10932,28 +10393,15 @@
             <a:pPr lvl="1"/>
             <a:r>
               <a:rPr lang="en-US" dirty="0" smtClean="0"/>
-              <a:t>Every </a:t>
-            </a:r>
+              <a:t>Every Monday, 18:00-21:00, hall 1154</a:t>
+            </a:r>
+          </a:p>
+          <a:p>
+            <a:pPr lvl="1"/>
             <a:r>
               <a:rPr lang="en-US" dirty="0" smtClean="0"/>
-              <a:t>Monday, </a:t>
-            </a:r>
-            <a:r>
-              <a:rPr lang="en-US" dirty="0" smtClean="0"/>
-              <a:t>18:00-21:00, hall 1154</a:t>
-            </a:r>
-          </a:p>
-          <a:p>
-            <a:pPr lvl="1"/>
-            <a:r>
-              <a:rPr lang="en-US" dirty="0" smtClean="0"/>
-              <a:t>Start: 15 February </a:t>
-            </a:r>
-            <a:r>
-              <a:rPr lang="en-US" dirty="0" smtClean="0"/>
-              <a:t>2010</a:t>
-            </a:r>
-            <a:endParaRPr lang="en-US" dirty="0" smtClean="0"/>
+              <a:t>Start: 15 February 2010</a:t>
+            </a:r>
           </a:p>
         </p:txBody>
       </p:sp>
@@ -11233,11 +10681,7 @@
             </a:pPr>
             <a:r>
               <a:rPr lang="en-US" sz="2600" dirty="0" smtClean="0"/>
-              <a:t>.NET, CLR</a:t>
-            </a:r>
-            <a:r>
-              <a:rPr lang="en-US" sz="2600" dirty="0" smtClean="0"/>
-              <a:t>, MSIL, Assemblies, CTS, .NET languages </a:t>
+              <a:t>.NET, CLR, MSIL, Assemblies, CTS, .NET languages </a:t>
             </a:r>
           </a:p>
           <a:p>
@@ -11268,19 +10712,7 @@
             </a:pPr>
             <a:r>
               <a:rPr lang="en-US" sz="2600" dirty="0" smtClean="0"/>
-              <a:t>Data </a:t>
-            </a:r>
-            <a:r>
-              <a:rPr lang="en-US" sz="2600" dirty="0" smtClean="0"/>
-              <a:t>Types, Operators, Expressions, Statements, Console I/O, </a:t>
-            </a:r>
-            <a:r>
-              <a:rPr lang="en-US" sz="2600" dirty="0" smtClean="0"/>
-              <a:t>if / switch / case, </a:t>
-            </a:r>
-            <a:r>
-              <a:rPr lang="en-US" sz="2600" dirty="0" smtClean="0"/>
-              <a:t>Loops, Arrays, Methods</a:t>
+              <a:t>Data Types, Operators, Expressions, Statements, Console I/O, if / switch / case, Loops, Arrays, Methods</a:t>
             </a:r>
           </a:p>
           <a:p>
@@ -11297,19 +10729,7 @@
             </a:pPr>
             <a:r>
               <a:rPr lang="en-US" sz="2800" dirty="0" smtClean="0"/>
-              <a:t>C# Language </a:t>
-            </a:r>
-            <a:r>
-              <a:rPr lang="en-US" sz="2800" dirty="0" smtClean="0"/>
-              <a:t>Overview – </a:t>
-            </a:r>
-            <a:r>
-              <a:rPr lang="en-US" sz="2800" dirty="0" smtClean="0"/>
-              <a:t>Part </a:t>
-            </a:r>
-            <a:r>
-              <a:rPr lang="en-US" sz="2800" dirty="0" smtClean="0"/>
-              <a:t>II</a:t>
+              <a:t>C# Language Overview – Part II</a:t>
             </a:r>
           </a:p>
           <a:p>
@@ -11323,11 +10743,7 @@
             </a:pPr>
             <a:r>
               <a:rPr lang="en-US" sz="2600" dirty="0" smtClean="0"/>
-              <a:t>Creating </a:t>
-            </a:r>
-            <a:r>
-              <a:rPr lang="en-US" sz="2600" dirty="0" smtClean="0"/>
-              <a:t>and Using Objects, Exceptions, Strings, Generics, Collections, Attributes</a:t>
+              <a:t>Creating and Using Objects, Exceptions, Strings, Generics, Collections, Attributes</a:t>
             </a:r>
           </a:p>
           <a:p>
@@ -11344,11 +10760,7 @@
             </a:pPr>
             <a:r>
               <a:rPr lang="en-US" sz="2800" dirty="0" smtClean="0"/>
-              <a:t>Object-Oriented Programming with C</a:t>
-            </a:r>
-            <a:r>
-              <a:rPr lang="en-US" sz="2800" dirty="0" smtClean="0"/>
-              <a:t>#</a:t>
+              <a:t>Object-Oriented Programming with C#</a:t>
             </a:r>
           </a:p>
           <a:p>
@@ -11362,27 +10774,7 @@
             </a:pPr>
             <a:r>
               <a:rPr lang="en-US" sz="2600" dirty="0" smtClean="0"/>
-              <a:t>Defining </a:t>
-            </a:r>
-            <a:r>
-              <a:rPr lang="en-US" sz="2600" dirty="0" smtClean="0"/>
-              <a:t>Classes, Constructors, Properties, Methods, </a:t>
-            </a:r>
-            <a:r>
-              <a:rPr lang="en-US" sz="2600" dirty="0" smtClean="0"/>
-              <a:t>Events</a:t>
-            </a:r>
-            <a:r>
-              <a:rPr lang="en-US" sz="2600" dirty="0" smtClean="0"/>
-              <a:t>, </a:t>
-            </a:r>
-            <a:r>
-              <a:rPr lang="en-US" sz="2600" dirty="0" smtClean="0"/>
-              <a:t>Interfaces</a:t>
-            </a:r>
-            <a:r>
-              <a:rPr lang="en-US" sz="2600" dirty="0" smtClean="0"/>
-              <a:t>, Inheritance, Polymorphism</a:t>
+              <a:t>Defining Classes, Constructors, Properties, Methods, Events, Interfaces, Inheritance, Polymorphism</a:t>
             </a:r>
           </a:p>
         </p:txBody>
@@ -11506,7 +10898,6 @@
               <a:rPr lang="en-US" sz="2800" dirty="0" smtClean="0"/>
               <a:t>Databases, SQL and MS SQL Server</a:t>
             </a:r>
-            <a:endParaRPr lang="en-US" sz="2800" dirty="0" smtClean="0"/>
           </a:p>
           <a:p>
             <a:pPr marL="714375" lvl="1" indent="-366713">
@@ -11519,15 +10910,7 @@
             </a:pPr>
             <a:r>
               <a:rPr lang="en-US" sz="2600" dirty="0" smtClean="0"/>
-              <a:t>RDBMS, SQL Language, SQL SELECT, Joins, </a:t>
-            </a:r>
-            <a:r>
-              <a:rPr lang="en-US" sz="2600" dirty="0" smtClean="0"/>
-              <a:t>Grouping</a:t>
-            </a:r>
-            <a:r>
-              <a:rPr lang="en-US" sz="2600" dirty="0" smtClean="0"/>
-              <a:t>, SQL INSERT, SQL UPDATE, SQL DELETE, MS SQL Server, SQL Server Management Studio </a:t>
+              <a:t>RDBMS, SQL Language, SQL SELECT, Joins, Grouping, SQL INSERT, SQL UPDATE, SQL DELETE, MS SQL Server, SQL Server Management Studio </a:t>
             </a:r>
           </a:p>
           <a:p>
@@ -11558,23 +10941,7 @@
             </a:pPr>
             <a:r>
               <a:rPr lang="en-US" sz="2600" dirty="0" smtClean="0"/>
-              <a:t>LINQ Operators and Expressions, Projections, Conversions, Aggregations, LINQ-to-SQL</a:t>
-            </a:r>
-            <a:r>
-              <a:rPr lang="en-US" sz="2600" dirty="0" smtClean="0"/>
-              <a:t>, </a:t>
-            </a:r>
-            <a:r>
-              <a:rPr lang="en-US" sz="2600" dirty="0" smtClean="0"/>
-              <a:t>Using </a:t>
-            </a:r>
-            <a:r>
-              <a:rPr lang="en-US" sz="2600" dirty="0" smtClean="0"/>
-              <a:t>DataContext to </a:t>
-            </a:r>
-            <a:r>
-              <a:rPr lang="en-US" sz="2600" dirty="0" smtClean="0"/>
-              <a:t>Read / Create / Update / Delete Data</a:t>
+              <a:t>LINQ Operators and Expressions, Projections, Conversions, Aggregations, LINQ-to-SQL, Using DataContext to Read / Create / Update / Delete Data</a:t>
             </a:r>
           </a:p>
           <a:p>
@@ -11593,7 +10960,6 @@
               <a:rPr lang="en-US" sz="2800" dirty="0" smtClean="0"/>
               <a:t>Web Technologies Basics</a:t>
             </a:r>
-            <a:endParaRPr lang="en-US" sz="2800" dirty="0" smtClean="0"/>
           </a:p>
           <a:p>
             <a:pPr marL="714375" lvl="1" indent="-366713">
@@ -11606,11 +10972,7 @@
             </a:pPr>
             <a:r>
               <a:rPr lang="en-US" sz="2600" dirty="0" smtClean="0"/>
-              <a:t>HTTP, HTML, Text, Images, Tables, Forms, CSS, </a:t>
-            </a:r>
-            <a:r>
-              <a:rPr lang="en-US" sz="2600" dirty="0" smtClean="0"/>
-              <a:t>JavaScript</a:t>
+              <a:t>HTTP, HTML, Text, Images, Tables, Forms, CSS, JavaScript</a:t>
             </a:r>
           </a:p>
         </p:txBody>
@@ -11734,7 +11096,6 @@
               <a:rPr lang="en-US" sz="2800" dirty="0" smtClean="0"/>
               <a:t>ASP.NET – Part I</a:t>
             </a:r>
-            <a:endParaRPr lang="en-US" sz="2800" dirty="0" smtClean="0"/>
           </a:p>
           <a:p>
             <a:pPr marL="714375" lvl="1" indent="-366713">
@@ -11747,15 +11108,7 @@
             </a:pPr>
             <a:r>
               <a:rPr lang="en-US" sz="2600" dirty="0" smtClean="0"/>
-              <a:t>ASP.NET Web Forms, </a:t>
-            </a:r>
-            <a:r>
-              <a:rPr lang="en-US" sz="2600" dirty="0" smtClean="0"/>
-              <a:t>Web </a:t>
-            </a:r>
-            <a:r>
-              <a:rPr lang="en-US" sz="2600" dirty="0" smtClean="0"/>
-              <a:t>Server Controls, HTML Server Controls, Creating Simple Web Applications</a:t>
+              <a:t>ASP.NET Web Forms, Web Server Controls, HTML Server Controls, Creating Simple Web Applications</a:t>
             </a:r>
           </a:p>
           <a:p>
@@ -11774,7 +11127,6 @@
               <a:rPr lang="en-US" sz="2800" dirty="0" smtClean="0"/>
               <a:t>ASP.NET – Part II</a:t>
             </a:r>
-            <a:endParaRPr lang="en-US" sz="2800" dirty="0" smtClean="0"/>
           </a:p>
           <a:p>
             <a:pPr marL="714375" lvl="1" indent="-366713">
@@ -11787,61 +11139,12 @@
             </a:pPr>
             <a:r>
               <a:rPr lang="en-US" sz="2600" dirty="0" smtClean="0"/>
-              <a:t>Data-Bound </a:t>
-            </a:r>
-            <a:r>
-              <a:rPr lang="en-US" sz="2600" dirty="0" smtClean="0"/>
-              <a:t>Controls: Data </a:t>
-            </a:r>
-            <a:r>
-              <a:rPr lang="en-US" sz="2600" dirty="0" smtClean="0"/>
-              <a:t>Sources, </a:t>
+              <a:t>Data-Bound Controls: Data Sources, </a:t>
             </a:r>
             <a:r>
               <a:rPr lang="en-US" sz="2600" noProof="1" smtClean="0"/>
-              <a:t>GridView</a:t>
-            </a:r>
-            <a:r>
-              <a:rPr lang="en-US" sz="2600" noProof="1" smtClean="0"/>
-              <a:t>, </a:t>
-            </a:r>
-            <a:r>
-              <a:rPr lang="en-US" sz="2600" noProof="1" smtClean="0"/>
-              <a:t>FormView</a:t>
-            </a:r>
-            <a:r>
-              <a:rPr lang="en-US" sz="2600" noProof="1" smtClean="0"/>
-              <a:t>, </a:t>
-            </a:r>
-            <a:r>
-              <a:rPr lang="en-US" sz="2600" noProof="1" smtClean="0"/>
-              <a:t>DetailsView</a:t>
-            </a:r>
-            <a:r>
-              <a:rPr lang="en-US" sz="2600" noProof="1" smtClean="0"/>
-              <a:t>, </a:t>
-            </a:r>
-            <a:r>
-              <a:rPr lang="en-US" sz="2600" noProof="1" smtClean="0"/>
-              <a:t>DataList</a:t>
-            </a:r>
-            <a:r>
-              <a:rPr lang="en-US" sz="2600" noProof="1" smtClean="0"/>
-              <a:t>, </a:t>
-            </a:r>
-            <a:r>
-              <a:rPr lang="en-US" sz="2600" noProof="1" smtClean="0"/>
-              <a:t>Repeater</a:t>
-            </a:r>
-            <a:r>
-              <a:rPr lang="en-US" sz="2600" noProof="1" smtClean="0"/>
-              <a:t>, </a:t>
-            </a:r>
-            <a:r>
-              <a:rPr lang="en-US" sz="2600" noProof="1" smtClean="0"/>
-              <a:t>ListView</a:t>
-            </a:r>
-            <a:endParaRPr lang="en-US" sz="2600" noProof="1" smtClean="0"/>
+              <a:t>GridView, FormView, DetailsView, DataList, Repeater, ListView</a:t>
+            </a:r>
           </a:p>
           <a:p>
             <a:pPr marL="361950" lvl="0" indent="-361950">
@@ -11857,15 +11160,7 @@
             </a:pPr>
             <a:r>
               <a:rPr lang="en-US" sz="2800" dirty="0" smtClean="0"/>
-              <a:t>ASP.NET </a:t>
-            </a:r>
-            <a:r>
-              <a:rPr lang="en-US" sz="2800" dirty="0" smtClean="0"/>
-              <a:t>– Part </a:t>
-            </a:r>
-            <a:r>
-              <a:rPr lang="en-US" sz="2800" dirty="0" smtClean="0"/>
-              <a:t>III</a:t>
+              <a:t>ASP.NET – Part III</a:t>
             </a:r>
             <a:endParaRPr lang="en-US" sz="2600" dirty="0" smtClean="0"/>
           </a:p>
@@ -11880,11 +11175,7 @@
             </a:pPr>
             <a:r>
               <a:rPr lang="en-US" sz="2600" dirty="0" smtClean="0"/>
-              <a:t>Session </a:t>
-            </a:r>
-            <a:r>
-              <a:rPr lang="en-US" sz="2600" dirty="0" smtClean="0"/>
-              <a:t>and State Management, Master Pages and Navigation, User Controls, </a:t>
+              <a:t>Session and State Management, Master Pages and Navigation, User Controls, </a:t>
             </a:r>
             <a:r>
               <a:rPr lang="en-US" sz="2600" noProof="1" smtClean="0"/>
@@ -11924,25 +11215,12 @@
             </a:pPr>
             <a:r>
               <a:rPr lang="en-US" sz="2600" noProof="1" smtClean="0"/>
-              <a:t>ScriptManager</a:t>
-            </a:r>
-            <a:r>
-              <a:rPr lang="en-US" sz="2600" noProof="1" smtClean="0"/>
-              <a:t>, </a:t>
-            </a:r>
-            <a:r>
-              <a:rPr lang="en-US" sz="2600" noProof="1" smtClean="0"/>
-              <a:t>UpdatePanel</a:t>
+              <a:t>ScriptManager, UpdatePanel</a:t>
             </a:r>
             <a:r>
               <a:rPr lang="en-US" sz="2600" dirty="0" smtClean="0"/>
-              <a:t>, </a:t>
-            </a:r>
-            <a:r>
-              <a:rPr lang="en-US" sz="2600" dirty="0" smtClean="0"/>
-              <a:t>AJAX Control Toolkit</a:t>
-            </a:r>
-            <a:endParaRPr lang="en-US" sz="2600" dirty="0" smtClean="0"/>
+              <a:t>, AJAX Control Toolkit</a:t>
+            </a:r>
           </a:p>
         </p:txBody>
       </p:sp>
@@ -12094,11 +11372,7 @@
             </a:pPr>
             <a:r>
               <a:rPr lang="en-US" sz="2800" dirty="0" smtClean="0"/>
-              <a:t>Practical </a:t>
-            </a:r>
-            <a:r>
-              <a:rPr lang="en-US" sz="2800" dirty="0" smtClean="0"/>
-              <a:t>Project</a:t>
+              <a:t>Practical Project</a:t>
             </a:r>
           </a:p>
           <a:p>
@@ -12112,15 +11386,7 @@
             </a:pPr>
             <a:r>
               <a:rPr lang="en-US" sz="2600" dirty="0" smtClean="0"/>
-              <a:t>Creating Dynamic Rich-Data ASP.NET Web </a:t>
-            </a:r>
-            <a:r>
-              <a:rPr lang="en-US" sz="2600" dirty="0" smtClean="0"/>
-              <a:t>Application: Step-by-Step </a:t>
-            </a:r>
-            <a:r>
-              <a:rPr lang="en-US" sz="2600" dirty="0" smtClean="0"/>
-              <a:t>Live Demo</a:t>
+              <a:t>Creating Dynamic Rich-Data ASP.NET Web Application: Step-by-Step Live Demo</a:t>
             </a:r>
             <a:endParaRPr lang="en-US" sz="2600" noProof="1" smtClean="0"/>
           </a:p>
@@ -12155,7 +11421,6 @@
               <a:rPr lang="en-US" sz="2600" dirty="0" smtClean="0"/>
               <a:t>Student will Suggest Interesting Topics</a:t>
             </a:r>
-            <a:endParaRPr lang="en-US" sz="2600" dirty="0" smtClean="0"/>
           </a:p>
           <a:p>
             <a:pPr marL="361950" lvl="0" indent="-361950">
@@ -12171,11 +11436,7 @@
             </a:pPr>
             <a:r>
               <a:rPr lang="en-US" sz="2800" dirty="0" smtClean="0"/>
-              <a:t>Additional Topic #</a:t>
-            </a:r>
-            <a:r>
-              <a:rPr lang="en-US" sz="2800" dirty="0" smtClean="0"/>
-              <a:t>1</a:t>
+              <a:t>Additional Topic #1</a:t>
             </a:r>
           </a:p>
           <a:p>
